--- a/allstate-presentation.pptx
+++ b/allstate-presentation.pptx
@@ -322,7 +322,7 @@
           <a:p>
             <a:fld id="{AE2B17A4-3277-4DA1-8203-626B1179662A}" type="datetimeFigureOut">
               <a:rPr lang="en-US" smtClean="0"/>
-              <a:t>5/18/2014</a:t>
+              <a:t>5/19/2014</a:t>
             </a:fld>
             <a:endParaRPr lang="en-US"/>
           </a:p>
@@ -492,7 +492,7 @@
           <a:p>
             <a:fld id="{AE2B17A4-3277-4DA1-8203-626B1179662A}" type="datetimeFigureOut">
               <a:rPr lang="en-US" smtClean="0"/>
-              <a:t>5/18/2014</a:t>
+              <a:t>5/19/2014</a:t>
             </a:fld>
             <a:endParaRPr lang="en-US"/>
           </a:p>
@@ -672,7 +672,7 @@
           <a:p>
             <a:fld id="{AE2B17A4-3277-4DA1-8203-626B1179662A}" type="datetimeFigureOut">
               <a:rPr lang="en-US" smtClean="0"/>
-              <a:t>5/18/2014</a:t>
+              <a:t>5/19/2014</a:t>
             </a:fld>
             <a:endParaRPr lang="en-US"/>
           </a:p>
@@ -842,7 +842,7 @@
           <a:p>
             <a:fld id="{AE2B17A4-3277-4DA1-8203-626B1179662A}" type="datetimeFigureOut">
               <a:rPr lang="en-US" smtClean="0"/>
-              <a:t>5/18/2014</a:t>
+              <a:t>5/19/2014</a:t>
             </a:fld>
             <a:endParaRPr lang="en-US"/>
           </a:p>
@@ -1088,7 +1088,7 @@
           <a:p>
             <a:fld id="{AE2B17A4-3277-4DA1-8203-626B1179662A}" type="datetimeFigureOut">
               <a:rPr lang="en-US" smtClean="0"/>
-              <a:t>5/18/2014</a:t>
+              <a:t>5/19/2014</a:t>
             </a:fld>
             <a:endParaRPr lang="en-US"/>
           </a:p>
@@ -1376,7 +1376,7 @@
           <a:p>
             <a:fld id="{AE2B17A4-3277-4DA1-8203-626B1179662A}" type="datetimeFigureOut">
               <a:rPr lang="en-US" smtClean="0"/>
-              <a:t>5/18/2014</a:t>
+              <a:t>5/19/2014</a:t>
             </a:fld>
             <a:endParaRPr lang="en-US"/>
           </a:p>
@@ -1798,7 +1798,7 @@
           <a:p>
             <a:fld id="{AE2B17A4-3277-4DA1-8203-626B1179662A}" type="datetimeFigureOut">
               <a:rPr lang="en-US" smtClean="0"/>
-              <a:t>5/18/2014</a:t>
+              <a:t>5/19/2014</a:t>
             </a:fld>
             <a:endParaRPr lang="en-US"/>
           </a:p>
@@ -1916,7 +1916,7 @@
           <a:p>
             <a:fld id="{AE2B17A4-3277-4DA1-8203-626B1179662A}" type="datetimeFigureOut">
               <a:rPr lang="en-US" smtClean="0"/>
-              <a:t>5/18/2014</a:t>
+              <a:t>5/19/2014</a:t>
             </a:fld>
             <a:endParaRPr lang="en-US"/>
           </a:p>
@@ -2011,7 +2011,7 @@
           <a:p>
             <a:fld id="{AE2B17A4-3277-4DA1-8203-626B1179662A}" type="datetimeFigureOut">
               <a:rPr lang="en-US" smtClean="0"/>
-              <a:t>5/18/2014</a:t>
+              <a:t>5/19/2014</a:t>
             </a:fld>
             <a:endParaRPr lang="en-US"/>
           </a:p>
@@ -2288,7 +2288,7 @@
           <a:p>
             <a:fld id="{AE2B17A4-3277-4DA1-8203-626B1179662A}" type="datetimeFigureOut">
               <a:rPr lang="en-US" smtClean="0"/>
-              <a:t>5/18/2014</a:t>
+              <a:t>5/19/2014</a:t>
             </a:fld>
             <a:endParaRPr lang="en-US"/>
           </a:p>
@@ -2541,7 +2541,7 @@
           <a:p>
             <a:fld id="{AE2B17A4-3277-4DA1-8203-626B1179662A}" type="datetimeFigureOut">
               <a:rPr lang="en-US" smtClean="0"/>
-              <a:t>5/18/2014</a:t>
+              <a:t>5/19/2014</a:t>
             </a:fld>
             <a:endParaRPr lang="en-US"/>
           </a:p>
@@ -2754,7 +2754,7 @@
           <a:p>
             <a:fld id="{AE2B17A4-3277-4DA1-8203-626B1179662A}" type="datetimeFigureOut">
               <a:rPr lang="en-US" smtClean="0"/>
-              <a:t>5/18/2014</a:t>
+              <a:t>5/19/2014</a:t>
             </a:fld>
             <a:endParaRPr lang="en-US"/>
           </a:p>
@@ -3253,15 +3253,7 @@
           <a:p>
             <a:r>
               <a:rPr lang="en-US" dirty="0" smtClean="0"/>
-              <a:t>Data to the </a:t>
-            </a:r>
-            <a:r>
-              <a:rPr lang="en-US" dirty="0" smtClean="0"/>
-              <a:t>rescue</a:t>
-            </a:r>
-            <a:r>
-              <a:rPr lang="en-US" dirty="0" smtClean="0"/>
-              <a:t>!</a:t>
+              <a:t>Data to the rescue!</a:t>
             </a:r>
             <a:endParaRPr lang="en-US" dirty="0"/>
           </a:p>
@@ -4097,13 +4089,8 @@
           <a:p>
             <a:r>
               <a:rPr lang="en-US" dirty="0" smtClean="0"/>
-              <a:t>Create a list of “rules” about pairs of </a:t>
-            </a:r>
-            <a:r>
-              <a:rPr lang="en-US" dirty="0" smtClean="0"/>
-              <a:t>options, and use these rules to “fix” the baseline predictions</a:t>
-            </a:r>
-            <a:endParaRPr lang="en-US" dirty="0" smtClean="0"/>
+              <a:t>Create a list of “rules” about pairs of options, and use these rules to “fix” the baseline predictions</a:t>
+            </a:r>
           </a:p>
           <a:p>
             <a:pPr lvl="1"/>
@@ -4115,11 +4102,7 @@
           <a:p>
             <a:r>
               <a:rPr lang="en-US" dirty="0" smtClean="0"/>
-              <a:t>Result</a:t>
-            </a:r>
-            <a:r>
-              <a:rPr lang="en-US" dirty="0" smtClean="0"/>
-              <a:t>: Worse than naïve approach!</a:t>
+              <a:t>Result: Worse than naïve approach!</a:t>
             </a:r>
           </a:p>
         </p:txBody>
@@ -4305,15 +4288,7 @@
           <a:p>
             <a:r>
               <a:rPr lang="en-US" dirty="0" smtClean="0"/>
-              <a:t>New </a:t>
-            </a:r>
-            <a:r>
-              <a:rPr lang="en-US" dirty="0" smtClean="0"/>
-              <a:t>strategy</a:t>
-            </a:r>
-            <a:r>
-              <a:rPr lang="en-US" dirty="0" smtClean="0"/>
-              <a:t>: Model stacking</a:t>
+              <a:t>New strategy: Model stacking</a:t>
             </a:r>
             <a:endParaRPr lang="en-US" dirty="0"/>
           </a:p>
@@ -4662,15 +4637,7 @@
           <a:p>
             <a:r>
               <a:rPr lang="en-US" dirty="0" smtClean="0"/>
-              <a:t>What is the </a:t>
-            </a:r>
-            <a:r>
-              <a:rPr lang="en-US" dirty="0" smtClean="0"/>
-              <a:t>competition goal</a:t>
-            </a:r>
-            <a:r>
-              <a:rPr lang="en-US" dirty="0" smtClean="0"/>
-              <a:t>?</a:t>
+              <a:t>What is the competition goal?</a:t>
             </a:r>
           </a:p>
           <a:p>
@@ -4771,11 +4738,7 @@
           <a:p>
             <a:r>
               <a:rPr lang="en-US" dirty="0" smtClean="0"/>
-              <a:t>Feature </a:t>
-            </a:r>
-            <a:r>
-              <a:rPr lang="en-US" dirty="0" smtClean="0"/>
-              <a:t>engineering to the rescue!</a:t>
+              <a:t>Feature engineering to the rescue!</a:t>
             </a:r>
             <a:endParaRPr lang="en-US" dirty="0"/>
           </a:p>
@@ -4907,11 +4870,7 @@
           <a:p>
             <a:r>
               <a:rPr lang="en-US" dirty="0" smtClean="0"/>
-              <a:t>Feature </a:t>
-            </a:r>
-            <a:r>
-              <a:rPr lang="en-US" dirty="0" smtClean="0"/>
-              <a:t>engineering</a:t>
+              <a:t>Feature engineering</a:t>
             </a:r>
             <a:endParaRPr lang="en-US" dirty="0"/>
           </a:p>
@@ -5068,11 +5027,7 @@
           <a:p>
             <a:r>
               <a:rPr lang="en-US" dirty="0" smtClean="0"/>
-              <a:t>Feature </a:t>
-            </a:r>
-            <a:r>
-              <a:rPr lang="en-US" dirty="0" smtClean="0"/>
-              <a:t>engineering</a:t>
+              <a:t>Feature engineering</a:t>
             </a:r>
             <a:endParaRPr lang="en-US" dirty="0"/>
           </a:p>
@@ -5192,11 +5147,7 @@
           <a:p>
             <a:r>
               <a:rPr lang="en-US" dirty="0" smtClean="0"/>
-              <a:t>Step </a:t>
-            </a:r>
-            <a:r>
-              <a:rPr lang="en-US" dirty="0" smtClean="0"/>
-              <a:t>1 (</a:t>
+              <a:t>Step 1 (</a:t>
             </a:r>
             <a:r>
               <a:rPr lang="en-US" dirty="0" err="1" smtClean="0"/>
@@ -5204,11 +5155,7 @@
             </a:r>
             <a:r>
               <a:rPr lang="en-US" dirty="0" smtClean="0"/>
-              <a:t>): </a:t>
-            </a:r>
-            <a:r>
-              <a:rPr lang="en-US" dirty="0" smtClean="0"/>
-              <a:t>Predict who will change</a:t>
+              <a:t>): Predict who will change</a:t>
             </a:r>
             <a:endParaRPr lang="en-US" dirty="0"/>
           </a:p>
@@ -5414,11 +5361,7 @@
           <a:p>
             <a:r>
               <a:rPr lang="en-US" dirty="0" smtClean="0"/>
-              <a:t>New </a:t>
-            </a:r>
-            <a:r>
-              <a:rPr lang="en-US" dirty="0" smtClean="0"/>
-              <a:t>strategy: Precision not accuracy</a:t>
+              <a:t>New strategy: Precision not accuracy</a:t>
             </a:r>
             <a:endParaRPr lang="en-US" dirty="0"/>
           </a:p>
@@ -5467,11 +5410,7 @@
             <a:pPr lvl="1"/>
             <a:r>
               <a:rPr lang="en-US" dirty="0" smtClean="0"/>
-              <a:t>Thus: </a:t>
-            </a:r>
-            <a:r>
-              <a:rPr lang="en-US" dirty="0" smtClean="0"/>
-              <a:t>minimize false positives by setting a high probability threshold</a:t>
+              <a:t>Thus: minimize false positives by setting a high probability threshold</a:t>
             </a:r>
           </a:p>
           <a:p>
@@ -5484,31 +5423,7 @@
             <a:pPr lvl="1"/>
             <a:r>
               <a:rPr lang="en-US" dirty="0" smtClean="0"/>
-              <a:t>In</a:t>
-            </a:r>
-            <a:r>
-              <a:rPr lang="en-US" dirty="0" smtClean="0"/>
-              <a:t> </a:t>
-            </a:r>
-            <a:r>
-              <a:rPr lang="en-US" dirty="0" smtClean="0"/>
-              <a:t>test </a:t>
-            </a:r>
-            <a:r>
-              <a:rPr lang="en-US" dirty="0" smtClean="0"/>
-              <a:t>set, about </a:t>
-            </a:r>
-            <a:r>
-              <a:rPr lang="en-US" dirty="0" smtClean="0"/>
-              <a:t>25,000 customers will change </a:t>
-            </a:r>
-            <a:r>
-              <a:rPr lang="en-US" dirty="0" smtClean="0"/>
-              <a:t>options after their final </a:t>
-            </a:r>
-            <a:r>
-              <a:rPr lang="en-US" dirty="0" smtClean="0"/>
-              <a:t>quote</a:t>
+              <a:t>In test set, about 25,000 customers will change options after their final quote</a:t>
             </a:r>
           </a:p>
           <a:p>
@@ -5601,27 +5516,14 @@
           <a:p>
             <a:r>
               <a:rPr lang="en-US" dirty="0" smtClean="0"/>
-              <a:t>Created a cross-validation framework to predict the test set precision </a:t>
-            </a:r>
-            <a:r>
-              <a:rPr lang="en-US" dirty="0" smtClean="0"/>
-              <a:t>of </a:t>
-            </a:r>
-            <a:r>
-              <a:rPr lang="en-US" dirty="0" smtClean="0"/>
-              <a:t>my model</a:t>
-            </a:r>
-          </a:p>
-          <a:p>
-            <a:r>
-              <a:rPr lang="en-US" dirty="0" smtClean="0"/>
-              <a:t>Tuned the probability threshold for predicting change to </a:t>
-            </a:r>
-            <a:r>
-              <a:rPr lang="en-US" dirty="0" smtClean="0"/>
-              <a:t>0.85 (rather than 0.50)</a:t>
-            </a:r>
-            <a:endParaRPr lang="en-US" dirty="0" smtClean="0"/>
+              <a:t>Created a cross-validation framework to predict the test set precision of my model</a:t>
+            </a:r>
+          </a:p>
+          <a:p>
+            <a:r>
+              <a:rPr lang="en-US" dirty="0" smtClean="0"/>
+              <a:t>Tuned the probability threshold for predicting change to 0.85 (rather than 0.50)</a:t>
+            </a:r>
           </a:p>
           <a:p>
             <a:pPr lvl="1"/>
@@ -5934,21 +5836,8 @@
             </a:r>
             <a:r>
               <a:rPr lang="en-US" dirty="0" smtClean="0"/>
-              <a:t> using </a:t>
-            </a:r>
-            <a:r>
-              <a:rPr lang="en-US" dirty="0" smtClean="0"/>
-              <a:t>my </a:t>
-            </a:r>
-            <a:r>
-              <a:rPr lang="en-US" dirty="0" smtClean="0"/>
-              <a:t>list of “rules” about unlikely </a:t>
-            </a:r>
-            <a:r>
-              <a:rPr lang="en-US" dirty="0" smtClean="0"/>
-              <a:t>combinations</a:t>
-            </a:r>
-            <a:endParaRPr lang="en-US" dirty="0" smtClean="0"/>
+              <a:t> using my list of “rules” about unlikely combinations</a:t>
+            </a:r>
           </a:p>
           <a:p>
             <a:pPr lvl="1"/>
@@ -5966,11 +5855,7 @@
           <a:p>
             <a:r>
               <a:rPr lang="en-US" dirty="0" smtClean="0"/>
-              <a:t>Result: No </a:t>
-            </a:r>
-            <a:r>
-              <a:rPr lang="en-US" dirty="0" smtClean="0"/>
-              <a:t>improvement over the baseline</a:t>
+              <a:t>Result: No improvement over the baseline</a:t>
             </a:r>
             <a:endParaRPr lang="en-US" dirty="0"/>
           </a:p>
@@ -6089,11 +5974,7 @@
           <a:p>
             <a:r>
               <a:rPr lang="en-US" dirty="0" smtClean="0"/>
-              <a:t>Note: This </a:t>
-            </a:r>
-            <a:r>
-              <a:rPr lang="en-US" dirty="0" smtClean="0"/>
-              <a:t>approach ignores all customer data!</a:t>
+              <a:t>Note: This approach ignores all customer data!</a:t>
             </a:r>
             <a:endParaRPr lang="en-US" dirty="0"/>
           </a:p>
@@ -6153,15 +6034,7 @@
           <a:p>
             <a:r>
               <a:rPr lang="en-US" dirty="0" smtClean="0"/>
-              <a:t>What is the </a:t>
-            </a:r>
-            <a:r>
-              <a:rPr lang="en-US" dirty="0" smtClean="0"/>
-              <a:t>competition goal</a:t>
-            </a:r>
-            <a:r>
-              <a:rPr lang="en-US" dirty="0" smtClean="0"/>
-              <a:t>?</a:t>
+              <a:t>What is the competition goal?</a:t>
             </a:r>
             <a:endParaRPr lang="en-US" dirty="0"/>
           </a:p>
@@ -6302,7 +6175,6 @@
               <a:rPr lang="en-US" dirty="0" smtClean="0"/>
               <a:t>Determine which plans are “unlikely”</a:t>
             </a:r>
-            <a:endParaRPr lang="en-US" dirty="0" smtClean="0"/>
           </a:p>
           <a:p>
             <a:pPr lvl="1"/>
@@ -6312,23 +6184,15 @@
             </a:r>
             <a:r>
               <a:rPr lang="en-US" b="1" dirty="0" smtClean="0"/>
-              <a:t>view </a:t>
+              <a:t>view count</a:t>
+            </a:r>
+            <a:r>
+              <a:rPr lang="en-US" dirty="0" smtClean="0"/>
+              <a:t> and </a:t>
             </a:r>
             <a:r>
               <a:rPr lang="en-US" b="1" dirty="0" smtClean="0"/>
-              <a:t>count</a:t>
-            </a:r>
-            <a:r>
-              <a:rPr lang="en-US" dirty="0" smtClean="0"/>
-              <a:t> and </a:t>
-            </a:r>
-            <a:r>
-              <a:rPr lang="en-US" b="1" dirty="0" smtClean="0"/>
-              <a:t>purchase </a:t>
-            </a:r>
-            <a:r>
-              <a:rPr lang="en-US" b="1" dirty="0" smtClean="0"/>
-              <a:t>likelihood</a:t>
+              <a:t>purchase likelihood</a:t>
             </a:r>
             <a:r>
               <a:rPr lang="en-US" dirty="0"/>
@@ -6338,27 +6202,18 @@
               <a:rPr lang="en-US" dirty="0" smtClean="0"/>
               <a:t>for every plan and set threshold values</a:t>
             </a:r>
-            <a:endParaRPr lang="en-US" dirty="0" smtClean="0"/>
-          </a:p>
-          <a:p>
-            <a:r>
-              <a:rPr lang="en-US" dirty="0" smtClean="0"/>
-              <a:t>Determine the best replacement plan for each unlikely </a:t>
-            </a:r>
-            <a:r>
-              <a:rPr lang="en-US" dirty="0" smtClean="0"/>
-              <a:t>plan</a:t>
+          </a:p>
+          <a:p>
+            <a:r>
+              <a:rPr lang="en-US" dirty="0" smtClean="0"/>
+              <a:t>Determine the best replacement plan for each unlikely plan</a:t>
             </a:r>
           </a:p>
           <a:p>
             <a:pPr lvl="1"/>
             <a:r>
               <a:rPr lang="en-US" dirty="0" smtClean="0"/>
-              <a:t>Tally which </a:t>
-            </a:r>
-            <a:r>
-              <a:rPr lang="en-US" dirty="0" smtClean="0"/>
-              <a:t>plans were actually purchased by those who viewed them</a:t>
+              <a:t>Tally which plans were actually purchased by those who viewed them</a:t>
             </a:r>
           </a:p>
           <a:p>
@@ -6369,11 +6224,7 @@
             </a:r>
             <a:r>
               <a:rPr lang="en-US" b="1" dirty="0" smtClean="0"/>
-              <a:t>replacement plan </a:t>
-            </a:r>
-            <a:r>
-              <a:rPr lang="en-US" b="1" dirty="0" smtClean="0"/>
-              <a:t>commonality</a:t>
+              <a:t>replacement plan commonality</a:t>
             </a:r>
             <a:r>
               <a:rPr lang="en-US" dirty="0" smtClean="0"/>
@@ -6644,11 +6495,33 @@
           <a:p>
             <a:r>
               <a:rPr lang="en-US" dirty="0" smtClean="0"/>
-              <a:t>Change the plans on the left to the plans on the </a:t>
-            </a:r>
-            <a:r>
-              <a:rPr lang="en-US" dirty="0" smtClean="0"/>
-              <a:t>right:</a:t>
+              <a:t>If the plan on the left is predicted by the naïve approach, change it to the plan on </a:t>
+            </a:r>
+            <a:r>
+              <a:rPr lang="en-US" dirty="0" smtClean="0"/>
+              <a:t>the right</a:t>
+            </a:r>
+            <a:r>
+              <a:rPr lang="en-US" dirty="0" smtClean="0"/>
+              <a:t>:</a:t>
+            </a:r>
+          </a:p>
+          <a:p>
+            <a:endParaRPr lang="en-US" dirty="0"/>
+          </a:p>
+          <a:p>
+            <a:endParaRPr lang="en-US" dirty="0" smtClean="0"/>
+          </a:p>
+          <a:p>
+            <a:endParaRPr lang="en-US" dirty="0"/>
+          </a:p>
+          <a:p>
+            <a:endParaRPr lang="en-US" dirty="0" smtClean="0"/>
+          </a:p>
+          <a:p>
+            <a:r>
+              <a:rPr lang="en-US" dirty="0" smtClean="0"/>
+              <a:t>That’s all you have to do!</a:t>
             </a:r>
             <a:endParaRPr lang="en-US" dirty="0"/>
           </a:p>
@@ -6656,21 +6529,21 @@
       </p:sp>
       <p:graphicFrame>
         <p:nvGraphicFramePr>
-          <p:cNvPr id="4" name="Table 3"/>
+          <p:cNvPr id="6" name="Table 5"/>
           <p:cNvGraphicFramePr>
             <a:graphicFrameLocks noGrp="1"/>
           </p:cNvGraphicFramePr>
           <p:nvPr>
             <p:extLst>
               <p:ext uri="{D42A27DB-BD31-4B8C-83A1-F6EECF244321}">
-                <p14:modId xmlns:p14="http://schemas.microsoft.com/office/powerpoint/2010/main" val="220136824"/>
+                <p14:modId xmlns:p14="http://schemas.microsoft.com/office/powerpoint/2010/main" val="4156534850"/>
               </p:ext>
             </p:extLst>
           </p:nvPr>
         </p:nvGraphicFramePr>
         <p:xfrm>
-          <a:off x="1828800" y="2590800"/>
-          <a:ext cx="2133600" cy="3667125"/>
+          <a:off x="1676400" y="2743200"/>
+          <a:ext cx="2133600" cy="2000250"/>
         </p:xfrm>
         <a:graphic>
           <a:graphicData uri="http://schemas.openxmlformats.org/drawingml/2006/table">
@@ -6695,12 +6568,12 @@
                     <a:p>
                       <a:pPr algn="l" fontAlgn="b"/>
                       <a:r>
-                        <a:rPr lang="en-US" sz="2000" u="none" strike="noStrike" dirty="0">
+                        <a:rPr lang="en-US" sz="2000" u="none" strike="noStrike">
                           <a:effectLst/>
                         </a:rPr>
                         <a:t>A</a:t>
                       </a:r>
-                      <a:endParaRPr lang="en-US" sz="2000" b="0" i="0" u="none" strike="noStrike" dirty="0">
+                      <a:endParaRPr lang="en-US" sz="2000" b="0" i="0" u="none" strike="noStrike">
                         <a:solidFill>
                           <a:srgbClr val="000000"/>
                         </a:solidFill>
@@ -6907,7 +6780,7 @@
                         <a:rPr lang="en-US" sz="2000" u="none" strike="noStrike">
                           <a:effectLst/>
                         </a:rPr>
-                        <a:t>3</a:t>
+                        <a:t>1</a:t>
                       </a:r>
                       <a:endParaRPr lang="en-US" sz="2000" b="0" i="0" u="none" strike="noStrike">
                         <a:solidFill>
@@ -7024,52 +6897,6 @@
                         <a:rPr lang="en-US" sz="2000" u="none" strike="noStrike">
                           <a:effectLst/>
                         </a:rPr>
-                        <a:t>0</a:t>
-                      </a:r>
-                      <a:endParaRPr lang="en-US" sz="2000" b="0" i="0" u="none" strike="noStrike">
-                        <a:solidFill>
-                          <a:srgbClr val="000000"/>
-                        </a:solidFill>
-                        <a:effectLst/>
-                        <a:latin typeface="Calibri"/>
-                      </a:endParaRPr>
-                    </a:p>
-                  </a:txBody>
-                  <a:tcPr marL="9525" marR="9525" marT="9525" marB="0" anchor="b"/>
-                </a:tc>
-                <a:tc>
-                  <a:txBody>
-                    <a:bodyPr/>
-                    <a:lstStyle/>
-                    <a:p>
-                      <a:pPr algn="l" fontAlgn="b"/>
-                      <a:r>
-                        <a:rPr lang="en-US" sz="2000" u="none" strike="noStrike">
-                          <a:effectLst/>
-                        </a:rPr>
-                        <a:t>0</a:t>
-                      </a:r>
-                      <a:endParaRPr lang="en-US" sz="2000" b="0" i="0" u="none" strike="noStrike">
-                        <a:solidFill>
-                          <a:srgbClr val="000000"/>
-                        </a:solidFill>
-                        <a:effectLst/>
-                        <a:latin typeface="Calibri"/>
-                      </a:endParaRPr>
-                    </a:p>
-                  </a:txBody>
-                  <a:tcPr marL="9525" marR="9525" marT="9525" marB="0" anchor="b"/>
-                </a:tc>
-                <a:tc>
-                  <a:txBody>
-                    <a:bodyPr/>
-                    <a:lstStyle/>
-                    <a:p>
-                      <a:pPr algn="l" fontAlgn="b"/>
-                      <a:r>
-                        <a:rPr lang="en-US" sz="2000" u="none" strike="noStrike">
-                          <a:effectLst/>
-                        </a:rPr>
                         <a:t>1</a:t>
                       </a:r>
                       <a:endParaRPr lang="en-US" sz="2000" b="0" i="0" u="none" strike="noStrike">
@@ -7116,53 +6943,99 @@
                         <a:rPr lang="en-US" sz="2000" u="none" strike="noStrike">
                           <a:effectLst/>
                         </a:rPr>
-                        <a:t>0</a:t>
-                      </a:r>
-                      <a:endParaRPr lang="en-US" sz="2000" b="0" i="0" u="none" strike="noStrike">
-                        <a:solidFill>
-                          <a:srgbClr val="000000"/>
-                        </a:solidFill>
-                        <a:effectLst/>
-                        <a:latin typeface="Calibri"/>
-                      </a:endParaRPr>
-                    </a:p>
-                  </a:txBody>
-                  <a:tcPr marL="9525" marR="9525" marT="9525" marB="0" anchor="b"/>
-                </a:tc>
-                <a:tc>
-                  <a:txBody>
-                    <a:bodyPr/>
-                    <a:lstStyle/>
-                    <a:p>
-                      <a:pPr algn="l" fontAlgn="b"/>
-                      <a:r>
-                        <a:rPr lang="en-US" sz="2000" u="none" strike="noStrike">
-                          <a:effectLst/>
-                        </a:rPr>
-                        <a:t>0</a:t>
-                      </a:r>
-                      <a:endParaRPr lang="en-US" sz="2000" b="0" i="0" u="none" strike="noStrike">
-                        <a:solidFill>
-                          <a:srgbClr val="000000"/>
-                        </a:solidFill>
-                        <a:effectLst/>
-                        <a:latin typeface="Calibri"/>
-                      </a:endParaRPr>
-                    </a:p>
-                  </a:txBody>
-                  <a:tcPr marL="9525" marR="9525" marT="9525" marB="0" anchor="b"/>
-                </a:tc>
-                <a:tc>
-                  <a:txBody>
-                    <a:bodyPr/>
-                    <a:lstStyle/>
-                    <a:p>
-                      <a:pPr algn="l" fontAlgn="b"/>
-                      <a:r>
-                        <a:rPr lang="en-US" sz="2000" u="none" strike="noStrike">
-                          <a:effectLst/>
-                        </a:rPr>
-                        <a:t>4</a:t>
+                        <a:t>3</a:t>
+                      </a:r>
+                      <a:endParaRPr lang="en-US" sz="2000" b="0" i="0" u="none" strike="noStrike">
+                        <a:solidFill>
+                          <a:srgbClr val="000000"/>
+                        </a:solidFill>
+                        <a:effectLst/>
+                        <a:latin typeface="Calibri"/>
+                      </a:endParaRPr>
+                    </a:p>
+                  </a:txBody>
+                  <a:tcPr marL="9525" marR="9525" marT="9525" marB="0" anchor="b"/>
+                </a:tc>
+                <a:tc>
+                  <a:txBody>
+                    <a:bodyPr/>
+                    <a:lstStyle/>
+                    <a:p>
+                      <a:pPr algn="l" fontAlgn="b"/>
+                      <a:r>
+                        <a:rPr lang="en-US" sz="2000" u="none" strike="noStrike">
+                          <a:effectLst/>
+                        </a:rPr>
+                        <a:t>1</a:t>
+                      </a:r>
+                      <a:endParaRPr lang="en-US" sz="2000" b="0" i="0" u="none" strike="noStrike">
+                        <a:solidFill>
+                          <a:srgbClr val="000000"/>
+                        </a:solidFill>
+                        <a:effectLst/>
+                        <a:latin typeface="Calibri"/>
+                      </a:endParaRPr>
+                    </a:p>
+                  </a:txBody>
+                  <a:tcPr marL="9525" marR="9525" marT="9525" marB="0" anchor="b"/>
+                </a:tc>
+                <a:tc>
+                  <a:txBody>
+                    <a:bodyPr/>
+                    <a:lstStyle/>
+                    <a:p>
+                      <a:pPr algn="l" fontAlgn="b"/>
+                      <a:r>
+                        <a:rPr lang="en-US" sz="2000" u="none" strike="noStrike">
+                          <a:effectLst/>
+                        </a:rPr>
+                        <a:t>1</a:t>
+                      </a:r>
+                      <a:endParaRPr lang="en-US" sz="2000" b="0" i="0" u="none" strike="noStrike">
+                        <a:solidFill>
+                          <a:srgbClr val="000000"/>
+                        </a:solidFill>
+                        <a:effectLst/>
+                        <a:latin typeface="Calibri"/>
+                      </a:endParaRPr>
+                    </a:p>
+                  </a:txBody>
+                  <a:tcPr marL="9525" marR="9525" marT="9525" marB="0" anchor="b"/>
+                </a:tc>
+                <a:tc>
+                  <a:txBody>
+                    <a:bodyPr/>
+                    <a:lstStyle/>
+                    <a:p>
+                      <a:pPr algn="l" fontAlgn="b"/>
+                      <a:r>
+                        <a:rPr lang="en-US" sz="2000" u="none" strike="noStrike">
+                          <a:effectLst/>
+                        </a:rPr>
+                        <a:t>2</a:t>
+                      </a:r>
+                      <a:endParaRPr lang="en-US" sz="2000" b="0" i="0" u="none" strike="noStrike">
+                        <a:solidFill>
+                          <a:srgbClr val="000000"/>
+                        </a:solidFill>
+                        <a:effectLst/>
+                        <a:latin typeface="Calibri"/>
+                      </a:endParaRPr>
+                    </a:p>
+                  </a:txBody>
+                  <a:tcPr marL="9525" marR="9525" marT="9525" marB="0" anchor="b"/>
+                </a:tc>
+                <a:tc>
+                  <a:txBody>
+                    <a:bodyPr/>
+                    <a:lstStyle/>
+                    <a:p>
+                      <a:pPr algn="l" fontAlgn="b"/>
+                      <a:r>
+                        <a:rPr lang="en-US" sz="2000" u="none" strike="noStrike">
+                          <a:effectLst/>
+                        </a:rPr>
+                        <a:t>2</a:t>
                       </a:r>
                       <a:endParaRPr lang="en-US" sz="2000" b="0" i="0" u="none" strike="noStrike">
                         <a:solidFill>
@@ -7210,6 +7083,29 @@
                         <a:rPr lang="en-US" sz="2000" u="none" strike="noStrike">
                           <a:effectLst/>
                         </a:rPr>
+                        <a:t>0</a:t>
+                      </a:r>
+                      <a:endParaRPr lang="en-US" sz="2000" b="0" i="0" u="none" strike="noStrike">
+                        <a:solidFill>
+                          <a:srgbClr val="000000"/>
+                        </a:solidFill>
+                        <a:effectLst/>
+                        <a:latin typeface="Calibri"/>
+                      </a:endParaRPr>
+                    </a:p>
+                  </a:txBody>
+                  <a:tcPr marL="9525" marR="9525" marT="9525" marB="0" anchor="b"/>
+                </a:tc>
+                <a:tc>
+                  <a:txBody>
+                    <a:bodyPr/>
+                    <a:lstStyle/>
+                    <a:p>
+                      <a:pPr algn="l" fontAlgn="b"/>
+                      <a:r>
+                        <a:rPr lang="en-US" sz="2000" u="none" strike="noStrike">
+                          <a:effectLst/>
+                        </a:rPr>
                         <a:t>1</a:t>
                       </a:r>
                       <a:endParaRPr lang="en-US" sz="2000" b="0" i="0" u="none" strike="noStrike">
@@ -7233,29 +7129,6 @@
                         <a:rPr lang="en-US" sz="2000" u="none" strike="noStrike">
                           <a:effectLst/>
                         </a:rPr>
-                        <a:t>3</a:t>
-                      </a:r>
-                      <a:endParaRPr lang="en-US" sz="2000" b="0" i="0" u="none" strike="noStrike">
-                        <a:solidFill>
-                          <a:srgbClr val="000000"/>
-                        </a:solidFill>
-                        <a:effectLst/>
-                        <a:latin typeface="Calibri"/>
-                      </a:endParaRPr>
-                    </a:p>
-                  </a:txBody>
-                  <a:tcPr marL="9525" marR="9525" marT="9525" marB="0" anchor="b"/>
-                </a:tc>
-                <a:tc>
-                  <a:txBody>
-                    <a:bodyPr/>
-                    <a:lstStyle/>
-                    <a:p>
-                      <a:pPr algn="l" fontAlgn="b"/>
-                      <a:r>
-                        <a:rPr lang="en-US" sz="2000" u="none" strike="noStrike">
-                          <a:effectLst/>
-                        </a:rPr>
                         <a:t>1</a:t>
                       </a:r>
                       <a:endParaRPr lang="en-US" sz="2000" b="0" i="0" u="none" strike="noStrike">
@@ -7279,53 +7152,53 @@
                         <a:rPr lang="en-US" sz="2000" u="none" strike="noStrike">
                           <a:effectLst/>
                         </a:rPr>
-                        <a:t>1</a:t>
-                      </a:r>
-                      <a:endParaRPr lang="en-US" sz="2000" b="0" i="0" u="none" strike="noStrike">
-                        <a:solidFill>
-                          <a:srgbClr val="000000"/>
-                        </a:solidFill>
-                        <a:effectLst/>
-                        <a:latin typeface="Calibri"/>
-                      </a:endParaRPr>
-                    </a:p>
-                  </a:txBody>
-                  <a:tcPr marL="9525" marR="9525" marT="9525" marB="0" anchor="b"/>
-                </a:tc>
-                <a:tc>
-                  <a:txBody>
-                    <a:bodyPr/>
-                    <a:lstStyle/>
-                    <a:p>
-                      <a:pPr algn="l" fontAlgn="b"/>
-                      <a:r>
-                        <a:rPr lang="en-US" sz="2000" u="none" strike="noStrike">
-                          <a:effectLst/>
-                        </a:rPr>
-                        <a:t>2</a:t>
-                      </a:r>
-                      <a:endParaRPr lang="en-US" sz="2000" b="0" i="0" u="none" strike="noStrike">
-                        <a:solidFill>
-                          <a:srgbClr val="000000"/>
-                        </a:solidFill>
-                        <a:effectLst/>
-                        <a:latin typeface="Calibri"/>
-                      </a:endParaRPr>
-                    </a:p>
-                  </a:txBody>
-                  <a:tcPr marL="9525" marR="9525" marT="9525" marB="0" anchor="b"/>
-                </a:tc>
-                <a:tc>
-                  <a:txBody>
-                    <a:bodyPr/>
-                    <a:lstStyle/>
-                    <a:p>
-                      <a:pPr algn="l" fontAlgn="b"/>
-                      <a:r>
-                        <a:rPr lang="en-US" sz="2000" u="none" strike="noStrike">
-                          <a:effectLst/>
-                        </a:rPr>
-                        <a:t>2</a:t>
+                        <a:t>0</a:t>
+                      </a:r>
+                      <a:endParaRPr lang="en-US" sz="2000" b="0" i="0" u="none" strike="noStrike">
+                        <a:solidFill>
+                          <a:srgbClr val="000000"/>
+                        </a:solidFill>
+                        <a:effectLst/>
+                        <a:latin typeface="Calibri"/>
+                      </a:endParaRPr>
+                    </a:p>
+                  </a:txBody>
+                  <a:tcPr marL="9525" marR="9525" marT="9525" marB="0" anchor="b"/>
+                </a:tc>
+                <a:tc>
+                  <a:txBody>
+                    <a:bodyPr/>
+                    <a:lstStyle/>
+                    <a:p>
+                      <a:pPr algn="l" fontAlgn="b"/>
+                      <a:r>
+                        <a:rPr lang="en-US" sz="2000" u="none" strike="noStrike">
+                          <a:effectLst/>
+                        </a:rPr>
+                        <a:t>0</a:t>
+                      </a:r>
+                      <a:endParaRPr lang="en-US" sz="2000" b="0" i="0" u="none" strike="noStrike">
+                        <a:solidFill>
+                          <a:srgbClr val="000000"/>
+                        </a:solidFill>
+                        <a:effectLst/>
+                        <a:latin typeface="Calibri"/>
+                      </a:endParaRPr>
+                    </a:p>
+                  </a:txBody>
+                  <a:tcPr marL="9525" marR="9525" marT="9525" marB="0" anchor="b"/>
+                </a:tc>
+                <a:tc>
+                  <a:txBody>
+                    <a:bodyPr/>
+                    <a:lstStyle/>
+                    <a:p>
+                      <a:pPr algn="l" fontAlgn="b"/>
+                      <a:r>
+                        <a:rPr lang="en-US" sz="2000" u="none" strike="noStrike">
+                          <a:effectLst/>
+                        </a:rPr>
+                        <a:t>4</a:t>
                       </a:r>
                       <a:endParaRPr lang="en-US" sz="2000" b="0" i="0" u="none" strike="noStrike">
                         <a:solidFill>
@@ -7350,6 +7223,52 @@
                         <a:rPr lang="en-US" sz="2000" u="none" strike="noStrike">
                           <a:effectLst/>
                         </a:rPr>
+                        <a:t>0</a:t>
+                      </a:r>
+                      <a:endParaRPr lang="en-US" sz="2000" b="0" i="0" u="none" strike="noStrike">
+                        <a:solidFill>
+                          <a:srgbClr val="000000"/>
+                        </a:solidFill>
+                        <a:effectLst/>
+                        <a:latin typeface="Calibri"/>
+                      </a:endParaRPr>
+                    </a:p>
+                  </a:txBody>
+                  <a:tcPr marL="9525" marR="9525" marT="9525" marB="0" anchor="b"/>
+                </a:tc>
+                <a:tc>
+                  <a:txBody>
+                    <a:bodyPr/>
+                    <a:lstStyle/>
+                    <a:p>
+                      <a:pPr algn="l" fontAlgn="b"/>
+                      <a:r>
+                        <a:rPr lang="en-US" sz="2000" u="none" strike="noStrike">
+                          <a:effectLst/>
+                        </a:rPr>
+                        <a:t>0</a:t>
+                      </a:r>
+                      <a:endParaRPr lang="en-US" sz="2000" b="0" i="0" u="none" strike="noStrike">
+                        <a:solidFill>
+                          <a:srgbClr val="000000"/>
+                        </a:solidFill>
+                        <a:effectLst/>
+                        <a:latin typeface="Calibri"/>
+                      </a:endParaRPr>
+                    </a:p>
+                  </a:txBody>
+                  <a:tcPr marL="9525" marR="9525" marT="9525" marB="0" anchor="b"/>
+                </a:tc>
+                <a:tc>
+                  <a:txBody>
+                    <a:bodyPr/>
+                    <a:lstStyle/>
+                    <a:p>
+                      <a:pPr algn="l" fontAlgn="b"/>
+                      <a:r>
+                        <a:rPr lang="en-US" sz="2000" u="none" strike="noStrike">
+                          <a:effectLst/>
+                        </a:rPr>
                         <a:t>2</a:t>
                       </a:r>
                       <a:endParaRPr lang="en-US" sz="2000" b="0" i="0" u="none" strike="noStrike">
@@ -7373,29 +7292,6 @@
                         <a:rPr lang="en-US" sz="2000" u="none" strike="noStrike">
                           <a:effectLst/>
                         </a:rPr>
-                        <a:t>1</a:t>
-                      </a:r>
-                      <a:endParaRPr lang="en-US" sz="2000" b="0" i="0" u="none" strike="noStrike">
-                        <a:solidFill>
-                          <a:srgbClr val="000000"/>
-                        </a:solidFill>
-                        <a:effectLst/>
-                        <a:latin typeface="Calibri"/>
-                      </a:endParaRPr>
-                    </a:p>
-                  </a:txBody>
-                  <a:tcPr marL="9525" marR="9525" marT="9525" marB="0" anchor="b"/>
-                </a:tc>
-                <a:tc>
-                  <a:txBody>
-                    <a:bodyPr/>
-                    <a:lstStyle/>
-                    <a:p>
-                      <a:pPr algn="l" fontAlgn="b"/>
-                      <a:r>
-                        <a:rPr lang="en-US" sz="2000" u="none" strike="noStrike">
-                          <a:effectLst/>
-                        </a:rPr>
                         <a:t>2</a:t>
                       </a:r>
                       <a:endParaRPr lang="en-US" sz="2000" b="0" i="0" u="none" strike="noStrike">
@@ -7419,52 +7315,6 @@
                         <a:rPr lang="en-US" sz="2000" u="none" strike="noStrike">
                           <a:effectLst/>
                         </a:rPr>
-                        <a:t>2</a:t>
-                      </a:r>
-                      <a:endParaRPr lang="en-US" sz="2000" b="0" i="0" u="none" strike="noStrike">
-                        <a:solidFill>
-                          <a:srgbClr val="000000"/>
-                        </a:solidFill>
-                        <a:effectLst/>
-                        <a:latin typeface="Calibri"/>
-                      </a:endParaRPr>
-                    </a:p>
-                  </a:txBody>
-                  <a:tcPr marL="9525" marR="9525" marT="9525" marB="0" anchor="b"/>
-                </a:tc>
-                <a:tc>
-                  <a:txBody>
-                    <a:bodyPr/>
-                    <a:lstStyle/>
-                    <a:p>
-                      <a:pPr algn="l" fontAlgn="b"/>
-                      <a:r>
-                        <a:rPr lang="en-US" sz="2000" u="none" strike="noStrike">
-                          <a:effectLst/>
-                        </a:rPr>
-                        <a:t>1</a:t>
-                      </a:r>
-                      <a:endParaRPr lang="en-US" sz="2000" b="0" i="0" u="none" strike="noStrike">
-                        <a:solidFill>
-                          <a:srgbClr val="000000"/>
-                        </a:solidFill>
-                        <a:effectLst/>
-                        <a:latin typeface="Calibri"/>
-                      </a:endParaRPr>
-                    </a:p>
-                  </a:txBody>
-                  <a:tcPr marL="9525" marR="9525" marT="9525" marB="0" anchor="b"/>
-                </a:tc>
-                <a:tc>
-                  <a:txBody>
-                    <a:bodyPr/>
-                    <a:lstStyle/>
-                    <a:p>
-                      <a:pPr algn="l" fontAlgn="b"/>
-                      <a:r>
-                        <a:rPr lang="en-US" sz="2000" u="none" strike="noStrike">
-                          <a:effectLst/>
-                        </a:rPr>
                         <a:t>0</a:t>
                       </a:r>
                       <a:endParaRPr lang="en-US" sz="2000" b="0" i="0" u="none" strike="noStrike">
@@ -7488,7 +7338,30 @@
                         <a:rPr lang="en-US" sz="2000" u="none" strike="noStrike">
                           <a:effectLst/>
                         </a:rPr>
-                        <a:t>1</a:t>
+                        <a:t>0</a:t>
+                      </a:r>
+                      <a:endParaRPr lang="en-US" sz="2000" b="0" i="0" u="none" strike="noStrike">
+                        <a:solidFill>
+                          <a:srgbClr val="000000"/>
+                        </a:solidFill>
+                        <a:effectLst/>
+                        <a:latin typeface="Calibri"/>
+                      </a:endParaRPr>
+                    </a:p>
+                  </a:txBody>
+                  <a:tcPr marL="9525" marR="9525" marT="9525" marB="0" anchor="b"/>
+                </a:tc>
+                <a:tc>
+                  <a:txBody>
+                    <a:bodyPr/>
+                    <a:lstStyle/>
+                    <a:p>
+                      <a:pPr algn="l" fontAlgn="b"/>
+                      <a:r>
+                        <a:rPr lang="en-US" sz="2000" u="none" strike="noStrike">
+                          <a:effectLst/>
+                        </a:rPr>
+                        <a:t>4</a:t>
                       </a:r>
                       <a:endParaRPr lang="en-US" sz="2000" b="0" i="0" u="none" strike="noStrike">
                         <a:solidFill>
@@ -7513,6 +7386,75 @@
                         <a:rPr lang="en-US" sz="2000" u="none" strike="noStrike">
                           <a:effectLst/>
                         </a:rPr>
+                        <a:t>0</a:t>
+                      </a:r>
+                      <a:endParaRPr lang="en-US" sz="2000" b="0" i="0" u="none" strike="noStrike">
+                        <a:solidFill>
+                          <a:srgbClr val="000000"/>
+                        </a:solidFill>
+                        <a:effectLst/>
+                        <a:latin typeface="Calibri"/>
+                      </a:endParaRPr>
+                    </a:p>
+                  </a:txBody>
+                  <a:tcPr marL="9525" marR="9525" marT="9525" marB="0" anchor="b"/>
+                </a:tc>
+                <a:tc>
+                  <a:txBody>
+                    <a:bodyPr/>
+                    <a:lstStyle/>
+                    <a:p>
+                      <a:pPr algn="l" fontAlgn="b"/>
+                      <a:r>
+                        <a:rPr lang="en-US" sz="2000" u="none" strike="noStrike">
+                          <a:effectLst/>
+                        </a:rPr>
+                        <a:t>0</a:t>
+                      </a:r>
+                      <a:endParaRPr lang="en-US" sz="2000" b="0" i="0" u="none" strike="noStrike">
+                        <a:solidFill>
+                          <a:srgbClr val="000000"/>
+                        </a:solidFill>
+                        <a:effectLst/>
+                        <a:latin typeface="Calibri"/>
+                      </a:endParaRPr>
+                    </a:p>
+                  </a:txBody>
+                  <a:tcPr marL="9525" marR="9525" marT="9525" marB="0" anchor="b"/>
+                </a:tc>
+                <a:tc>
+                  <a:txBody>
+                    <a:bodyPr/>
+                    <a:lstStyle/>
+                    <a:p>
+                      <a:pPr algn="l" fontAlgn="b"/>
+                      <a:r>
+                        <a:rPr lang="en-US" sz="2000" u="none" strike="noStrike">
+                          <a:effectLst/>
+                        </a:rPr>
+                        <a:t>3</a:t>
+                      </a:r>
+                      <a:endParaRPr lang="en-US" sz="2000" b="0" i="0" u="none" strike="noStrike">
+                        <a:solidFill>
+                          <a:srgbClr val="000000"/>
+                        </a:solidFill>
+                        <a:effectLst/>
+                        <a:latin typeface="Calibri"/>
+                      </a:endParaRPr>
+                    </a:p>
+                  </a:txBody>
+                  <a:tcPr marL="9525" marR="9525" marT="9525" marB="0" anchor="b"/>
+                </a:tc>
+                <a:tc>
+                  <a:txBody>
+                    <a:bodyPr/>
+                    <a:lstStyle/>
+                    <a:p>
+                      <a:pPr algn="l" fontAlgn="b"/>
+                      <a:r>
+                        <a:rPr lang="en-US" sz="2000" u="none" strike="noStrike">
+                          <a:effectLst/>
+                        </a:rPr>
                         <a:t>1</a:t>
                       </a:r>
                       <a:endParaRPr lang="en-US" sz="2000" b="0" i="0" u="none" strike="noStrike">
@@ -7559,52 +7501,6 @@
                         <a:rPr lang="en-US" sz="2000" u="none" strike="noStrike">
                           <a:effectLst/>
                         </a:rPr>
-                        <a:t>1</a:t>
-                      </a:r>
-                      <a:endParaRPr lang="en-US" sz="2000" b="0" i="0" u="none" strike="noStrike">
-                        <a:solidFill>
-                          <a:srgbClr val="000000"/>
-                        </a:solidFill>
-                        <a:effectLst/>
-                        <a:latin typeface="Calibri"/>
-                      </a:endParaRPr>
-                    </a:p>
-                  </a:txBody>
-                  <a:tcPr marL="9525" marR="9525" marT="9525" marB="0" anchor="b"/>
-                </a:tc>
-                <a:tc>
-                  <a:txBody>
-                    <a:bodyPr/>
-                    <a:lstStyle/>
-                    <a:p>
-                      <a:pPr algn="l" fontAlgn="b"/>
-                      <a:r>
-                        <a:rPr lang="en-US" sz="2000" u="none" strike="noStrike">
-                          <a:effectLst/>
-                        </a:rPr>
-                        <a:t>1</a:t>
-                      </a:r>
-                      <a:endParaRPr lang="en-US" sz="2000" b="0" i="0" u="none" strike="noStrike">
-                        <a:solidFill>
-                          <a:srgbClr val="000000"/>
-                        </a:solidFill>
-                        <a:effectLst/>
-                        <a:latin typeface="Calibri"/>
-                      </a:endParaRPr>
-                    </a:p>
-                  </a:txBody>
-                  <a:tcPr marL="9525" marR="9525" marT="9525" marB="0" anchor="b"/>
-                </a:tc>
-                <a:tc>
-                  <a:txBody>
-                    <a:bodyPr/>
-                    <a:lstStyle/>
-                    <a:p>
-                      <a:pPr algn="l" fontAlgn="b"/>
-                      <a:r>
-                        <a:rPr lang="en-US" sz="2000" u="none" strike="noStrike">
-                          <a:effectLst/>
-                        </a:rPr>
                         <a:t>0</a:t>
                       </a:r>
                       <a:endParaRPr lang="en-US" sz="2000" b="0" i="0" u="none" strike="noStrike">
@@ -7625,848 +7521,10 @@
                     <a:p>
                       <a:pPr algn="l" fontAlgn="b"/>
                       <a:r>
-                        <a:rPr lang="en-US" sz="2000" u="none" strike="noStrike">
-                          <a:effectLst/>
-                        </a:rPr>
-                        <a:t>0</a:t>
-                      </a:r>
-                      <a:endParaRPr lang="en-US" sz="2000" b="0" i="0" u="none" strike="noStrike">
-                        <a:solidFill>
-                          <a:srgbClr val="000000"/>
-                        </a:solidFill>
-                        <a:effectLst/>
-                        <a:latin typeface="Calibri"/>
-                      </a:endParaRPr>
-                    </a:p>
-                  </a:txBody>
-                  <a:tcPr marL="9525" marR="9525" marT="9525" marB="0" anchor="b"/>
-                </a:tc>
-                <a:tc>
-                  <a:txBody>
-                    <a:bodyPr/>
-                    <a:lstStyle/>
-                    <a:p>
-                      <a:pPr algn="l" fontAlgn="b"/>
-                      <a:r>
-                        <a:rPr lang="en-US" sz="2000" u="none" strike="noStrike">
-                          <a:effectLst/>
-                        </a:rPr>
-                        <a:t>4</a:t>
-                      </a:r>
-                      <a:endParaRPr lang="en-US" sz="2000" b="0" i="0" u="none" strike="noStrike">
-                        <a:solidFill>
-                          <a:srgbClr val="000000"/>
-                        </a:solidFill>
-                        <a:effectLst/>
-                        <a:latin typeface="Calibri"/>
-                      </a:endParaRPr>
-                    </a:p>
-                  </a:txBody>
-                  <a:tcPr marL="9525" marR="9525" marT="9525" marB="0" anchor="b"/>
-                </a:tc>
-              </a:tr>
-              <a:tr h="333375">
-                <a:tc>
-                  <a:txBody>
-                    <a:bodyPr/>
-                    <a:lstStyle/>
-                    <a:p>
-                      <a:pPr algn="l" fontAlgn="b"/>
-                      <a:r>
-                        <a:rPr lang="en-US" sz="2000" u="none" strike="noStrike">
-                          <a:effectLst/>
-                        </a:rPr>
-                        <a:t>0</a:t>
-                      </a:r>
-                      <a:endParaRPr lang="en-US" sz="2000" b="0" i="0" u="none" strike="noStrike">
-                        <a:solidFill>
-                          <a:srgbClr val="000000"/>
-                        </a:solidFill>
-                        <a:effectLst/>
-                        <a:latin typeface="Calibri"/>
-                      </a:endParaRPr>
-                    </a:p>
-                  </a:txBody>
-                  <a:tcPr marL="9525" marR="9525" marT="9525" marB="0" anchor="b"/>
-                </a:tc>
-                <a:tc>
-                  <a:txBody>
-                    <a:bodyPr/>
-                    <a:lstStyle/>
-                    <a:p>
-                      <a:pPr algn="l" fontAlgn="b"/>
-                      <a:r>
-                        <a:rPr lang="en-US" sz="2000" u="none" strike="noStrike">
-                          <a:effectLst/>
-                        </a:rPr>
-                        <a:t>0</a:t>
-                      </a:r>
-                      <a:endParaRPr lang="en-US" sz="2000" b="0" i="0" u="none" strike="noStrike">
-                        <a:solidFill>
-                          <a:srgbClr val="000000"/>
-                        </a:solidFill>
-                        <a:effectLst/>
-                        <a:latin typeface="Calibri"/>
-                      </a:endParaRPr>
-                    </a:p>
-                  </a:txBody>
-                  <a:tcPr marL="9525" marR="9525" marT="9525" marB="0" anchor="b"/>
-                </a:tc>
-                <a:tc>
-                  <a:txBody>
-                    <a:bodyPr/>
-                    <a:lstStyle/>
-                    <a:p>
-                      <a:pPr algn="l" fontAlgn="b"/>
-                      <a:r>
-                        <a:rPr lang="en-US" sz="2000" u="none" strike="noStrike">
+                        <a:rPr lang="en-US" sz="2000" u="none" strike="noStrike" dirty="0">
                           <a:effectLst/>
                         </a:rPr>
                         <a:t>2</a:t>
-                      </a:r>
-                      <a:endParaRPr lang="en-US" sz="2000" b="0" i="0" u="none" strike="noStrike">
-                        <a:solidFill>
-                          <a:srgbClr val="000000"/>
-                        </a:solidFill>
-                        <a:effectLst/>
-                        <a:latin typeface="Calibri"/>
-                      </a:endParaRPr>
-                    </a:p>
-                  </a:txBody>
-                  <a:tcPr marL="9525" marR="9525" marT="9525" marB="0" anchor="b"/>
-                </a:tc>
-                <a:tc>
-                  <a:txBody>
-                    <a:bodyPr/>
-                    <a:lstStyle/>
-                    <a:p>
-                      <a:pPr algn="l" fontAlgn="b"/>
-                      <a:r>
-                        <a:rPr lang="en-US" sz="2000" u="none" strike="noStrike">
-                          <a:effectLst/>
-                        </a:rPr>
-                        <a:t>2</a:t>
-                      </a:r>
-                      <a:endParaRPr lang="en-US" sz="2000" b="0" i="0" u="none" strike="noStrike">
-                        <a:solidFill>
-                          <a:srgbClr val="000000"/>
-                        </a:solidFill>
-                        <a:effectLst/>
-                        <a:latin typeface="Calibri"/>
-                      </a:endParaRPr>
-                    </a:p>
-                  </a:txBody>
-                  <a:tcPr marL="9525" marR="9525" marT="9525" marB="0" anchor="b"/>
-                </a:tc>
-                <a:tc>
-                  <a:txBody>
-                    <a:bodyPr/>
-                    <a:lstStyle/>
-                    <a:p>
-                      <a:pPr algn="l" fontAlgn="b"/>
-                      <a:r>
-                        <a:rPr lang="en-US" sz="2000" u="none" strike="noStrike">
-                          <a:effectLst/>
-                        </a:rPr>
-                        <a:t>0</a:t>
-                      </a:r>
-                      <a:endParaRPr lang="en-US" sz="2000" b="0" i="0" u="none" strike="noStrike">
-                        <a:solidFill>
-                          <a:srgbClr val="000000"/>
-                        </a:solidFill>
-                        <a:effectLst/>
-                        <a:latin typeface="Calibri"/>
-                      </a:endParaRPr>
-                    </a:p>
-                  </a:txBody>
-                  <a:tcPr marL="9525" marR="9525" marT="9525" marB="0" anchor="b"/>
-                </a:tc>
-                <a:tc>
-                  <a:txBody>
-                    <a:bodyPr/>
-                    <a:lstStyle/>
-                    <a:p>
-                      <a:pPr algn="l" fontAlgn="b"/>
-                      <a:r>
-                        <a:rPr lang="en-US" sz="2000" u="none" strike="noStrike">
-                          <a:effectLst/>
-                        </a:rPr>
-                        <a:t>0</a:t>
-                      </a:r>
-                      <a:endParaRPr lang="en-US" sz="2000" b="0" i="0" u="none" strike="noStrike">
-                        <a:solidFill>
-                          <a:srgbClr val="000000"/>
-                        </a:solidFill>
-                        <a:effectLst/>
-                        <a:latin typeface="Calibri"/>
-                      </a:endParaRPr>
-                    </a:p>
-                  </a:txBody>
-                  <a:tcPr marL="9525" marR="9525" marT="9525" marB="0" anchor="b"/>
-                </a:tc>
-                <a:tc>
-                  <a:txBody>
-                    <a:bodyPr/>
-                    <a:lstStyle/>
-                    <a:p>
-                      <a:pPr algn="l" fontAlgn="b"/>
-                      <a:r>
-                        <a:rPr lang="en-US" sz="2000" u="none" strike="noStrike">
-                          <a:effectLst/>
-                        </a:rPr>
-                        <a:t>4</a:t>
-                      </a:r>
-                      <a:endParaRPr lang="en-US" sz="2000" b="0" i="0" u="none" strike="noStrike">
-                        <a:solidFill>
-                          <a:srgbClr val="000000"/>
-                        </a:solidFill>
-                        <a:effectLst/>
-                        <a:latin typeface="Calibri"/>
-                      </a:endParaRPr>
-                    </a:p>
-                  </a:txBody>
-                  <a:tcPr marL="9525" marR="9525" marT="9525" marB="0" anchor="b"/>
-                </a:tc>
-              </a:tr>
-              <a:tr h="333375">
-                <a:tc>
-                  <a:txBody>
-                    <a:bodyPr/>
-                    <a:lstStyle/>
-                    <a:p>
-                      <a:pPr algn="l" fontAlgn="b"/>
-                      <a:r>
-                        <a:rPr lang="en-US" sz="2000" u="none" strike="noStrike">
-                          <a:effectLst/>
-                        </a:rPr>
-                        <a:t>0</a:t>
-                      </a:r>
-                      <a:endParaRPr lang="en-US" sz="2000" b="0" i="0" u="none" strike="noStrike">
-                        <a:solidFill>
-                          <a:srgbClr val="000000"/>
-                        </a:solidFill>
-                        <a:effectLst/>
-                        <a:latin typeface="Calibri"/>
-                      </a:endParaRPr>
-                    </a:p>
-                  </a:txBody>
-                  <a:tcPr marL="9525" marR="9525" marT="9525" marB="0" anchor="b"/>
-                </a:tc>
-                <a:tc>
-                  <a:txBody>
-                    <a:bodyPr/>
-                    <a:lstStyle/>
-                    <a:p>
-                      <a:pPr algn="l" fontAlgn="b"/>
-                      <a:r>
-                        <a:rPr lang="en-US" sz="2000" u="none" strike="noStrike">
-                          <a:effectLst/>
-                        </a:rPr>
-                        <a:t>0</a:t>
-                      </a:r>
-                      <a:endParaRPr lang="en-US" sz="2000" b="0" i="0" u="none" strike="noStrike">
-                        <a:solidFill>
-                          <a:srgbClr val="000000"/>
-                        </a:solidFill>
-                        <a:effectLst/>
-                        <a:latin typeface="Calibri"/>
-                      </a:endParaRPr>
-                    </a:p>
-                  </a:txBody>
-                  <a:tcPr marL="9525" marR="9525" marT="9525" marB="0" anchor="b"/>
-                </a:tc>
-                <a:tc>
-                  <a:txBody>
-                    <a:bodyPr/>
-                    <a:lstStyle/>
-                    <a:p>
-                      <a:pPr algn="l" fontAlgn="b"/>
-                      <a:r>
-                        <a:rPr lang="en-US" sz="2000" u="none" strike="noStrike">
-                          <a:effectLst/>
-                        </a:rPr>
-                        <a:t>3</a:t>
-                      </a:r>
-                      <a:endParaRPr lang="en-US" sz="2000" b="0" i="0" u="none" strike="noStrike">
-                        <a:solidFill>
-                          <a:srgbClr val="000000"/>
-                        </a:solidFill>
-                        <a:effectLst/>
-                        <a:latin typeface="Calibri"/>
-                      </a:endParaRPr>
-                    </a:p>
-                  </a:txBody>
-                  <a:tcPr marL="9525" marR="9525" marT="9525" marB="0" anchor="b"/>
-                </a:tc>
-                <a:tc>
-                  <a:txBody>
-                    <a:bodyPr/>
-                    <a:lstStyle/>
-                    <a:p>
-                      <a:pPr algn="l" fontAlgn="b"/>
-                      <a:r>
-                        <a:rPr lang="en-US" sz="2000" u="none" strike="noStrike">
-                          <a:effectLst/>
-                        </a:rPr>
-                        <a:t>1</a:t>
-                      </a:r>
-                      <a:endParaRPr lang="en-US" sz="2000" b="0" i="0" u="none" strike="noStrike">
-                        <a:solidFill>
-                          <a:srgbClr val="000000"/>
-                        </a:solidFill>
-                        <a:effectLst/>
-                        <a:latin typeface="Calibri"/>
-                      </a:endParaRPr>
-                    </a:p>
-                  </a:txBody>
-                  <a:tcPr marL="9525" marR="9525" marT="9525" marB="0" anchor="b"/>
-                </a:tc>
-                <a:tc>
-                  <a:txBody>
-                    <a:bodyPr/>
-                    <a:lstStyle/>
-                    <a:p>
-                      <a:pPr algn="l" fontAlgn="b"/>
-                      <a:r>
-                        <a:rPr lang="en-US" sz="2000" u="none" strike="noStrike">
-                          <a:effectLst/>
-                        </a:rPr>
-                        <a:t>0</a:t>
-                      </a:r>
-                      <a:endParaRPr lang="en-US" sz="2000" b="0" i="0" u="none" strike="noStrike">
-                        <a:solidFill>
-                          <a:srgbClr val="000000"/>
-                        </a:solidFill>
-                        <a:effectLst/>
-                        <a:latin typeface="Calibri"/>
-                      </a:endParaRPr>
-                    </a:p>
-                  </a:txBody>
-                  <a:tcPr marL="9525" marR="9525" marT="9525" marB="0" anchor="b"/>
-                </a:tc>
-                <a:tc>
-                  <a:txBody>
-                    <a:bodyPr/>
-                    <a:lstStyle/>
-                    <a:p>
-                      <a:pPr algn="l" fontAlgn="b"/>
-                      <a:r>
-                        <a:rPr lang="en-US" sz="2000" u="none" strike="noStrike">
-                          <a:effectLst/>
-                        </a:rPr>
-                        <a:t>0</a:t>
-                      </a:r>
-                      <a:endParaRPr lang="en-US" sz="2000" b="0" i="0" u="none" strike="noStrike">
-                        <a:solidFill>
-                          <a:srgbClr val="000000"/>
-                        </a:solidFill>
-                        <a:effectLst/>
-                        <a:latin typeface="Calibri"/>
-                      </a:endParaRPr>
-                    </a:p>
-                  </a:txBody>
-                  <a:tcPr marL="9525" marR="9525" marT="9525" marB="0" anchor="b"/>
-                </a:tc>
-                <a:tc>
-                  <a:txBody>
-                    <a:bodyPr/>
-                    <a:lstStyle/>
-                    <a:p>
-                      <a:pPr algn="l" fontAlgn="b"/>
-                      <a:r>
-                        <a:rPr lang="en-US" sz="2000" u="none" strike="noStrike">
-                          <a:effectLst/>
-                        </a:rPr>
-                        <a:t>2</a:t>
-                      </a:r>
-                      <a:endParaRPr lang="en-US" sz="2000" b="0" i="0" u="none" strike="noStrike">
-                        <a:solidFill>
-                          <a:srgbClr val="000000"/>
-                        </a:solidFill>
-                        <a:effectLst/>
-                        <a:latin typeface="Calibri"/>
-                      </a:endParaRPr>
-                    </a:p>
-                  </a:txBody>
-                  <a:tcPr marL="9525" marR="9525" marT="9525" marB="0" anchor="b"/>
-                </a:tc>
-              </a:tr>
-              <a:tr h="333375">
-                <a:tc>
-                  <a:txBody>
-                    <a:bodyPr/>
-                    <a:lstStyle/>
-                    <a:p>
-                      <a:pPr algn="l" fontAlgn="b"/>
-                      <a:r>
-                        <a:rPr lang="en-US" sz="2000" u="none" strike="noStrike">
-                          <a:effectLst/>
-                        </a:rPr>
-                        <a:t>2</a:t>
-                      </a:r>
-                      <a:endParaRPr lang="en-US" sz="2000" b="0" i="0" u="none" strike="noStrike">
-                        <a:solidFill>
-                          <a:srgbClr val="000000"/>
-                        </a:solidFill>
-                        <a:effectLst/>
-                        <a:latin typeface="Calibri"/>
-                      </a:endParaRPr>
-                    </a:p>
-                  </a:txBody>
-                  <a:tcPr marL="9525" marR="9525" marT="9525" marB="0" anchor="b"/>
-                </a:tc>
-                <a:tc>
-                  <a:txBody>
-                    <a:bodyPr/>
-                    <a:lstStyle/>
-                    <a:p>
-                      <a:pPr algn="l" fontAlgn="b"/>
-                      <a:r>
-                        <a:rPr lang="en-US" sz="2000" u="none" strike="noStrike">
-                          <a:effectLst/>
-                        </a:rPr>
-                        <a:t>0</a:t>
-                      </a:r>
-                      <a:endParaRPr lang="en-US" sz="2000" b="0" i="0" u="none" strike="noStrike">
-                        <a:solidFill>
-                          <a:srgbClr val="000000"/>
-                        </a:solidFill>
-                        <a:effectLst/>
-                        <a:latin typeface="Calibri"/>
-                      </a:endParaRPr>
-                    </a:p>
-                  </a:txBody>
-                  <a:tcPr marL="9525" marR="9525" marT="9525" marB="0" anchor="b"/>
-                </a:tc>
-                <a:tc>
-                  <a:txBody>
-                    <a:bodyPr/>
-                    <a:lstStyle/>
-                    <a:p>
-                      <a:pPr algn="l" fontAlgn="b"/>
-                      <a:r>
-                        <a:rPr lang="en-US" sz="2000" u="none" strike="noStrike">
-                          <a:effectLst/>
-                        </a:rPr>
-                        <a:t>4</a:t>
-                      </a:r>
-                      <a:endParaRPr lang="en-US" sz="2000" b="0" i="0" u="none" strike="noStrike">
-                        <a:solidFill>
-                          <a:srgbClr val="000000"/>
-                        </a:solidFill>
-                        <a:effectLst/>
-                        <a:latin typeface="Calibri"/>
-                      </a:endParaRPr>
-                    </a:p>
-                  </a:txBody>
-                  <a:tcPr marL="9525" marR="9525" marT="9525" marB="0" anchor="b"/>
-                </a:tc>
-                <a:tc>
-                  <a:txBody>
-                    <a:bodyPr/>
-                    <a:lstStyle/>
-                    <a:p>
-                      <a:pPr algn="l" fontAlgn="b"/>
-                      <a:r>
-                        <a:rPr lang="en-US" sz="2000" u="none" strike="noStrike">
-                          <a:effectLst/>
-                        </a:rPr>
-                        <a:t>3</a:t>
-                      </a:r>
-                      <a:endParaRPr lang="en-US" sz="2000" b="0" i="0" u="none" strike="noStrike">
-                        <a:solidFill>
-                          <a:srgbClr val="000000"/>
-                        </a:solidFill>
-                        <a:effectLst/>
-                        <a:latin typeface="Calibri"/>
-                      </a:endParaRPr>
-                    </a:p>
-                  </a:txBody>
-                  <a:tcPr marL="9525" marR="9525" marT="9525" marB="0" anchor="b"/>
-                </a:tc>
-                <a:tc>
-                  <a:txBody>
-                    <a:bodyPr/>
-                    <a:lstStyle/>
-                    <a:p>
-                      <a:pPr algn="l" fontAlgn="b"/>
-                      <a:r>
-                        <a:rPr lang="en-US" sz="2000" u="none" strike="noStrike">
-                          <a:effectLst/>
-                        </a:rPr>
-                        <a:t>0</a:t>
-                      </a:r>
-                      <a:endParaRPr lang="en-US" sz="2000" b="0" i="0" u="none" strike="noStrike">
-                        <a:solidFill>
-                          <a:srgbClr val="000000"/>
-                        </a:solidFill>
-                        <a:effectLst/>
-                        <a:latin typeface="Calibri"/>
-                      </a:endParaRPr>
-                    </a:p>
-                  </a:txBody>
-                  <a:tcPr marL="9525" marR="9525" marT="9525" marB="0" anchor="b"/>
-                </a:tc>
-                <a:tc>
-                  <a:txBody>
-                    <a:bodyPr/>
-                    <a:lstStyle/>
-                    <a:p>
-                      <a:pPr algn="l" fontAlgn="b"/>
-                      <a:r>
-                        <a:rPr lang="en-US" sz="2000" u="none" strike="noStrike">
-                          <a:effectLst/>
-                        </a:rPr>
-                        <a:t>0</a:t>
-                      </a:r>
-                      <a:endParaRPr lang="en-US" sz="2000" b="0" i="0" u="none" strike="noStrike">
-                        <a:solidFill>
-                          <a:srgbClr val="000000"/>
-                        </a:solidFill>
-                        <a:effectLst/>
-                        <a:latin typeface="Calibri"/>
-                      </a:endParaRPr>
-                    </a:p>
-                  </a:txBody>
-                  <a:tcPr marL="9525" marR="9525" marT="9525" marB="0" anchor="b"/>
-                </a:tc>
-                <a:tc>
-                  <a:txBody>
-                    <a:bodyPr/>
-                    <a:lstStyle/>
-                    <a:p>
-                      <a:pPr algn="l" fontAlgn="b"/>
-                      <a:r>
-                        <a:rPr lang="en-US" sz="2000" u="none" strike="noStrike">
-                          <a:effectLst/>
-                        </a:rPr>
-                        <a:t>4</a:t>
-                      </a:r>
-                      <a:endParaRPr lang="en-US" sz="2000" b="0" i="0" u="none" strike="noStrike">
-                        <a:solidFill>
-                          <a:srgbClr val="000000"/>
-                        </a:solidFill>
-                        <a:effectLst/>
-                        <a:latin typeface="Calibri"/>
-                      </a:endParaRPr>
-                    </a:p>
-                  </a:txBody>
-                  <a:tcPr marL="9525" marR="9525" marT="9525" marB="0" anchor="b"/>
-                </a:tc>
-              </a:tr>
-              <a:tr h="333375">
-                <a:tc>
-                  <a:txBody>
-                    <a:bodyPr/>
-                    <a:lstStyle/>
-                    <a:p>
-                      <a:pPr algn="l" fontAlgn="b"/>
-                      <a:r>
-                        <a:rPr lang="en-US" sz="2000" u="none" strike="noStrike">
-                          <a:effectLst/>
-                        </a:rPr>
-                        <a:t>1</a:t>
-                      </a:r>
-                      <a:endParaRPr lang="en-US" sz="2000" b="0" i="0" u="none" strike="noStrike">
-                        <a:solidFill>
-                          <a:srgbClr val="000000"/>
-                        </a:solidFill>
-                        <a:effectLst/>
-                        <a:latin typeface="Calibri"/>
-                      </a:endParaRPr>
-                    </a:p>
-                  </a:txBody>
-                  <a:tcPr marL="9525" marR="9525" marT="9525" marB="0" anchor="b"/>
-                </a:tc>
-                <a:tc>
-                  <a:txBody>
-                    <a:bodyPr/>
-                    <a:lstStyle/>
-                    <a:p>
-                      <a:pPr algn="l" fontAlgn="b"/>
-                      <a:r>
-                        <a:rPr lang="en-US" sz="2000" u="none" strike="noStrike">
-                          <a:effectLst/>
-                        </a:rPr>
-                        <a:t>1</a:t>
-                      </a:r>
-                      <a:endParaRPr lang="en-US" sz="2000" b="0" i="0" u="none" strike="noStrike">
-                        <a:solidFill>
-                          <a:srgbClr val="000000"/>
-                        </a:solidFill>
-                        <a:effectLst/>
-                        <a:latin typeface="Calibri"/>
-                      </a:endParaRPr>
-                    </a:p>
-                  </a:txBody>
-                  <a:tcPr marL="9525" marR="9525" marT="9525" marB="0" anchor="b"/>
-                </a:tc>
-                <a:tc>
-                  <a:txBody>
-                    <a:bodyPr/>
-                    <a:lstStyle/>
-                    <a:p>
-                      <a:pPr algn="l" fontAlgn="b"/>
-                      <a:r>
-                        <a:rPr lang="en-US" sz="2000" u="none" strike="noStrike">
-                          <a:effectLst/>
-                        </a:rPr>
-                        <a:t>3</a:t>
-                      </a:r>
-                      <a:endParaRPr lang="en-US" sz="2000" b="0" i="0" u="none" strike="noStrike">
-                        <a:solidFill>
-                          <a:srgbClr val="000000"/>
-                        </a:solidFill>
-                        <a:effectLst/>
-                        <a:latin typeface="Calibri"/>
-                      </a:endParaRPr>
-                    </a:p>
-                  </a:txBody>
-                  <a:tcPr marL="9525" marR="9525" marT="9525" marB="0" anchor="b"/>
-                </a:tc>
-                <a:tc>
-                  <a:txBody>
-                    <a:bodyPr/>
-                    <a:lstStyle/>
-                    <a:p>
-                      <a:pPr algn="l" fontAlgn="b"/>
-                      <a:r>
-                        <a:rPr lang="en-US" sz="2000" u="none" strike="noStrike">
-                          <a:effectLst/>
-                        </a:rPr>
-                        <a:t>1</a:t>
-                      </a:r>
-                      <a:endParaRPr lang="en-US" sz="2000" b="0" i="0" u="none" strike="noStrike">
-                        <a:solidFill>
-                          <a:srgbClr val="000000"/>
-                        </a:solidFill>
-                        <a:effectLst/>
-                        <a:latin typeface="Calibri"/>
-                      </a:endParaRPr>
-                    </a:p>
-                  </a:txBody>
-                  <a:tcPr marL="9525" marR="9525" marT="9525" marB="0" anchor="b"/>
-                </a:tc>
-                <a:tc>
-                  <a:txBody>
-                    <a:bodyPr/>
-                    <a:lstStyle/>
-                    <a:p>
-                      <a:pPr algn="l" fontAlgn="b"/>
-                      <a:r>
-                        <a:rPr lang="en-US" sz="2000" u="none" strike="noStrike">
-                          <a:effectLst/>
-                        </a:rPr>
-                        <a:t>1</a:t>
-                      </a:r>
-                      <a:endParaRPr lang="en-US" sz="2000" b="0" i="0" u="none" strike="noStrike">
-                        <a:solidFill>
-                          <a:srgbClr val="000000"/>
-                        </a:solidFill>
-                        <a:effectLst/>
-                        <a:latin typeface="Calibri"/>
-                      </a:endParaRPr>
-                    </a:p>
-                  </a:txBody>
-                  <a:tcPr marL="9525" marR="9525" marT="9525" marB="0" anchor="b"/>
-                </a:tc>
-                <a:tc>
-                  <a:txBody>
-                    <a:bodyPr/>
-                    <a:lstStyle/>
-                    <a:p>
-                      <a:pPr algn="l" fontAlgn="b"/>
-                      <a:r>
-                        <a:rPr lang="en-US" sz="2000" u="none" strike="noStrike">
-                          <a:effectLst/>
-                        </a:rPr>
-                        <a:t>2</a:t>
-                      </a:r>
-                      <a:endParaRPr lang="en-US" sz="2000" b="0" i="0" u="none" strike="noStrike">
-                        <a:solidFill>
-                          <a:srgbClr val="000000"/>
-                        </a:solidFill>
-                        <a:effectLst/>
-                        <a:latin typeface="Calibri"/>
-                      </a:endParaRPr>
-                    </a:p>
-                  </a:txBody>
-                  <a:tcPr marL="9525" marR="9525" marT="9525" marB="0" anchor="b"/>
-                </a:tc>
-                <a:tc>
-                  <a:txBody>
-                    <a:bodyPr/>
-                    <a:lstStyle/>
-                    <a:p>
-                      <a:pPr algn="l" fontAlgn="b"/>
-                      <a:r>
-                        <a:rPr lang="en-US" sz="2000" u="none" strike="noStrike">
-                          <a:effectLst/>
-                        </a:rPr>
-                        <a:t>1</a:t>
-                      </a:r>
-                      <a:endParaRPr lang="en-US" sz="2000" b="0" i="0" u="none" strike="noStrike">
-                        <a:solidFill>
-                          <a:srgbClr val="000000"/>
-                        </a:solidFill>
-                        <a:effectLst/>
-                        <a:latin typeface="Calibri"/>
-                      </a:endParaRPr>
-                    </a:p>
-                  </a:txBody>
-                  <a:tcPr marL="9525" marR="9525" marT="9525" marB="0" anchor="b"/>
-                </a:tc>
-              </a:tr>
-              <a:tr h="333375">
-                <a:tc>
-                  <a:txBody>
-                    <a:bodyPr/>
-                    <a:lstStyle/>
-                    <a:p>
-                      <a:pPr algn="l" fontAlgn="b"/>
-                      <a:r>
-                        <a:rPr lang="en-US" sz="2000" u="none" strike="noStrike">
-                          <a:effectLst/>
-                        </a:rPr>
-                        <a:t>0</a:t>
-                      </a:r>
-                      <a:endParaRPr lang="en-US" sz="2000" b="0" i="0" u="none" strike="noStrike">
-                        <a:solidFill>
-                          <a:srgbClr val="000000"/>
-                        </a:solidFill>
-                        <a:effectLst/>
-                        <a:latin typeface="Calibri"/>
-                      </a:endParaRPr>
-                    </a:p>
-                  </a:txBody>
-                  <a:tcPr marL="9525" marR="9525" marT="9525" marB="0" anchor="b"/>
-                </a:tc>
-                <a:tc>
-                  <a:txBody>
-                    <a:bodyPr/>
-                    <a:lstStyle/>
-                    <a:p>
-                      <a:pPr algn="l" fontAlgn="b"/>
-                      <a:r>
-                        <a:rPr lang="en-US" sz="2000" u="none" strike="noStrike">
-                          <a:effectLst/>
-                        </a:rPr>
-                        <a:t>0</a:t>
-                      </a:r>
-                      <a:endParaRPr lang="en-US" sz="2000" b="0" i="0" u="none" strike="noStrike">
-                        <a:solidFill>
-                          <a:srgbClr val="000000"/>
-                        </a:solidFill>
-                        <a:effectLst/>
-                        <a:latin typeface="Calibri"/>
-                      </a:endParaRPr>
-                    </a:p>
-                  </a:txBody>
-                  <a:tcPr marL="9525" marR="9525" marT="9525" marB="0" anchor="b"/>
-                </a:tc>
-                <a:tc>
-                  <a:txBody>
-                    <a:bodyPr/>
-                    <a:lstStyle/>
-                    <a:p>
-                      <a:pPr algn="l" fontAlgn="b"/>
-                      <a:r>
-                        <a:rPr lang="en-US" sz="2000" u="none" strike="noStrike">
-                          <a:effectLst/>
-                        </a:rPr>
-                        <a:t>3</a:t>
-                      </a:r>
-                      <a:endParaRPr lang="en-US" sz="2000" b="0" i="0" u="none" strike="noStrike">
-                        <a:solidFill>
-                          <a:srgbClr val="000000"/>
-                        </a:solidFill>
-                        <a:effectLst/>
-                        <a:latin typeface="Calibri"/>
-                      </a:endParaRPr>
-                    </a:p>
-                  </a:txBody>
-                  <a:tcPr marL="9525" marR="9525" marT="9525" marB="0" anchor="b"/>
-                </a:tc>
-                <a:tc>
-                  <a:txBody>
-                    <a:bodyPr/>
-                    <a:lstStyle/>
-                    <a:p>
-                      <a:pPr algn="l" fontAlgn="b"/>
-                      <a:r>
-                        <a:rPr lang="en-US" sz="2000" u="none" strike="noStrike">
-                          <a:effectLst/>
-                        </a:rPr>
-                        <a:t>1</a:t>
-                      </a:r>
-                      <a:endParaRPr lang="en-US" sz="2000" b="0" i="0" u="none" strike="noStrike">
-                        <a:solidFill>
-                          <a:srgbClr val="000000"/>
-                        </a:solidFill>
-                        <a:effectLst/>
-                        <a:latin typeface="Calibri"/>
-                      </a:endParaRPr>
-                    </a:p>
-                  </a:txBody>
-                  <a:tcPr marL="9525" marR="9525" marT="9525" marB="0" anchor="b"/>
-                </a:tc>
-                <a:tc>
-                  <a:txBody>
-                    <a:bodyPr/>
-                    <a:lstStyle/>
-                    <a:p>
-                      <a:pPr algn="l" fontAlgn="b"/>
-                      <a:r>
-                        <a:rPr lang="en-US" sz="2000" u="none" strike="noStrike">
-                          <a:effectLst/>
-                        </a:rPr>
-                        <a:t>0</a:t>
-                      </a:r>
-                      <a:endParaRPr lang="en-US" sz="2000" b="0" i="0" u="none" strike="noStrike">
-                        <a:solidFill>
-                          <a:srgbClr val="000000"/>
-                        </a:solidFill>
-                        <a:effectLst/>
-                        <a:latin typeface="Calibri"/>
-                      </a:endParaRPr>
-                    </a:p>
-                  </a:txBody>
-                  <a:tcPr marL="9525" marR="9525" marT="9525" marB="0" anchor="b"/>
-                </a:tc>
-                <a:tc>
-                  <a:txBody>
-                    <a:bodyPr/>
-                    <a:lstStyle/>
-                    <a:p>
-                      <a:pPr algn="l" fontAlgn="b"/>
-                      <a:r>
-                        <a:rPr lang="en-US" sz="2000" u="none" strike="noStrike">
-                          <a:effectLst/>
-                        </a:rPr>
-                        <a:t>0</a:t>
-                      </a:r>
-                      <a:endParaRPr lang="en-US" sz="2000" b="0" i="0" u="none" strike="noStrike">
-                        <a:solidFill>
-                          <a:srgbClr val="000000"/>
-                        </a:solidFill>
-                        <a:effectLst/>
-                        <a:latin typeface="Calibri"/>
-                      </a:endParaRPr>
-                    </a:p>
-                  </a:txBody>
-                  <a:tcPr marL="9525" marR="9525" marT="9525" marB="0" anchor="b"/>
-                </a:tc>
-                <a:tc>
-                  <a:txBody>
-                    <a:bodyPr/>
-                    <a:lstStyle/>
-                    <a:p>
-                      <a:pPr algn="l" fontAlgn="b"/>
-                      <a:r>
-                        <a:rPr lang="en-US" sz="2000" u="none" strike="noStrike" dirty="0">
-                          <a:effectLst/>
-                        </a:rPr>
-                        <a:t>3</a:t>
                       </a:r>
                       <a:endParaRPr lang="en-US" sz="2000" b="0" i="0" u="none" strike="noStrike" dirty="0">
                         <a:solidFill>
@@ -8486,21 +7544,21 @@
       </p:graphicFrame>
       <p:graphicFrame>
         <p:nvGraphicFramePr>
-          <p:cNvPr id="5" name="Table 4"/>
+          <p:cNvPr id="7" name="Table 6"/>
           <p:cNvGraphicFramePr>
             <a:graphicFrameLocks noGrp="1"/>
           </p:cNvGraphicFramePr>
           <p:nvPr>
             <p:extLst>
               <p:ext uri="{D42A27DB-BD31-4B8C-83A1-F6EECF244321}">
-                <p14:modId xmlns:p14="http://schemas.microsoft.com/office/powerpoint/2010/main" val="1452895958"/>
+                <p14:modId xmlns:p14="http://schemas.microsoft.com/office/powerpoint/2010/main" val="2227304407"/>
               </p:ext>
             </p:extLst>
           </p:nvPr>
         </p:nvGraphicFramePr>
         <p:xfrm>
-          <a:off x="4343400" y="2590800"/>
-          <a:ext cx="2133600" cy="3667125"/>
+          <a:off x="4267200" y="2743200"/>
+          <a:ext cx="2133600" cy="2000250"/>
         </p:xfrm>
         <a:graphic>
           <a:graphicData uri="http://schemas.openxmlformats.org/drawingml/2006/table">
@@ -8525,35 +7583,35 @@
                     <a:p>
                       <a:pPr algn="l" fontAlgn="b"/>
                       <a:r>
-                        <a:rPr lang="en-US" sz="2000" u="none" strike="noStrike" dirty="0">
+                        <a:rPr lang="en-US" sz="2000" u="none" strike="noStrike">
                           <a:effectLst/>
                         </a:rPr>
                         <a:t>A</a:t>
                       </a:r>
-                      <a:endParaRPr lang="en-US" sz="2000" b="0" i="0" u="none" strike="noStrike" dirty="0">
-                        <a:solidFill>
-                          <a:srgbClr val="000000"/>
-                        </a:solidFill>
-                        <a:effectLst/>
-                        <a:latin typeface="Calibri"/>
-                      </a:endParaRPr>
-                    </a:p>
-                  </a:txBody>
-                  <a:tcPr marL="9525" marR="9525" marT="9525" marB="0" anchor="b"/>
-                </a:tc>
-                <a:tc>
-                  <a:txBody>
-                    <a:bodyPr/>
-                    <a:lstStyle/>
-                    <a:p>
-                      <a:pPr algn="l" fontAlgn="b"/>
-                      <a:r>
-                        <a:rPr lang="en-US" sz="2000" u="none" strike="noStrike" dirty="0">
+                      <a:endParaRPr lang="en-US" sz="2000" b="0" i="0" u="none" strike="noStrike">
+                        <a:solidFill>
+                          <a:srgbClr val="000000"/>
+                        </a:solidFill>
+                        <a:effectLst/>
+                        <a:latin typeface="Calibri"/>
+                      </a:endParaRPr>
+                    </a:p>
+                  </a:txBody>
+                  <a:tcPr marL="9525" marR="9525" marT="9525" marB="0" anchor="b"/>
+                </a:tc>
+                <a:tc>
+                  <a:txBody>
+                    <a:bodyPr/>
+                    <a:lstStyle/>
+                    <a:p>
+                      <a:pPr algn="l" fontAlgn="b"/>
+                      <a:r>
+                        <a:rPr lang="en-US" sz="2000" u="none" strike="noStrike">
                           <a:effectLst/>
                         </a:rPr>
                         <a:t>B</a:t>
                       </a:r>
-                      <a:endParaRPr lang="en-US" sz="2000" b="0" i="0" u="none" strike="noStrike" dirty="0">
+                      <a:endParaRPr lang="en-US" sz="2000" b="0" i="0" u="none" strike="noStrike">
                         <a:solidFill>
                           <a:srgbClr val="000000"/>
                         </a:solidFill>
@@ -8829,7 +7887,7 @@
                         <a:rPr lang="en-US" sz="2000" u="none" strike="noStrike">
                           <a:effectLst/>
                         </a:rPr>
-                        <a:t>3</a:t>
+                        <a:t>2</a:t>
                       </a:r>
                       <a:endParaRPr lang="en-US" sz="2000" b="0" i="0" u="none" strike="noStrike">
                         <a:solidFill>
@@ -8854,52 +7912,6 @@
                         <a:rPr lang="en-US" sz="2000" u="none" strike="noStrike">
                           <a:effectLst/>
                         </a:rPr>
-                        <a:t>0</a:t>
-                      </a:r>
-                      <a:endParaRPr lang="en-US" sz="2000" b="0" i="0" u="none" strike="noStrike">
-                        <a:solidFill>
-                          <a:srgbClr val="000000"/>
-                        </a:solidFill>
-                        <a:effectLst/>
-                        <a:latin typeface="Calibri"/>
-                      </a:endParaRPr>
-                    </a:p>
-                  </a:txBody>
-                  <a:tcPr marL="9525" marR="9525" marT="9525" marB="0" anchor="b"/>
-                </a:tc>
-                <a:tc>
-                  <a:txBody>
-                    <a:bodyPr/>
-                    <a:lstStyle/>
-                    <a:p>
-                      <a:pPr algn="l" fontAlgn="b"/>
-                      <a:r>
-                        <a:rPr lang="en-US" sz="2000" u="none" strike="noStrike">
-                          <a:effectLst/>
-                        </a:rPr>
-                        <a:t>0</a:t>
-                      </a:r>
-                      <a:endParaRPr lang="en-US" sz="2000" b="0" i="0" u="none" strike="noStrike">
-                        <a:solidFill>
-                          <a:srgbClr val="000000"/>
-                        </a:solidFill>
-                        <a:effectLst/>
-                        <a:latin typeface="Calibri"/>
-                      </a:endParaRPr>
-                    </a:p>
-                  </a:txBody>
-                  <a:tcPr marL="9525" marR="9525" marT="9525" marB="0" anchor="b"/>
-                </a:tc>
-                <a:tc>
-                  <a:txBody>
-                    <a:bodyPr/>
-                    <a:lstStyle/>
-                    <a:p>
-                      <a:pPr algn="l" fontAlgn="b"/>
-                      <a:r>
-                        <a:rPr lang="en-US" sz="2000" u="none" strike="noStrike">
-                          <a:effectLst/>
-                        </a:rPr>
                         <a:t>1</a:t>
                       </a:r>
                       <a:endParaRPr lang="en-US" sz="2000" b="0" i="0" u="none" strike="noStrike">
@@ -8946,30 +7958,53 @@
                         <a:rPr lang="en-US" sz="2000" u="none" strike="noStrike">
                           <a:effectLst/>
                         </a:rPr>
-                        <a:t>0</a:t>
-                      </a:r>
-                      <a:endParaRPr lang="en-US" sz="2000" b="0" i="0" u="none" strike="noStrike">
-                        <a:solidFill>
-                          <a:srgbClr val="000000"/>
-                        </a:solidFill>
-                        <a:effectLst/>
-                        <a:latin typeface="Calibri"/>
-                      </a:endParaRPr>
-                    </a:p>
-                  </a:txBody>
-                  <a:tcPr marL="9525" marR="9525" marT="9525" marB="0" anchor="b"/>
-                </a:tc>
-                <a:tc>
-                  <a:txBody>
-                    <a:bodyPr/>
-                    <a:lstStyle/>
-                    <a:p>
-                      <a:pPr algn="l" fontAlgn="b"/>
-                      <a:r>
-                        <a:rPr lang="en-US" sz="2000" u="none" strike="noStrike">
-                          <a:effectLst/>
-                        </a:rPr>
-                        <a:t>0</a:t>
+                        <a:t>3</a:t>
+                      </a:r>
+                      <a:endParaRPr lang="en-US" sz="2000" b="0" i="0" u="none" strike="noStrike">
+                        <a:solidFill>
+                          <a:srgbClr val="000000"/>
+                        </a:solidFill>
+                        <a:effectLst/>
+                        <a:latin typeface="Calibri"/>
+                      </a:endParaRPr>
+                    </a:p>
+                  </a:txBody>
+                  <a:tcPr marL="9525" marR="9525" marT="9525" marB="0" anchor="b"/>
+                </a:tc>
+                <a:tc>
+                  <a:txBody>
+                    <a:bodyPr/>
+                    <a:lstStyle/>
+                    <a:p>
+                      <a:pPr algn="l" fontAlgn="b"/>
+                      <a:r>
+                        <a:rPr lang="en-US" sz="2000" u="none" strike="noStrike">
+                          <a:effectLst/>
+                        </a:rPr>
+                        <a:t>3</a:t>
+                      </a:r>
+                      <a:endParaRPr lang="en-US" sz="2000" b="0" i="0" u="none" strike="noStrike">
+                        <a:solidFill>
+                          <a:srgbClr val="000000"/>
+                        </a:solidFill>
+                        <a:effectLst/>
+                        <a:latin typeface="Calibri"/>
+                      </a:endParaRPr>
+                    </a:p>
+                  </a:txBody>
+                  <a:tcPr marL="9525" marR="9525" marT="9525" marB="0" anchor="b"/>
+                </a:tc>
+                <a:tc>
+                  <a:txBody>
+                    <a:bodyPr/>
+                    <a:lstStyle/>
+                    <a:p>
+                      <a:pPr algn="l" fontAlgn="b"/>
+                      <a:r>
+                        <a:rPr lang="en-US" sz="2000" u="none" strike="noStrike">
+                          <a:effectLst/>
+                        </a:rPr>
+                        <a:t>1</a:t>
                       </a:r>
                       <a:endParaRPr lang="en-US" sz="2000" b="0" i="0" u="none" strike="noStrike">
                         <a:solidFill>
@@ -8993,6 +8028,29 @@
                           <a:effectLst/>
                         </a:rPr>
                         <a:t>2</a:t>
+                      </a:r>
+                      <a:endParaRPr lang="en-US" sz="2000" b="0" i="0" u="none" strike="noStrike">
+                        <a:solidFill>
+                          <a:srgbClr val="000000"/>
+                        </a:solidFill>
+                        <a:effectLst/>
+                        <a:latin typeface="Calibri"/>
+                      </a:endParaRPr>
+                    </a:p>
+                  </a:txBody>
+                  <a:tcPr marL="9525" marR="9525" marT="9525" marB="0" anchor="b"/>
+                </a:tc>
+                <a:tc>
+                  <a:txBody>
+                    <a:bodyPr/>
+                    <a:lstStyle/>
+                    <a:p>
+                      <a:pPr algn="l" fontAlgn="b"/>
+                      <a:r>
+                        <a:rPr lang="en-US" sz="2000" u="none" strike="noStrike">
+                          <a:effectLst/>
+                        </a:rPr>
+                        <a:t>1</a:t>
                       </a:r>
                       <a:endParaRPr lang="en-US" sz="2000" b="0" i="0" u="none" strike="noStrike">
                         <a:solidFill>
@@ -9040,6 +8098,29 @@
                         <a:rPr lang="en-US" sz="2000" u="none" strike="noStrike">
                           <a:effectLst/>
                         </a:rPr>
+                        <a:t>0</a:t>
+                      </a:r>
+                      <a:endParaRPr lang="en-US" sz="2000" b="0" i="0" u="none" strike="noStrike">
+                        <a:solidFill>
+                          <a:srgbClr val="000000"/>
+                        </a:solidFill>
+                        <a:effectLst/>
+                        <a:latin typeface="Calibri"/>
+                      </a:endParaRPr>
+                    </a:p>
+                  </a:txBody>
+                  <a:tcPr marL="9525" marR="9525" marT="9525" marB="0" anchor="b"/>
+                </a:tc>
+                <a:tc>
+                  <a:txBody>
+                    <a:bodyPr/>
+                    <a:lstStyle/>
+                    <a:p>
+                      <a:pPr algn="l" fontAlgn="b"/>
+                      <a:r>
+                        <a:rPr lang="en-US" sz="2000" u="none" strike="noStrike">
+                          <a:effectLst/>
+                        </a:rPr>
                         <a:t>1</a:t>
                       </a:r>
                       <a:endParaRPr lang="en-US" sz="2000" b="0" i="0" u="none" strike="noStrike">
@@ -9063,52 +8144,6 @@
                         <a:rPr lang="en-US" sz="2000" u="none" strike="noStrike">
                           <a:effectLst/>
                         </a:rPr>
-                        <a:t>3</a:t>
-                      </a:r>
-                      <a:endParaRPr lang="en-US" sz="2000" b="0" i="0" u="none" strike="noStrike">
-                        <a:solidFill>
-                          <a:srgbClr val="000000"/>
-                        </a:solidFill>
-                        <a:effectLst/>
-                        <a:latin typeface="Calibri"/>
-                      </a:endParaRPr>
-                    </a:p>
-                  </a:txBody>
-                  <a:tcPr marL="9525" marR="9525" marT="9525" marB="0" anchor="b"/>
-                </a:tc>
-                <a:tc>
-                  <a:txBody>
-                    <a:bodyPr/>
-                    <a:lstStyle/>
-                    <a:p>
-                      <a:pPr algn="l" fontAlgn="b"/>
-                      <a:r>
-                        <a:rPr lang="en-US" sz="2000" u="none" strike="noStrike">
-                          <a:effectLst/>
-                        </a:rPr>
-                        <a:t>3</a:t>
-                      </a:r>
-                      <a:endParaRPr lang="en-US" sz="2000" b="0" i="0" u="none" strike="noStrike">
-                        <a:solidFill>
-                          <a:srgbClr val="000000"/>
-                        </a:solidFill>
-                        <a:effectLst/>
-                        <a:latin typeface="Calibri"/>
-                      </a:endParaRPr>
-                    </a:p>
-                  </a:txBody>
-                  <a:tcPr marL="9525" marR="9525" marT="9525" marB="0" anchor="b"/>
-                </a:tc>
-                <a:tc>
-                  <a:txBody>
-                    <a:bodyPr/>
-                    <a:lstStyle/>
-                    <a:p>
-                      <a:pPr algn="l" fontAlgn="b"/>
-                      <a:r>
-                        <a:rPr lang="en-US" sz="2000" u="none" strike="noStrike">
-                          <a:effectLst/>
-                        </a:rPr>
                         <a:t>1</a:t>
                       </a:r>
                       <a:endParaRPr lang="en-US" sz="2000" b="0" i="0" u="none" strike="noStrike">
@@ -9132,30 +8167,53 @@
                         <a:rPr lang="en-US" sz="2000" u="none" strike="noStrike">
                           <a:effectLst/>
                         </a:rPr>
+                        <a:t>0</a:t>
+                      </a:r>
+                      <a:endParaRPr lang="en-US" sz="2000" b="0" i="0" u="none" strike="noStrike">
+                        <a:solidFill>
+                          <a:srgbClr val="000000"/>
+                        </a:solidFill>
+                        <a:effectLst/>
+                        <a:latin typeface="Calibri"/>
+                      </a:endParaRPr>
+                    </a:p>
+                  </a:txBody>
+                  <a:tcPr marL="9525" marR="9525" marT="9525" marB="0" anchor="b"/>
+                </a:tc>
+                <a:tc>
+                  <a:txBody>
+                    <a:bodyPr/>
+                    <a:lstStyle/>
+                    <a:p>
+                      <a:pPr algn="l" fontAlgn="b"/>
+                      <a:r>
+                        <a:rPr lang="en-US" sz="2000" u="none" strike="noStrike">
+                          <a:effectLst/>
+                        </a:rPr>
+                        <a:t>0</a:t>
+                      </a:r>
+                      <a:endParaRPr lang="en-US" sz="2000" b="0" i="0" u="none" strike="noStrike">
+                        <a:solidFill>
+                          <a:srgbClr val="000000"/>
+                        </a:solidFill>
+                        <a:effectLst/>
+                        <a:latin typeface="Calibri"/>
+                      </a:endParaRPr>
+                    </a:p>
+                  </a:txBody>
+                  <a:tcPr marL="9525" marR="9525" marT="9525" marB="0" anchor="b"/>
+                </a:tc>
+                <a:tc>
+                  <a:txBody>
+                    <a:bodyPr/>
+                    <a:lstStyle/>
+                    <a:p>
+                      <a:pPr algn="l" fontAlgn="b"/>
+                      <a:r>
+                        <a:rPr lang="en-US" sz="2000" u="none" strike="noStrike">
+                          <a:effectLst/>
+                        </a:rPr>
                         <a:t>2</a:t>
-                      </a:r>
-                      <a:endParaRPr lang="en-US" sz="2000" b="0" i="0" u="none" strike="noStrike">
-                        <a:solidFill>
-                          <a:srgbClr val="000000"/>
-                        </a:solidFill>
-                        <a:effectLst/>
-                        <a:latin typeface="Calibri"/>
-                      </a:endParaRPr>
-                    </a:p>
-                  </a:txBody>
-                  <a:tcPr marL="9525" marR="9525" marT="9525" marB="0" anchor="b"/>
-                </a:tc>
-                <a:tc>
-                  <a:txBody>
-                    <a:bodyPr/>
-                    <a:lstStyle/>
-                    <a:p>
-                      <a:pPr algn="l" fontAlgn="b"/>
-                      <a:r>
-                        <a:rPr lang="en-US" sz="2000" u="none" strike="noStrike">
-                          <a:effectLst/>
-                        </a:rPr>
-                        <a:t>1</a:t>
                       </a:r>
                       <a:endParaRPr lang="en-US" sz="2000" b="0" i="0" u="none" strike="noStrike">
                         <a:solidFill>
@@ -9180,6 +8238,52 @@
                         <a:rPr lang="en-US" sz="2000" u="none" strike="noStrike">
                           <a:effectLst/>
                         </a:rPr>
+                        <a:t>0</a:t>
+                      </a:r>
+                      <a:endParaRPr lang="en-US" sz="2000" b="0" i="0" u="none" strike="noStrike">
+                        <a:solidFill>
+                          <a:srgbClr val="000000"/>
+                        </a:solidFill>
+                        <a:effectLst/>
+                        <a:latin typeface="Calibri"/>
+                      </a:endParaRPr>
+                    </a:p>
+                  </a:txBody>
+                  <a:tcPr marL="9525" marR="9525" marT="9525" marB="0" anchor="b"/>
+                </a:tc>
+                <a:tc>
+                  <a:txBody>
+                    <a:bodyPr/>
+                    <a:lstStyle/>
+                    <a:p>
+                      <a:pPr algn="l" fontAlgn="b"/>
+                      <a:r>
+                        <a:rPr lang="en-US" sz="2000" u="none" strike="noStrike">
+                          <a:effectLst/>
+                        </a:rPr>
+                        <a:t>0</a:t>
+                      </a:r>
+                      <a:endParaRPr lang="en-US" sz="2000" b="0" i="0" u="none" strike="noStrike">
+                        <a:solidFill>
+                          <a:srgbClr val="000000"/>
+                        </a:solidFill>
+                        <a:effectLst/>
+                        <a:latin typeface="Calibri"/>
+                      </a:endParaRPr>
+                    </a:p>
+                  </a:txBody>
+                  <a:tcPr marL="9525" marR="9525" marT="9525" marB="0" anchor="b"/>
+                </a:tc>
+                <a:tc>
+                  <a:txBody>
+                    <a:bodyPr/>
+                    <a:lstStyle/>
+                    <a:p>
+                      <a:pPr algn="l" fontAlgn="b"/>
+                      <a:r>
+                        <a:rPr lang="en-US" sz="2000" u="none" strike="noStrike">
+                          <a:effectLst/>
+                        </a:rPr>
                         <a:t>2</a:t>
                       </a:r>
                       <a:endParaRPr lang="en-US" sz="2000" b="0" i="0" u="none" strike="noStrike">
@@ -9203,29 +8307,6 @@
                         <a:rPr lang="en-US" sz="2000" u="none" strike="noStrike">
                           <a:effectLst/>
                         </a:rPr>
-                        <a:t>1</a:t>
-                      </a:r>
-                      <a:endParaRPr lang="en-US" sz="2000" b="0" i="0" u="none" strike="noStrike">
-                        <a:solidFill>
-                          <a:srgbClr val="000000"/>
-                        </a:solidFill>
-                        <a:effectLst/>
-                        <a:latin typeface="Calibri"/>
-                      </a:endParaRPr>
-                    </a:p>
-                  </a:txBody>
-                  <a:tcPr marL="9525" marR="9525" marT="9525" marB="0" anchor="b"/>
-                </a:tc>
-                <a:tc>
-                  <a:txBody>
-                    <a:bodyPr/>
-                    <a:lstStyle/>
-                    <a:p>
-                      <a:pPr algn="l" fontAlgn="b"/>
-                      <a:r>
-                        <a:rPr lang="en-US" sz="2000" u="none" strike="noStrike">
-                          <a:effectLst/>
-                        </a:rPr>
                         <a:t>2</a:t>
                       </a:r>
                       <a:endParaRPr lang="en-US" sz="2000" b="0" i="0" u="none" strike="noStrike">
@@ -9249,30 +8330,7 @@
                         <a:rPr lang="en-US" sz="2000" u="none" strike="noStrike">
                           <a:effectLst/>
                         </a:rPr>
-                        <a:t>2</a:t>
-                      </a:r>
-                      <a:endParaRPr lang="en-US" sz="2000" b="0" i="0" u="none" strike="noStrike">
-                        <a:solidFill>
-                          <a:srgbClr val="000000"/>
-                        </a:solidFill>
-                        <a:effectLst/>
-                        <a:latin typeface="Calibri"/>
-                      </a:endParaRPr>
-                    </a:p>
-                  </a:txBody>
-                  <a:tcPr marL="9525" marR="9525" marT="9525" marB="0" anchor="b"/>
-                </a:tc>
-                <a:tc>
-                  <a:txBody>
-                    <a:bodyPr/>
-                    <a:lstStyle/>
-                    <a:p>
-                      <a:pPr algn="l" fontAlgn="b"/>
-                      <a:r>
-                        <a:rPr lang="en-US" sz="2000" u="none" strike="noStrike">
-                          <a:effectLst/>
-                        </a:rPr>
-                        <a:t>1</a:t>
+                        <a:t>0</a:t>
                       </a:r>
                       <a:endParaRPr lang="en-US" sz="2000" b="0" i="0" u="none" strike="noStrike">
                         <a:solidFill>
@@ -9343,29 +8401,6 @@
                         <a:rPr lang="en-US" sz="2000" u="none" strike="noStrike">
                           <a:effectLst/>
                         </a:rPr>
-                        <a:t>1</a:t>
-                      </a:r>
-                      <a:endParaRPr lang="en-US" sz="2000" b="0" i="0" u="none" strike="noStrike">
-                        <a:solidFill>
-                          <a:srgbClr val="000000"/>
-                        </a:solidFill>
-                        <a:effectLst/>
-                        <a:latin typeface="Calibri"/>
-                      </a:endParaRPr>
-                    </a:p>
-                  </a:txBody>
-                  <a:tcPr marL="9525" marR="9525" marT="9525" marB="0" anchor="b"/>
-                </a:tc>
-                <a:tc>
-                  <a:txBody>
-                    <a:bodyPr/>
-                    <a:lstStyle/>
-                    <a:p>
-                      <a:pPr algn="l" fontAlgn="b"/>
-                      <a:r>
-                        <a:rPr lang="en-US" sz="2000" u="none" strike="noStrike">
-                          <a:effectLst/>
-                        </a:rPr>
                         <a:t>0</a:t>
                       </a:r>
                       <a:endParaRPr lang="en-US" sz="2000" b="0" i="0" u="none" strike="noStrike">
@@ -9389,52 +8424,6 @@
                         <a:rPr lang="en-US" sz="2000" u="none" strike="noStrike">
                           <a:effectLst/>
                         </a:rPr>
-                        <a:t>1</a:t>
-                      </a:r>
-                      <a:endParaRPr lang="en-US" sz="2000" b="0" i="0" u="none" strike="noStrike">
-                        <a:solidFill>
-                          <a:srgbClr val="000000"/>
-                        </a:solidFill>
-                        <a:effectLst/>
-                        <a:latin typeface="Calibri"/>
-                      </a:endParaRPr>
-                    </a:p>
-                  </a:txBody>
-                  <a:tcPr marL="9525" marR="9525" marT="9525" marB="0" anchor="b"/>
-                </a:tc>
-                <a:tc>
-                  <a:txBody>
-                    <a:bodyPr/>
-                    <a:lstStyle/>
-                    <a:p>
-                      <a:pPr algn="l" fontAlgn="b"/>
-                      <a:r>
-                        <a:rPr lang="en-US" sz="2000" u="none" strike="noStrike">
-                          <a:effectLst/>
-                        </a:rPr>
-                        <a:t>1</a:t>
-                      </a:r>
-                      <a:endParaRPr lang="en-US" sz="2000" b="0" i="0" u="none" strike="noStrike">
-                        <a:solidFill>
-                          <a:srgbClr val="000000"/>
-                        </a:solidFill>
-                        <a:effectLst/>
-                        <a:latin typeface="Calibri"/>
-                      </a:endParaRPr>
-                    </a:p>
-                  </a:txBody>
-                  <a:tcPr marL="9525" marR="9525" marT="9525" marB="0" anchor="b"/>
-                </a:tc>
-                <a:tc>
-                  <a:txBody>
-                    <a:bodyPr/>
-                    <a:lstStyle/>
-                    <a:p>
-                      <a:pPr algn="l" fontAlgn="b"/>
-                      <a:r>
-                        <a:rPr lang="en-US" sz="2000" u="none" strike="noStrike">
-                          <a:effectLst/>
-                        </a:rPr>
                         <a:t>0</a:t>
                       </a:r>
                       <a:endParaRPr lang="en-US" sz="2000" b="0" i="0" u="none" strike="noStrike">
@@ -9458,6 +8447,52 @@
                         <a:rPr lang="en-US" sz="2000" u="none" strike="noStrike">
                           <a:effectLst/>
                         </a:rPr>
+                        <a:t>3</a:t>
+                      </a:r>
+                      <a:endParaRPr lang="en-US" sz="2000" b="0" i="0" u="none" strike="noStrike">
+                        <a:solidFill>
+                          <a:srgbClr val="000000"/>
+                        </a:solidFill>
+                        <a:effectLst/>
+                        <a:latin typeface="Calibri"/>
+                      </a:endParaRPr>
+                    </a:p>
+                  </a:txBody>
+                  <a:tcPr marL="9525" marR="9525" marT="9525" marB="0" anchor="b"/>
+                </a:tc>
+                <a:tc>
+                  <a:txBody>
+                    <a:bodyPr/>
+                    <a:lstStyle/>
+                    <a:p>
+                      <a:pPr algn="l" fontAlgn="b"/>
+                      <a:r>
+                        <a:rPr lang="en-US" sz="2000" u="none" strike="noStrike">
+                          <a:effectLst/>
+                        </a:rPr>
+                        <a:t>3</a:t>
+                      </a:r>
+                      <a:endParaRPr lang="en-US" sz="2000" b="0" i="0" u="none" strike="noStrike">
+                        <a:solidFill>
+                          <a:srgbClr val="000000"/>
+                        </a:solidFill>
+                        <a:effectLst/>
+                        <a:latin typeface="Calibri"/>
+                      </a:endParaRPr>
+                    </a:p>
+                  </a:txBody>
+                  <a:tcPr marL="9525" marR="9525" marT="9525" marB="0" anchor="b"/>
+                </a:tc>
+                <a:tc>
+                  <a:txBody>
+                    <a:bodyPr/>
+                    <a:lstStyle/>
+                    <a:p>
+                      <a:pPr algn="l" fontAlgn="b"/>
+                      <a:r>
+                        <a:rPr lang="en-US" sz="2000" u="none" strike="noStrike">
+                          <a:effectLst/>
+                        </a:rPr>
                         <a:t>0</a:t>
                       </a:r>
                       <a:endParaRPr lang="en-US" sz="2000" b="0" i="0" u="none" strike="noStrike">
@@ -9481,822 +8516,30 @@
                         <a:rPr lang="en-US" sz="2000" u="none" strike="noStrike">
                           <a:effectLst/>
                         </a:rPr>
+                        <a:t>0</a:t>
+                      </a:r>
+                      <a:endParaRPr lang="en-US" sz="2000" b="0" i="0" u="none" strike="noStrike">
+                        <a:solidFill>
+                          <a:srgbClr val="000000"/>
+                        </a:solidFill>
+                        <a:effectLst/>
+                        <a:latin typeface="Calibri"/>
+                      </a:endParaRPr>
+                    </a:p>
+                  </a:txBody>
+                  <a:tcPr marL="9525" marR="9525" marT="9525" marB="0" anchor="b"/>
+                </a:tc>
+                <a:tc>
+                  <a:txBody>
+                    <a:bodyPr/>
+                    <a:lstStyle/>
+                    <a:p>
+                      <a:pPr algn="l" fontAlgn="b"/>
+                      <a:r>
+                        <a:rPr lang="en-US" sz="2000" u="none" strike="noStrike" dirty="0">
+                          <a:effectLst/>
+                        </a:rPr>
                         <a:t>2</a:t>
-                      </a:r>
-                      <a:endParaRPr lang="en-US" sz="2000" b="0" i="0" u="none" strike="noStrike">
-                        <a:solidFill>
-                          <a:srgbClr val="000000"/>
-                        </a:solidFill>
-                        <a:effectLst/>
-                        <a:latin typeface="Calibri"/>
-                      </a:endParaRPr>
-                    </a:p>
-                  </a:txBody>
-                  <a:tcPr marL="9525" marR="9525" marT="9525" marB="0" anchor="b"/>
-                </a:tc>
-              </a:tr>
-              <a:tr h="333375">
-                <a:tc>
-                  <a:txBody>
-                    <a:bodyPr/>
-                    <a:lstStyle/>
-                    <a:p>
-                      <a:pPr algn="l" fontAlgn="b"/>
-                      <a:r>
-                        <a:rPr lang="en-US" sz="2000" u="none" strike="noStrike">
-                          <a:effectLst/>
-                        </a:rPr>
-                        <a:t>0</a:t>
-                      </a:r>
-                      <a:endParaRPr lang="en-US" sz="2000" b="0" i="0" u="none" strike="noStrike">
-                        <a:solidFill>
-                          <a:srgbClr val="000000"/>
-                        </a:solidFill>
-                        <a:effectLst/>
-                        <a:latin typeface="Calibri"/>
-                      </a:endParaRPr>
-                    </a:p>
-                  </a:txBody>
-                  <a:tcPr marL="9525" marR="9525" marT="9525" marB="0" anchor="b"/>
-                </a:tc>
-                <a:tc>
-                  <a:txBody>
-                    <a:bodyPr/>
-                    <a:lstStyle/>
-                    <a:p>
-                      <a:pPr algn="l" fontAlgn="b"/>
-                      <a:r>
-                        <a:rPr lang="en-US" sz="2000" u="none" strike="noStrike">
-                          <a:effectLst/>
-                        </a:rPr>
-                        <a:t>0</a:t>
-                      </a:r>
-                      <a:endParaRPr lang="en-US" sz="2000" b="0" i="0" u="none" strike="noStrike">
-                        <a:solidFill>
-                          <a:srgbClr val="000000"/>
-                        </a:solidFill>
-                        <a:effectLst/>
-                        <a:latin typeface="Calibri"/>
-                      </a:endParaRPr>
-                    </a:p>
-                  </a:txBody>
-                  <a:tcPr marL="9525" marR="9525" marT="9525" marB="0" anchor="b"/>
-                </a:tc>
-                <a:tc>
-                  <a:txBody>
-                    <a:bodyPr/>
-                    <a:lstStyle/>
-                    <a:p>
-                      <a:pPr algn="l" fontAlgn="b"/>
-                      <a:r>
-                        <a:rPr lang="en-US" sz="2000" u="none" strike="noStrike">
-                          <a:effectLst/>
-                        </a:rPr>
-                        <a:t>2</a:t>
-                      </a:r>
-                      <a:endParaRPr lang="en-US" sz="2000" b="0" i="0" u="none" strike="noStrike">
-                        <a:solidFill>
-                          <a:srgbClr val="000000"/>
-                        </a:solidFill>
-                        <a:effectLst/>
-                        <a:latin typeface="Calibri"/>
-                      </a:endParaRPr>
-                    </a:p>
-                  </a:txBody>
-                  <a:tcPr marL="9525" marR="9525" marT="9525" marB="0" anchor="b"/>
-                </a:tc>
-                <a:tc>
-                  <a:txBody>
-                    <a:bodyPr/>
-                    <a:lstStyle/>
-                    <a:p>
-                      <a:pPr algn="l" fontAlgn="b"/>
-                      <a:r>
-                        <a:rPr lang="en-US" sz="2000" u="none" strike="noStrike">
-                          <a:effectLst/>
-                        </a:rPr>
-                        <a:t>2</a:t>
-                      </a:r>
-                      <a:endParaRPr lang="en-US" sz="2000" b="0" i="0" u="none" strike="noStrike">
-                        <a:solidFill>
-                          <a:srgbClr val="000000"/>
-                        </a:solidFill>
-                        <a:effectLst/>
-                        <a:latin typeface="Calibri"/>
-                      </a:endParaRPr>
-                    </a:p>
-                  </a:txBody>
-                  <a:tcPr marL="9525" marR="9525" marT="9525" marB="0" anchor="b"/>
-                </a:tc>
-                <a:tc>
-                  <a:txBody>
-                    <a:bodyPr/>
-                    <a:lstStyle/>
-                    <a:p>
-                      <a:pPr algn="l" fontAlgn="b"/>
-                      <a:r>
-                        <a:rPr lang="en-US" sz="2000" u="none" strike="noStrike">
-                          <a:effectLst/>
-                        </a:rPr>
-                        <a:t>0</a:t>
-                      </a:r>
-                      <a:endParaRPr lang="en-US" sz="2000" b="0" i="0" u="none" strike="noStrike">
-                        <a:solidFill>
-                          <a:srgbClr val="000000"/>
-                        </a:solidFill>
-                        <a:effectLst/>
-                        <a:latin typeface="Calibri"/>
-                      </a:endParaRPr>
-                    </a:p>
-                  </a:txBody>
-                  <a:tcPr marL="9525" marR="9525" marT="9525" marB="0" anchor="b"/>
-                </a:tc>
-                <a:tc>
-                  <a:txBody>
-                    <a:bodyPr/>
-                    <a:lstStyle/>
-                    <a:p>
-                      <a:pPr algn="l" fontAlgn="b"/>
-                      <a:r>
-                        <a:rPr lang="en-US" sz="2000" u="none" strike="noStrike">
-                          <a:effectLst/>
-                        </a:rPr>
-                        <a:t>0</a:t>
-                      </a:r>
-                      <a:endParaRPr lang="en-US" sz="2000" b="0" i="0" u="none" strike="noStrike">
-                        <a:solidFill>
-                          <a:srgbClr val="000000"/>
-                        </a:solidFill>
-                        <a:effectLst/>
-                        <a:latin typeface="Calibri"/>
-                      </a:endParaRPr>
-                    </a:p>
-                  </a:txBody>
-                  <a:tcPr marL="9525" marR="9525" marT="9525" marB="0" anchor="b"/>
-                </a:tc>
-                <a:tc>
-                  <a:txBody>
-                    <a:bodyPr/>
-                    <a:lstStyle/>
-                    <a:p>
-                      <a:pPr algn="l" fontAlgn="b"/>
-                      <a:r>
-                        <a:rPr lang="en-US" sz="2000" u="none" strike="noStrike">
-                          <a:effectLst/>
-                        </a:rPr>
-                        <a:t>2</a:t>
-                      </a:r>
-                      <a:endParaRPr lang="en-US" sz="2000" b="0" i="0" u="none" strike="noStrike">
-                        <a:solidFill>
-                          <a:srgbClr val="000000"/>
-                        </a:solidFill>
-                        <a:effectLst/>
-                        <a:latin typeface="Calibri"/>
-                      </a:endParaRPr>
-                    </a:p>
-                  </a:txBody>
-                  <a:tcPr marL="9525" marR="9525" marT="9525" marB="0" anchor="b"/>
-                </a:tc>
-              </a:tr>
-              <a:tr h="333375">
-                <a:tc>
-                  <a:txBody>
-                    <a:bodyPr/>
-                    <a:lstStyle/>
-                    <a:p>
-                      <a:pPr algn="l" fontAlgn="b"/>
-                      <a:r>
-                        <a:rPr lang="en-US" sz="2000" u="none" strike="noStrike">
-                          <a:effectLst/>
-                        </a:rPr>
-                        <a:t>0</a:t>
-                      </a:r>
-                      <a:endParaRPr lang="en-US" sz="2000" b="0" i="0" u="none" strike="noStrike">
-                        <a:solidFill>
-                          <a:srgbClr val="000000"/>
-                        </a:solidFill>
-                        <a:effectLst/>
-                        <a:latin typeface="Calibri"/>
-                      </a:endParaRPr>
-                    </a:p>
-                  </a:txBody>
-                  <a:tcPr marL="9525" marR="9525" marT="9525" marB="0" anchor="b"/>
-                </a:tc>
-                <a:tc>
-                  <a:txBody>
-                    <a:bodyPr/>
-                    <a:lstStyle/>
-                    <a:p>
-                      <a:pPr algn="l" fontAlgn="b"/>
-                      <a:r>
-                        <a:rPr lang="en-US" sz="2000" u="none" strike="noStrike">
-                          <a:effectLst/>
-                        </a:rPr>
-                        <a:t>0</a:t>
-                      </a:r>
-                      <a:endParaRPr lang="en-US" sz="2000" b="0" i="0" u="none" strike="noStrike">
-                        <a:solidFill>
-                          <a:srgbClr val="000000"/>
-                        </a:solidFill>
-                        <a:effectLst/>
-                        <a:latin typeface="Calibri"/>
-                      </a:endParaRPr>
-                    </a:p>
-                  </a:txBody>
-                  <a:tcPr marL="9525" marR="9525" marT="9525" marB="0" anchor="b"/>
-                </a:tc>
-                <a:tc>
-                  <a:txBody>
-                    <a:bodyPr/>
-                    <a:lstStyle/>
-                    <a:p>
-                      <a:pPr algn="l" fontAlgn="b"/>
-                      <a:r>
-                        <a:rPr lang="en-US" sz="2000" u="none" strike="noStrike">
-                          <a:effectLst/>
-                        </a:rPr>
-                        <a:t>3</a:t>
-                      </a:r>
-                      <a:endParaRPr lang="en-US" sz="2000" b="0" i="0" u="none" strike="noStrike">
-                        <a:solidFill>
-                          <a:srgbClr val="000000"/>
-                        </a:solidFill>
-                        <a:effectLst/>
-                        <a:latin typeface="Calibri"/>
-                      </a:endParaRPr>
-                    </a:p>
-                  </a:txBody>
-                  <a:tcPr marL="9525" marR="9525" marT="9525" marB="0" anchor="b"/>
-                </a:tc>
-                <a:tc>
-                  <a:txBody>
-                    <a:bodyPr/>
-                    <a:lstStyle/>
-                    <a:p>
-                      <a:pPr algn="l" fontAlgn="b"/>
-                      <a:r>
-                        <a:rPr lang="en-US" sz="2000" u="none" strike="noStrike">
-                          <a:effectLst/>
-                        </a:rPr>
-                        <a:t>3</a:t>
-                      </a:r>
-                      <a:endParaRPr lang="en-US" sz="2000" b="0" i="0" u="none" strike="noStrike">
-                        <a:solidFill>
-                          <a:srgbClr val="000000"/>
-                        </a:solidFill>
-                        <a:effectLst/>
-                        <a:latin typeface="Calibri"/>
-                      </a:endParaRPr>
-                    </a:p>
-                  </a:txBody>
-                  <a:tcPr marL="9525" marR="9525" marT="9525" marB="0" anchor="b"/>
-                </a:tc>
-                <a:tc>
-                  <a:txBody>
-                    <a:bodyPr/>
-                    <a:lstStyle/>
-                    <a:p>
-                      <a:pPr algn="l" fontAlgn="b"/>
-                      <a:r>
-                        <a:rPr lang="en-US" sz="2000" u="none" strike="noStrike">
-                          <a:effectLst/>
-                        </a:rPr>
-                        <a:t>0</a:t>
-                      </a:r>
-                      <a:endParaRPr lang="en-US" sz="2000" b="0" i="0" u="none" strike="noStrike">
-                        <a:solidFill>
-                          <a:srgbClr val="000000"/>
-                        </a:solidFill>
-                        <a:effectLst/>
-                        <a:latin typeface="Calibri"/>
-                      </a:endParaRPr>
-                    </a:p>
-                  </a:txBody>
-                  <a:tcPr marL="9525" marR="9525" marT="9525" marB="0" anchor="b"/>
-                </a:tc>
-                <a:tc>
-                  <a:txBody>
-                    <a:bodyPr/>
-                    <a:lstStyle/>
-                    <a:p>
-                      <a:pPr algn="l" fontAlgn="b"/>
-                      <a:r>
-                        <a:rPr lang="en-US" sz="2000" u="none" strike="noStrike">
-                          <a:effectLst/>
-                        </a:rPr>
-                        <a:t>0</a:t>
-                      </a:r>
-                      <a:endParaRPr lang="en-US" sz="2000" b="0" i="0" u="none" strike="noStrike">
-                        <a:solidFill>
-                          <a:srgbClr val="000000"/>
-                        </a:solidFill>
-                        <a:effectLst/>
-                        <a:latin typeface="Calibri"/>
-                      </a:endParaRPr>
-                    </a:p>
-                  </a:txBody>
-                  <a:tcPr marL="9525" marR="9525" marT="9525" marB="0" anchor="b"/>
-                </a:tc>
-                <a:tc>
-                  <a:txBody>
-                    <a:bodyPr/>
-                    <a:lstStyle/>
-                    <a:p>
-                      <a:pPr algn="l" fontAlgn="b"/>
-                      <a:r>
-                        <a:rPr lang="en-US" sz="2000" u="none" strike="noStrike">
-                          <a:effectLst/>
-                        </a:rPr>
-                        <a:t>2</a:t>
-                      </a:r>
-                      <a:endParaRPr lang="en-US" sz="2000" b="0" i="0" u="none" strike="noStrike">
-                        <a:solidFill>
-                          <a:srgbClr val="000000"/>
-                        </a:solidFill>
-                        <a:effectLst/>
-                        <a:latin typeface="Calibri"/>
-                      </a:endParaRPr>
-                    </a:p>
-                  </a:txBody>
-                  <a:tcPr marL="9525" marR="9525" marT="9525" marB="0" anchor="b"/>
-                </a:tc>
-              </a:tr>
-              <a:tr h="333375">
-                <a:tc>
-                  <a:txBody>
-                    <a:bodyPr/>
-                    <a:lstStyle/>
-                    <a:p>
-                      <a:pPr algn="l" fontAlgn="b"/>
-                      <a:r>
-                        <a:rPr lang="en-US" sz="2000" u="none" strike="noStrike">
-                          <a:effectLst/>
-                        </a:rPr>
-                        <a:t>2</a:t>
-                      </a:r>
-                      <a:endParaRPr lang="en-US" sz="2000" b="0" i="0" u="none" strike="noStrike">
-                        <a:solidFill>
-                          <a:srgbClr val="000000"/>
-                        </a:solidFill>
-                        <a:effectLst/>
-                        <a:latin typeface="Calibri"/>
-                      </a:endParaRPr>
-                    </a:p>
-                  </a:txBody>
-                  <a:tcPr marL="9525" marR="9525" marT="9525" marB="0" anchor="b"/>
-                </a:tc>
-                <a:tc>
-                  <a:txBody>
-                    <a:bodyPr/>
-                    <a:lstStyle/>
-                    <a:p>
-                      <a:pPr algn="l" fontAlgn="b"/>
-                      <a:r>
-                        <a:rPr lang="en-US" sz="2000" u="none" strike="noStrike">
-                          <a:effectLst/>
-                        </a:rPr>
-                        <a:t>0</a:t>
-                      </a:r>
-                      <a:endParaRPr lang="en-US" sz="2000" b="0" i="0" u="none" strike="noStrike">
-                        <a:solidFill>
-                          <a:srgbClr val="000000"/>
-                        </a:solidFill>
-                        <a:effectLst/>
-                        <a:latin typeface="Calibri"/>
-                      </a:endParaRPr>
-                    </a:p>
-                  </a:txBody>
-                  <a:tcPr marL="9525" marR="9525" marT="9525" marB="0" anchor="b"/>
-                </a:tc>
-                <a:tc>
-                  <a:txBody>
-                    <a:bodyPr/>
-                    <a:lstStyle/>
-                    <a:p>
-                      <a:pPr algn="l" fontAlgn="b"/>
-                      <a:r>
-                        <a:rPr lang="en-US" sz="2000" u="none" strike="noStrike">
-                          <a:effectLst/>
-                        </a:rPr>
-                        <a:t>4</a:t>
-                      </a:r>
-                      <a:endParaRPr lang="en-US" sz="2000" b="0" i="0" u="none" strike="noStrike">
-                        <a:solidFill>
-                          <a:srgbClr val="000000"/>
-                        </a:solidFill>
-                        <a:effectLst/>
-                        <a:latin typeface="Calibri"/>
-                      </a:endParaRPr>
-                    </a:p>
-                  </a:txBody>
-                  <a:tcPr marL="9525" marR="9525" marT="9525" marB="0" anchor="b"/>
-                </a:tc>
-                <a:tc>
-                  <a:txBody>
-                    <a:bodyPr/>
-                    <a:lstStyle/>
-                    <a:p>
-                      <a:pPr algn="l" fontAlgn="b"/>
-                      <a:r>
-                        <a:rPr lang="en-US" sz="2000" u="none" strike="noStrike">
-                          <a:effectLst/>
-                        </a:rPr>
-                        <a:t>3</a:t>
-                      </a:r>
-                      <a:endParaRPr lang="en-US" sz="2000" b="0" i="0" u="none" strike="noStrike">
-                        <a:solidFill>
-                          <a:srgbClr val="000000"/>
-                        </a:solidFill>
-                        <a:effectLst/>
-                        <a:latin typeface="Calibri"/>
-                      </a:endParaRPr>
-                    </a:p>
-                  </a:txBody>
-                  <a:tcPr marL="9525" marR="9525" marT="9525" marB="0" anchor="b"/>
-                </a:tc>
-                <a:tc>
-                  <a:txBody>
-                    <a:bodyPr/>
-                    <a:lstStyle/>
-                    <a:p>
-                      <a:pPr algn="l" fontAlgn="b"/>
-                      <a:r>
-                        <a:rPr lang="en-US" sz="2000" u="none" strike="noStrike">
-                          <a:effectLst/>
-                        </a:rPr>
-                        <a:t>0</a:t>
-                      </a:r>
-                      <a:endParaRPr lang="en-US" sz="2000" b="0" i="0" u="none" strike="noStrike">
-                        <a:solidFill>
-                          <a:srgbClr val="000000"/>
-                        </a:solidFill>
-                        <a:effectLst/>
-                        <a:latin typeface="Calibri"/>
-                      </a:endParaRPr>
-                    </a:p>
-                  </a:txBody>
-                  <a:tcPr marL="9525" marR="9525" marT="9525" marB="0" anchor="b"/>
-                </a:tc>
-                <a:tc>
-                  <a:txBody>
-                    <a:bodyPr/>
-                    <a:lstStyle/>
-                    <a:p>
-                      <a:pPr algn="l" fontAlgn="b"/>
-                      <a:r>
-                        <a:rPr lang="en-US" sz="2000" u="none" strike="noStrike">
-                          <a:effectLst/>
-                        </a:rPr>
-                        <a:t>0</a:t>
-                      </a:r>
-                      <a:endParaRPr lang="en-US" sz="2000" b="0" i="0" u="none" strike="noStrike">
-                        <a:solidFill>
-                          <a:srgbClr val="000000"/>
-                        </a:solidFill>
-                        <a:effectLst/>
-                        <a:latin typeface="Calibri"/>
-                      </a:endParaRPr>
-                    </a:p>
-                  </a:txBody>
-                  <a:tcPr marL="9525" marR="9525" marT="9525" marB="0" anchor="b"/>
-                </a:tc>
-                <a:tc>
-                  <a:txBody>
-                    <a:bodyPr/>
-                    <a:lstStyle/>
-                    <a:p>
-                      <a:pPr algn="l" fontAlgn="b"/>
-                      <a:r>
-                        <a:rPr lang="en-US" sz="2000" u="none" strike="noStrike">
-                          <a:effectLst/>
-                        </a:rPr>
-                        <a:t>2</a:t>
-                      </a:r>
-                      <a:endParaRPr lang="en-US" sz="2000" b="0" i="0" u="none" strike="noStrike">
-                        <a:solidFill>
-                          <a:srgbClr val="000000"/>
-                        </a:solidFill>
-                        <a:effectLst/>
-                        <a:latin typeface="Calibri"/>
-                      </a:endParaRPr>
-                    </a:p>
-                  </a:txBody>
-                  <a:tcPr marL="9525" marR="9525" marT="9525" marB="0" anchor="b"/>
-                </a:tc>
-              </a:tr>
-              <a:tr h="333375">
-                <a:tc>
-                  <a:txBody>
-                    <a:bodyPr/>
-                    <a:lstStyle/>
-                    <a:p>
-                      <a:pPr algn="l" fontAlgn="b"/>
-                      <a:r>
-                        <a:rPr lang="en-US" sz="2000" u="none" strike="noStrike">
-                          <a:effectLst/>
-                        </a:rPr>
-                        <a:t>1</a:t>
-                      </a:r>
-                      <a:endParaRPr lang="en-US" sz="2000" b="0" i="0" u="none" strike="noStrike">
-                        <a:solidFill>
-                          <a:srgbClr val="000000"/>
-                        </a:solidFill>
-                        <a:effectLst/>
-                        <a:latin typeface="Calibri"/>
-                      </a:endParaRPr>
-                    </a:p>
-                  </a:txBody>
-                  <a:tcPr marL="9525" marR="9525" marT="9525" marB="0" anchor="b"/>
-                </a:tc>
-                <a:tc>
-                  <a:txBody>
-                    <a:bodyPr/>
-                    <a:lstStyle/>
-                    <a:p>
-                      <a:pPr algn="l" fontAlgn="b"/>
-                      <a:r>
-                        <a:rPr lang="en-US" sz="2000" u="none" strike="noStrike">
-                          <a:effectLst/>
-                        </a:rPr>
-                        <a:t>1</a:t>
-                      </a:r>
-                      <a:endParaRPr lang="en-US" sz="2000" b="0" i="0" u="none" strike="noStrike">
-                        <a:solidFill>
-                          <a:srgbClr val="000000"/>
-                        </a:solidFill>
-                        <a:effectLst/>
-                        <a:latin typeface="Calibri"/>
-                      </a:endParaRPr>
-                    </a:p>
-                  </a:txBody>
-                  <a:tcPr marL="9525" marR="9525" marT="9525" marB="0" anchor="b"/>
-                </a:tc>
-                <a:tc>
-                  <a:txBody>
-                    <a:bodyPr/>
-                    <a:lstStyle/>
-                    <a:p>
-                      <a:pPr algn="l" fontAlgn="b"/>
-                      <a:r>
-                        <a:rPr lang="en-US" sz="2000" u="none" strike="noStrike">
-                          <a:effectLst/>
-                        </a:rPr>
-                        <a:t>3</a:t>
-                      </a:r>
-                      <a:endParaRPr lang="en-US" sz="2000" b="0" i="0" u="none" strike="noStrike">
-                        <a:solidFill>
-                          <a:srgbClr val="000000"/>
-                        </a:solidFill>
-                        <a:effectLst/>
-                        <a:latin typeface="Calibri"/>
-                      </a:endParaRPr>
-                    </a:p>
-                  </a:txBody>
-                  <a:tcPr marL="9525" marR="9525" marT="9525" marB="0" anchor="b"/>
-                </a:tc>
-                <a:tc>
-                  <a:txBody>
-                    <a:bodyPr/>
-                    <a:lstStyle/>
-                    <a:p>
-                      <a:pPr algn="l" fontAlgn="b"/>
-                      <a:r>
-                        <a:rPr lang="en-US" sz="2000" u="none" strike="noStrike">
-                          <a:effectLst/>
-                        </a:rPr>
-                        <a:t>3</a:t>
-                      </a:r>
-                      <a:endParaRPr lang="en-US" sz="2000" b="0" i="0" u="none" strike="noStrike">
-                        <a:solidFill>
-                          <a:srgbClr val="000000"/>
-                        </a:solidFill>
-                        <a:effectLst/>
-                        <a:latin typeface="Calibri"/>
-                      </a:endParaRPr>
-                    </a:p>
-                  </a:txBody>
-                  <a:tcPr marL="9525" marR="9525" marT="9525" marB="0" anchor="b"/>
-                </a:tc>
-                <a:tc>
-                  <a:txBody>
-                    <a:bodyPr/>
-                    <a:lstStyle/>
-                    <a:p>
-                      <a:pPr algn="l" fontAlgn="b"/>
-                      <a:r>
-                        <a:rPr lang="en-US" sz="2000" u="none" strike="noStrike">
-                          <a:effectLst/>
-                        </a:rPr>
-                        <a:t>1</a:t>
-                      </a:r>
-                      <a:endParaRPr lang="en-US" sz="2000" b="0" i="0" u="none" strike="noStrike">
-                        <a:solidFill>
-                          <a:srgbClr val="000000"/>
-                        </a:solidFill>
-                        <a:effectLst/>
-                        <a:latin typeface="Calibri"/>
-                      </a:endParaRPr>
-                    </a:p>
-                  </a:txBody>
-                  <a:tcPr marL="9525" marR="9525" marT="9525" marB="0" anchor="b"/>
-                </a:tc>
-                <a:tc>
-                  <a:txBody>
-                    <a:bodyPr/>
-                    <a:lstStyle/>
-                    <a:p>
-                      <a:pPr algn="l" fontAlgn="b"/>
-                      <a:r>
-                        <a:rPr lang="en-US" sz="2000" u="none" strike="noStrike">
-                          <a:effectLst/>
-                        </a:rPr>
-                        <a:t>2</a:t>
-                      </a:r>
-                      <a:endParaRPr lang="en-US" sz="2000" b="0" i="0" u="none" strike="noStrike">
-                        <a:solidFill>
-                          <a:srgbClr val="000000"/>
-                        </a:solidFill>
-                        <a:effectLst/>
-                        <a:latin typeface="Calibri"/>
-                      </a:endParaRPr>
-                    </a:p>
-                  </a:txBody>
-                  <a:tcPr marL="9525" marR="9525" marT="9525" marB="0" anchor="b"/>
-                </a:tc>
-                <a:tc>
-                  <a:txBody>
-                    <a:bodyPr/>
-                    <a:lstStyle/>
-                    <a:p>
-                      <a:pPr algn="l" fontAlgn="b"/>
-                      <a:r>
-                        <a:rPr lang="en-US" sz="2000" u="none" strike="noStrike">
-                          <a:effectLst/>
-                        </a:rPr>
-                        <a:t>1</a:t>
-                      </a:r>
-                      <a:endParaRPr lang="en-US" sz="2000" b="0" i="0" u="none" strike="noStrike">
-                        <a:solidFill>
-                          <a:srgbClr val="000000"/>
-                        </a:solidFill>
-                        <a:effectLst/>
-                        <a:latin typeface="Calibri"/>
-                      </a:endParaRPr>
-                    </a:p>
-                  </a:txBody>
-                  <a:tcPr marL="9525" marR="9525" marT="9525" marB="0" anchor="b"/>
-                </a:tc>
-              </a:tr>
-              <a:tr h="333375">
-                <a:tc>
-                  <a:txBody>
-                    <a:bodyPr/>
-                    <a:lstStyle/>
-                    <a:p>
-                      <a:pPr algn="l" fontAlgn="b"/>
-                      <a:r>
-                        <a:rPr lang="en-US" sz="2000" u="none" strike="noStrike">
-                          <a:effectLst/>
-                        </a:rPr>
-                        <a:t>1</a:t>
-                      </a:r>
-                      <a:endParaRPr lang="en-US" sz="2000" b="0" i="0" u="none" strike="noStrike">
-                        <a:solidFill>
-                          <a:srgbClr val="000000"/>
-                        </a:solidFill>
-                        <a:effectLst/>
-                        <a:latin typeface="Calibri"/>
-                      </a:endParaRPr>
-                    </a:p>
-                  </a:txBody>
-                  <a:tcPr marL="9525" marR="9525" marT="9525" marB="0" anchor="b"/>
-                </a:tc>
-                <a:tc>
-                  <a:txBody>
-                    <a:bodyPr/>
-                    <a:lstStyle/>
-                    <a:p>
-                      <a:pPr algn="l" fontAlgn="b"/>
-                      <a:r>
-                        <a:rPr lang="en-US" sz="2000" u="none" strike="noStrike">
-                          <a:effectLst/>
-                        </a:rPr>
-                        <a:t>1</a:t>
-                      </a:r>
-                      <a:endParaRPr lang="en-US" sz="2000" b="0" i="0" u="none" strike="noStrike">
-                        <a:solidFill>
-                          <a:srgbClr val="000000"/>
-                        </a:solidFill>
-                        <a:effectLst/>
-                        <a:latin typeface="Calibri"/>
-                      </a:endParaRPr>
-                    </a:p>
-                  </a:txBody>
-                  <a:tcPr marL="9525" marR="9525" marT="9525" marB="0" anchor="b"/>
-                </a:tc>
-                <a:tc>
-                  <a:txBody>
-                    <a:bodyPr/>
-                    <a:lstStyle/>
-                    <a:p>
-                      <a:pPr algn="l" fontAlgn="b"/>
-                      <a:r>
-                        <a:rPr lang="en-US" sz="2000" u="none" strike="noStrike">
-                          <a:effectLst/>
-                        </a:rPr>
-                        <a:t>3</a:t>
-                      </a:r>
-                      <a:endParaRPr lang="en-US" sz="2000" b="0" i="0" u="none" strike="noStrike">
-                        <a:solidFill>
-                          <a:srgbClr val="000000"/>
-                        </a:solidFill>
-                        <a:effectLst/>
-                        <a:latin typeface="Calibri"/>
-                      </a:endParaRPr>
-                    </a:p>
-                  </a:txBody>
-                  <a:tcPr marL="9525" marR="9525" marT="9525" marB="0" anchor="b"/>
-                </a:tc>
-                <a:tc>
-                  <a:txBody>
-                    <a:bodyPr/>
-                    <a:lstStyle/>
-                    <a:p>
-                      <a:pPr algn="l" fontAlgn="b"/>
-                      <a:r>
-                        <a:rPr lang="en-US" sz="2000" u="none" strike="noStrike">
-                          <a:effectLst/>
-                        </a:rPr>
-                        <a:t>3</a:t>
-                      </a:r>
-                      <a:endParaRPr lang="en-US" sz="2000" b="0" i="0" u="none" strike="noStrike">
-                        <a:solidFill>
-                          <a:srgbClr val="000000"/>
-                        </a:solidFill>
-                        <a:effectLst/>
-                        <a:latin typeface="Calibri"/>
-                      </a:endParaRPr>
-                    </a:p>
-                  </a:txBody>
-                  <a:tcPr marL="9525" marR="9525" marT="9525" marB="0" anchor="b"/>
-                </a:tc>
-                <a:tc>
-                  <a:txBody>
-                    <a:bodyPr/>
-                    <a:lstStyle/>
-                    <a:p>
-                      <a:pPr algn="l" fontAlgn="b"/>
-                      <a:r>
-                        <a:rPr lang="en-US" sz="2000" u="none" strike="noStrike">
-                          <a:effectLst/>
-                        </a:rPr>
-                        <a:t>1</a:t>
-                      </a:r>
-                      <a:endParaRPr lang="en-US" sz="2000" b="0" i="0" u="none" strike="noStrike">
-                        <a:solidFill>
-                          <a:srgbClr val="000000"/>
-                        </a:solidFill>
-                        <a:effectLst/>
-                        <a:latin typeface="Calibri"/>
-                      </a:endParaRPr>
-                    </a:p>
-                  </a:txBody>
-                  <a:tcPr marL="9525" marR="9525" marT="9525" marB="0" anchor="b"/>
-                </a:tc>
-                <a:tc>
-                  <a:txBody>
-                    <a:bodyPr/>
-                    <a:lstStyle/>
-                    <a:p>
-                      <a:pPr algn="l" fontAlgn="b"/>
-                      <a:r>
-                        <a:rPr lang="en-US" sz="2000" u="none" strike="noStrike">
-                          <a:effectLst/>
-                        </a:rPr>
-                        <a:t>1</a:t>
-                      </a:r>
-                      <a:endParaRPr lang="en-US" sz="2000" b="0" i="0" u="none" strike="noStrike">
-                        <a:solidFill>
-                          <a:srgbClr val="000000"/>
-                        </a:solidFill>
-                        <a:effectLst/>
-                        <a:latin typeface="Calibri"/>
-                      </a:endParaRPr>
-                    </a:p>
-                  </a:txBody>
-                  <a:tcPr marL="9525" marR="9525" marT="9525" marB="0" anchor="b"/>
-                </a:tc>
-                <a:tc>
-                  <a:txBody>
-                    <a:bodyPr/>
-                    <a:lstStyle/>
-                    <a:p>
-                      <a:pPr algn="l" fontAlgn="b"/>
-                      <a:r>
-                        <a:rPr lang="en-US" sz="2000" u="none" strike="noStrike" dirty="0">
-                          <a:effectLst/>
-                        </a:rPr>
-                        <a:t>3</a:t>
                       </a:r>
                       <a:endParaRPr lang="en-US" sz="2000" b="0" i="0" u="none" strike="noStrike" dirty="0">
                         <a:solidFill>
@@ -10411,13 +8654,8 @@
           <a:p>
             <a:r>
               <a:rPr lang="en-US" dirty="0" smtClean="0"/>
-              <a:t>Other ideas (didn’t have time to try them)</a:t>
-            </a:r>
-            <a:r>
-              <a:rPr lang="en-US" dirty="0" smtClean="0"/>
-              <a:t>:</a:t>
-            </a:r>
-            <a:endParaRPr lang="en-US" dirty="0" smtClean="0"/>
+              <a:t>Other ideas (didn’t have time to try them):</a:t>
+            </a:r>
           </a:p>
           <a:p>
             <a:pPr lvl="1"/>
@@ -10436,13 +8674,8 @@
           <a:p>
             <a:r>
               <a:rPr lang="en-US" dirty="0" smtClean="0"/>
-              <a:t>Top competitors are likely using an ensemble of models that incorporates this </a:t>
-            </a:r>
-            <a:r>
-              <a:rPr lang="en-US" dirty="0" smtClean="0"/>
-              <a:t>approach</a:t>
-            </a:r>
-            <a:endParaRPr lang="en-US" dirty="0" smtClean="0"/>
+              <a:t>Top competitors are likely using an ensemble of models that incorporates this approach</a:t>
+            </a:r>
           </a:p>
         </p:txBody>
       </p:sp>
@@ -10763,11 +8996,7 @@
           <a:p>
             <a:r>
               <a:rPr lang="en-US" dirty="0" smtClean="0"/>
-              <a:t>Problem </a:t>
-            </a:r>
-            <a:r>
-              <a:rPr lang="en-US" dirty="0" smtClean="0"/>
-              <a:t>context</a:t>
+              <a:t>Problem context</a:t>
             </a:r>
             <a:endParaRPr lang="en-US" dirty="0"/>
           </a:p>
@@ -12721,11 +10950,7 @@
           <a:p>
             <a:r>
               <a:rPr lang="en-US" dirty="0" smtClean="0"/>
-              <a:t>Another </a:t>
-            </a:r>
-            <a:r>
-              <a:rPr lang="en-US" dirty="0" smtClean="0"/>
-              <a:t>example</a:t>
+              <a:t>Another example</a:t>
             </a:r>
             <a:endParaRPr lang="en-US" dirty="0"/>
           </a:p>
@@ -14574,11 +12799,7 @@
           <a:p>
             <a:r>
               <a:rPr lang="en-US" dirty="0" smtClean="0"/>
-              <a:t>Options </a:t>
-            </a:r>
-            <a:r>
-              <a:rPr lang="en-US" dirty="0" smtClean="0"/>
-              <a:t>are not identified as to their meaning</a:t>
+              <a:t>Options are not identified as to their meaning</a:t>
             </a:r>
             <a:endParaRPr lang="en-US" dirty="0"/>
           </a:p>
@@ -14680,15 +12901,7 @@
           <a:p>
             <a:r>
               <a:rPr lang="en-US" dirty="0" smtClean="0"/>
-              <a:t>Bad news: Everyone figured out this strategy (</a:t>
-            </a:r>
-            <a:r>
-              <a:rPr lang="en-US" dirty="0" smtClean="0"/>
-              <a:t>46% </a:t>
-            </a:r>
-            <a:r>
-              <a:rPr lang="en-US" dirty="0" smtClean="0"/>
-              <a:t>of competitors have that identical score)</a:t>
+              <a:t>Bad news: Everyone figured out this strategy (46% of competitors have that identical score)</a:t>
             </a:r>
             <a:endParaRPr lang="en-US" dirty="0"/>
           </a:p>

--- a/allstate-presentation.pptx
+++ b/allstate-presentation.pptx
@@ -3445,7 +3445,177 @@
   <p:timing>
     <p:tnLst>
       <p:par>
-        <p:cTn id="1" dur="indefinite" restart="never" nodeType="tmRoot"/>
+        <p:cTn id="1" dur="indefinite" restart="never" nodeType="tmRoot">
+          <p:childTnLst>
+            <p:seq concurrent="1" nextAc="seek">
+              <p:cTn id="2" dur="indefinite" nodeType="mainSeq">
+                <p:childTnLst>
+                  <p:par>
+                    <p:cTn id="3" fill="hold">
+                      <p:stCondLst>
+                        <p:cond delay="indefinite"/>
+                      </p:stCondLst>
+                      <p:childTnLst>
+                        <p:par>
+                          <p:cTn id="4" fill="hold">
+                            <p:stCondLst>
+                              <p:cond delay="0"/>
+                            </p:stCondLst>
+                            <p:childTnLst>
+                              <p:par>
+                                <p:cTn id="5" presetID="10" presetClass="entr" presetSubtype="0" fill="hold" nodeType="clickEffect">
+                                  <p:stCondLst>
+                                    <p:cond delay="0"/>
+                                  </p:stCondLst>
+                                  <p:childTnLst>
+                                    <p:set>
+                                      <p:cBhvr>
+                                        <p:cTn id="6" dur="1" fill="hold">
+                                          <p:stCondLst>
+                                            <p:cond delay="0"/>
+                                          </p:stCondLst>
+                                        </p:cTn>
+                                        <p:tgtEl>
+                                          <p:spTgt spid="3">
+                                            <p:txEl>
+                                              <p:pRg st="1" end="1"/>
+                                            </p:txEl>
+                                          </p:spTgt>
+                                        </p:tgtEl>
+                                        <p:attrNameLst>
+                                          <p:attrName>style.visibility</p:attrName>
+                                        </p:attrNameLst>
+                                      </p:cBhvr>
+                                      <p:to>
+                                        <p:strVal val="visible"/>
+                                      </p:to>
+                                    </p:set>
+                                    <p:animEffect transition="in" filter="fade">
+                                      <p:cBhvr>
+                                        <p:cTn id="7" dur="500"/>
+                                        <p:tgtEl>
+                                          <p:spTgt spid="3">
+                                            <p:txEl>
+                                              <p:pRg st="1" end="1"/>
+                                            </p:txEl>
+                                          </p:spTgt>
+                                        </p:tgtEl>
+                                      </p:cBhvr>
+                                    </p:animEffect>
+                                  </p:childTnLst>
+                                </p:cTn>
+                              </p:par>
+                              <p:par>
+                                <p:cTn id="8" presetID="10" presetClass="entr" presetSubtype="0" fill="hold" nodeType="withEffect">
+                                  <p:stCondLst>
+                                    <p:cond delay="0"/>
+                                  </p:stCondLst>
+                                  <p:childTnLst>
+                                    <p:set>
+                                      <p:cBhvr>
+                                        <p:cTn id="9" dur="1" fill="hold">
+                                          <p:stCondLst>
+                                            <p:cond delay="0"/>
+                                          </p:stCondLst>
+                                        </p:cTn>
+                                        <p:tgtEl>
+                                          <p:spTgt spid="3">
+                                            <p:txEl>
+                                              <p:pRg st="2" end="2"/>
+                                            </p:txEl>
+                                          </p:spTgt>
+                                        </p:tgtEl>
+                                        <p:attrNameLst>
+                                          <p:attrName>style.visibility</p:attrName>
+                                        </p:attrNameLst>
+                                      </p:cBhvr>
+                                      <p:to>
+                                        <p:strVal val="visible"/>
+                                      </p:to>
+                                    </p:set>
+                                    <p:animEffect transition="in" filter="fade">
+                                      <p:cBhvr>
+                                        <p:cTn id="10" dur="500"/>
+                                        <p:tgtEl>
+                                          <p:spTgt spid="3">
+                                            <p:txEl>
+                                              <p:pRg st="2" end="2"/>
+                                            </p:txEl>
+                                          </p:spTgt>
+                                        </p:tgtEl>
+                                      </p:cBhvr>
+                                    </p:animEffect>
+                                  </p:childTnLst>
+                                </p:cTn>
+                              </p:par>
+                              <p:par>
+                                <p:cTn id="11" presetID="10" presetClass="entr" presetSubtype="0" fill="hold" nodeType="withEffect">
+                                  <p:stCondLst>
+                                    <p:cond delay="0"/>
+                                  </p:stCondLst>
+                                  <p:childTnLst>
+                                    <p:set>
+                                      <p:cBhvr>
+                                        <p:cTn id="12" dur="1" fill="hold">
+                                          <p:stCondLst>
+                                            <p:cond delay="0"/>
+                                          </p:stCondLst>
+                                        </p:cTn>
+                                        <p:tgtEl>
+                                          <p:spTgt spid="3">
+                                            <p:txEl>
+                                              <p:pRg st="3" end="3"/>
+                                            </p:txEl>
+                                          </p:spTgt>
+                                        </p:tgtEl>
+                                        <p:attrNameLst>
+                                          <p:attrName>style.visibility</p:attrName>
+                                        </p:attrNameLst>
+                                      </p:cBhvr>
+                                      <p:to>
+                                        <p:strVal val="visible"/>
+                                      </p:to>
+                                    </p:set>
+                                    <p:animEffect transition="in" filter="fade">
+                                      <p:cBhvr>
+                                        <p:cTn id="13" dur="500"/>
+                                        <p:tgtEl>
+                                          <p:spTgt spid="3">
+                                            <p:txEl>
+                                              <p:pRg st="3" end="3"/>
+                                            </p:txEl>
+                                          </p:spTgt>
+                                        </p:tgtEl>
+                                      </p:cBhvr>
+                                    </p:animEffect>
+                                  </p:childTnLst>
+                                </p:cTn>
+                              </p:par>
+                            </p:childTnLst>
+                          </p:cTn>
+                        </p:par>
+                      </p:childTnLst>
+                    </p:cTn>
+                  </p:par>
+                </p:childTnLst>
+              </p:cTn>
+              <p:prevCondLst>
+                <p:cond evt="onPrev" delay="0">
+                  <p:tgtEl>
+                    <p:sldTgt/>
+                  </p:tgtEl>
+                </p:cond>
+              </p:prevCondLst>
+              <p:nextCondLst>
+                <p:cond evt="onNext" delay="0">
+                  <p:tgtEl>
+                    <p:sldTgt/>
+                  </p:tgtEl>
+                </p:cond>
+              </p:nextCondLst>
+            </p:seq>
+          </p:childTnLst>
+        </p:cTn>
       </p:par>
     </p:tnLst>
   </p:timing>
@@ -4120,7 +4290,91 @@
   <p:timing>
     <p:tnLst>
       <p:par>
-        <p:cTn id="1" dur="indefinite" restart="never" nodeType="tmRoot"/>
+        <p:cTn id="1" dur="indefinite" restart="never" nodeType="tmRoot">
+          <p:childTnLst>
+            <p:seq concurrent="1" nextAc="seek">
+              <p:cTn id="2" dur="indefinite" nodeType="mainSeq">
+                <p:childTnLst>
+                  <p:par>
+                    <p:cTn id="3" fill="hold">
+                      <p:stCondLst>
+                        <p:cond delay="indefinite"/>
+                      </p:stCondLst>
+                      <p:childTnLst>
+                        <p:par>
+                          <p:cTn id="4" fill="hold">
+                            <p:stCondLst>
+                              <p:cond delay="0"/>
+                            </p:stCondLst>
+                            <p:childTnLst>
+                              <p:par>
+                                <p:cTn id="5" presetID="10" presetClass="entr" presetSubtype="0" fill="hold" nodeType="clickEffect">
+                                  <p:stCondLst>
+                                    <p:cond delay="0"/>
+                                  </p:stCondLst>
+                                  <p:childTnLst>
+                                    <p:set>
+                                      <p:cBhvr>
+                                        <p:cTn id="6" dur="1" fill="hold">
+                                          <p:stCondLst>
+                                            <p:cond delay="0"/>
+                                          </p:stCondLst>
+                                        </p:cTn>
+                                        <p:tgtEl>
+                                          <p:spTgt spid="3">
+                                            <p:txEl>
+                                              <p:pRg st="3" end="3"/>
+                                            </p:txEl>
+                                          </p:spTgt>
+                                        </p:tgtEl>
+                                        <p:attrNameLst>
+                                          <p:attrName>style.visibility</p:attrName>
+                                        </p:attrNameLst>
+                                      </p:cBhvr>
+                                      <p:to>
+                                        <p:strVal val="visible"/>
+                                      </p:to>
+                                    </p:set>
+                                    <p:animEffect transition="in" filter="fade">
+                                      <p:cBhvr>
+                                        <p:cTn id="7" dur="500"/>
+                                        <p:tgtEl>
+                                          <p:spTgt spid="3">
+                                            <p:txEl>
+                                              <p:pRg st="3" end="3"/>
+                                            </p:txEl>
+                                          </p:spTgt>
+                                        </p:tgtEl>
+                                      </p:cBhvr>
+                                    </p:animEffect>
+                                  </p:childTnLst>
+                                </p:cTn>
+                              </p:par>
+                            </p:childTnLst>
+                          </p:cTn>
+                        </p:par>
+                      </p:childTnLst>
+                    </p:cTn>
+                  </p:par>
+                </p:childTnLst>
+              </p:cTn>
+              <p:prevCondLst>
+                <p:cond evt="onPrev" delay="0">
+                  <p:tgtEl>
+                    <p:sldTgt/>
+                  </p:tgtEl>
+                </p:cond>
+              </p:prevCondLst>
+              <p:nextCondLst>
+                <p:cond evt="onNext" delay="0">
+                  <p:tgtEl>
+                    <p:sldTgt/>
+                  </p:tgtEl>
+                </p:cond>
+              </p:nextCondLst>
+            </p:seq>
+          </p:childTnLst>
+        </p:cTn>
       </p:par>
     </p:tnLst>
   </p:timing>
@@ -4247,7 +4501,177 @@
   <p:timing>
     <p:tnLst>
       <p:par>
-        <p:cTn id="1" dur="indefinite" restart="never" nodeType="tmRoot"/>
+        <p:cTn id="1" dur="indefinite" restart="never" nodeType="tmRoot">
+          <p:childTnLst>
+            <p:seq concurrent="1" nextAc="seek">
+              <p:cTn id="2" dur="indefinite" nodeType="mainSeq">
+                <p:childTnLst>
+                  <p:par>
+                    <p:cTn id="3" fill="hold">
+                      <p:stCondLst>
+                        <p:cond delay="indefinite"/>
+                      </p:stCondLst>
+                      <p:childTnLst>
+                        <p:par>
+                          <p:cTn id="4" fill="hold">
+                            <p:stCondLst>
+                              <p:cond delay="0"/>
+                            </p:stCondLst>
+                            <p:childTnLst>
+                              <p:par>
+                                <p:cTn id="5" presetID="10" presetClass="entr" presetSubtype="0" fill="hold" nodeType="clickEffect">
+                                  <p:stCondLst>
+                                    <p:cond delay="0"/>
+                                  </p:stCondLst>
+                                  <p:childTnLst>
+                                    <p:set>
+                                      <p:cBhvr>
+                                        <p:cTn id="6" dur="1" fill="hold">
+                                          <p:stCondLst>
+                                            <p:cond delay="0"/>
+                                          </p:stCondLst>
+                                        </p:cTn>
+                                        <p:tgtEl>
+                                          <p:spTgt spid="3">
+                                            <p:txEl>
+                                              <p:pRg st="2" end="2"/>
+                                            </p:txEl>
+                                          </p:spTgt>
+                                        </p:tgtEl>
+                                        <p:attrNameLst>
+                                          <p:attrName>style.visibility</p:attrName>
+                                        </p:attrNameLst>
+                                      </p:cBhvr>
+                                      <p:to>
+                                        <p:strVal val="visible"/>
+                                      </p:to>
+                                    </p:set>
+                                    <p:animEffect transition="in" filter="fade">
+                                      <p:cBhvr>
+                                        <p:cTn id="7" dur="500"/>
+                                        <p:tgtEl>
+                                          <p:spTgt spid="3">
+                                            <p:txEl>
+                                              <p:pRg st="2" end="2"/>
+                                            </p:txEl>
+                                          </p:spTgt>
+                                        </p:tgtEl>
+                                      </p:cBhvr>
+                                    </p:animEffect>
+                                  </p:childTnLst>
+                                </p:cTn>
+                              </p:par>
+                              <p:par>
+                                <p:cTn id="8" presetID="10" presetClass="entr" presetSubtype="0" fill="hold" nodeType="withEffect">
+                                  <p:stCondLst>
+                                    <p:cond delay="0"/>
+                                  </p:stCondLst>
+                                  <p:childTnLst>
+                                    <p:set>
+                                      <p:cBhvr>
+                                        <p:cTn id="9" dur="1" fill="hold">
+                                          <p:stCondLst>
+                                            <p:cond delay="0"/>
+                                          </p:stCondLst>
+                                        </p:cTn>
+                                        <p:tgtEl>
+                                          <p:spTgt spid="3">
+                                            <p:txEl>
+                                              <p:pRg st="3" end="3"/>
+                                            </p:txEl>
+                                          </p:spTgt>
+                                        </p:tgtEl>
+                                        <p:attrNameLst>
+                                          <p:attrName>style.visibility</p:attrName>
+                                        </p:attrNameLst>
+                                      </p:cBhvr>
+                                      <p:to>
+                                        <p:strVal val="visible"/>
+                                      </p:to>
+                                    </p:set>
+                                    <p:animEffect transition="in" filter="fade">
+                                      <p:cBhvr>
+                                        <p:cTn id="10" dur="500"/>
+                                        <p:tgtEl>
+                                          <p:spTgt spid="3">
+                                            <p:txEl>
+                                              <p:pRg st="3" end="3"/>
+                                            </p:txEl>
+                                          </p:spTgt>
+                                        </p:tgtEl>
+                                      </p:cBhvr>
+                                    </p:animEffect>
+                                  </p:childTnLst>
+                                </p:cTn>
+                              </p:par>
+                              <p:par>
+                                <p:cTn id="11" presetID="10" presetClass="entr" presetSubtype="0" fill="hold" nodeType="withEffect">
+                                  <p:stCondLst>
+                                    <p:cond delay="0"/>
+                                  </p:stCondLst>
+                                  <p:childTnLst>
+                                    <p:set>
+                                      <p:cBhvr>
+                                        <p:cTn id="12" dur="1" fill="hold">
+                                          <p:stCondLst>
+                                            <p:cond delay="0"/>
+                                          </p:stCondLst>
+                                        </p:cTn>
+                                        <p:tgtEl>
+                                          <p:spTgt spid="3">
+                                            <p:txEl>
+                                              <p:pRg st="4" end="4"/>
+                                            </p:txEl>
+                                          </p:spTgt>
+                                        </p:tgtEl>
+                                        <p:attrNameLst>
+                                          <p:attrName>style.visibility</p:attrName>
+                                        </p:attrNameLst>
+                                      </p:cBhvr>
+                                      <p:to>
+                                        <p:strVal val="visible"/>
+                                      </p:to>
+                                    </p:set>
+                                    <p:animEffect transition="in" filter="fade">
+                                      <p:cBhvr>
+                                        <p:cTn id="13" dur="500"/>
+                                        <p:tgtEl>
+                                          <p:spTgt spid="3">
+                                            <p:txEl>
+                                              <p:pRg st="4" end="4"/>
+                                            </p:txEl>
+                                          </p:spTgt>
+                                        </p:tgtEl>
+                                      </p:cBhvr>
+                                    </p:animEffect>
+                                  </p:childTnLst>
+                                </p:cTn>
+                              </p:par>
+                            </p:childTnLst>
+                          </p:cTn>
+                        </p:par>
+                      </p:childTnLst>
+                    </p:cTn>
+                  </p:par>
+                </p:childTnLst>
+              </p:cTn>
+              <p:prevCondLst>
+                <p:cond evt="onPrev" delay="0">
+                  <p:tgtEl>
+                    <p:sldTgt/>
+                  </p:tgtEl>
+                </p:cond>
+              </p:prevCondLst>
+              <p:nextCondLst>
+                <p:cond evt="onNext" delay="0">
+                  <p:tgtEl>
+                    <p:sldTgt/>
+                  </p:tgtEl>
+                </p:cond>
+              </p:nextCondLst>
+            </p:seq>
+          </p:childTnLst>
+        </p:cTn>
       </p:par>
     </p:tnLst>
   </p:timing>
@@ -4571,7 +4995,83 @@
   <p:timing>
     <p:tnLst>
       <p:par>
-        <p:cTn id="1" dur="indefinite" restart="never" nodeType="tmRoot"/>
+        <p:cTn id="1" dur="indefinite" restart="never" nodeType="tmRoot">
+          <p:childTnLst>
+            <p:seq concurrent="1" nextAc="seek">
+              <p:cTn id="2" dur="indefinite" nodeType="mainSeq">
+                <p:childTnLst>
+                  <p:par>
+                    <p:cTn id="3" fill="hold">
+                      <p:stCondLst>
+                        <p:cond delay="indefinite"/>
+                      </p:stCondLst>
+                      <p:childTnLst>
+                        <p:par>
+                          <p:cTn id="4" fill="hold">
+                            <p:stCondLst>
+                              <p:cond delay="0"/>
+                            </p:stCondLst>
+                            <p:childTnLst>
+                              <p:par>
+                                <p:cTn id="5" presetID="10" presetClass="entr" presetSubtype="0" fill="hold" nodeType="clickEffect">
+                                  <p:stCondLst>
+                                    <p:cond delay="0"/>
+                                  </p:stCondLst>
+                                  <p:childTnLst>
+                                    <p:set>
+                                      <p:cBhvr>
+                                        <p:cTn id="6" dur="1" fill="hold">
+                                          <p:stCondLst>
+                                            <p:cond delay="0"/>
+                                          </p:stCondLst>
+                                        </p:cTn>
+                                        <p:tgtEl>
+                                          <p:spTgt spid="7171"/>
+                                        </p:tgtEl>
+                                        <p:attrNameLst>
+                                          <p:attrName>style.visibility</p:attrName>
+                                        </p:attrNameLst>
+                                      </p:cBhvr>
+                                      <p:to>
+                                        <p:strVal val="visible"/>
+                                      </p:to>
+                                    </p:set>
+                                    <p:animEffect transition="in" filter="fade">
+                                      <p:cBhvr>
+                                        <p:cTn id="7" dur="500"/>
+                                        <p:tgtEl>
+                                          <p:spTgt spid="7171"/>
+                                        </p:tgtEl>
+                                      </p:cBhvr>
+                                    </p:animEffect>
+                                  </p:childTnLst>
+                                </p:cTn>
+                              </p:par>
+                            </p:childTnLst>
+                          </p:cTn>
+                        </p:par>
+                      </p:childTnLst>
+                    </p:cTn>
+                  </p:par>
+                </p:childTnLst>
+              </p:cTn>
+              <p:prevCondLst>
+                <p:cond evt="onPrev" delay="0">
+                  <p:tgtEl>
+                    <p:sldTgt/>
+                  </p:tgtEl>
+                </p:cond>
+              </p:prevCondLst>
+              <p:nextCondLst>
+                <p:cond evt="onNext" delay="0">
+                  <p:tgtEl>
+                    <p:sldTgt/>
+                  </p:tgtEl>
+                </p:cond>
+              </p:nextCondLst>
+            </p:seq>
+          </p:childTnLst>
+        </p:cTn>
       </p:par>
     </p:tnLst>
   </p:timing>
@@ -5318,7 +5818,83 @@
   <p:timing>
     <p:tnLst>
       <p:par>
-        <p:cTn id="1" dur="indefinite" restart="never" nodeType="tmRoot"/>
+        <p:cTn id="1" dur="indefinite" restart="never" nodeType="tmRoot">
+          <p:childTnLst>
+            <p:seq concurrent="1" nextAc="seek">
+              <p:cTn id="2" dur="indefinite" nodeType="mainSeq">
+                <p:childTnLst>
+                  <p:par>
+                    <p:cTn id="3" fill="hold">
+                      <p:stCondLst>
+                        <p:cond delay="indefinite"/>
+                      </p:stCondLst>
+                      <p:childTnLst>
+                        <p:par>
+                          <p:cTn id="4" fill="hold">
+                            <p:stCondLst>
+                              <p:cond delay="0"/>
+                            </p:stCondLst>
+                            <p:childTnLst>
+                              <p:par>
+                                <p:cTn id="5" presetID="10" presetClass="entr" presetSubtype="0" fill="hold" nodeType="clickEffect">
+                                  <p:stCondLst>
+                                    <p:cond delay="0"/>
+                                  </p:stCondLst>
+                                  <p:childTnLst>
+                                    <p:set>
+                                      <p:cBhvr>
+                                        <p:cTn id="6" dur="1" fill="hold">
+                                          <p:stCondLst>
+                                            <p:cond delay="0"/>
+                                          </p:stCondLst>
+                                        </p:cTn>
+                                        <p:tgtEl>
+                                          <p:spTgt spid="9219"/>
+                                        </p:tgtEl>
+                                        <p:attrNameLst>
+                                          <p:attrName>style.visibility</p:attrName>
+                                        </p:attrNameLst>
+                                      </p:cBhvr>
+                                      <p:to>
+                                        <p:strVal val="visible"/>
+                                      </p:to>
+                                    </p:set>
+                                    <p:animEffect transition="in" filter="fade">
+                                      <p:cBhvr>
+                                        <p:cTn id="7" dur="500"/>
+                                        <p:tgtEl>
+                                          <p:spTgt spid="9219"/>
+                                        </p:tgtEl>
+                                      </p:cBhvr>
+                                    </p:animEffect>
+                                  </p:childTnLst>
+                                </p:cTn>
+                              </p:par>
+                            </p:childTnLst>
+                          </p:cTn>
+                        </p:par>
+                      </p:childTnLst>
+                    </p:cTn>
+                  </p:par>
+                </p:childTnLst>
+              </p:cTn>
+              <p:prevCondLst>
+                <p:cond evt="onPrev" delay="0">
+                  <p:tgtEl>
+                    <p:sldTgt/>
+                  </p:tgtEl>
+                </p:cond>
+              </p:prevCondLst>
+              <p:nextCondLst>
+                <p:cond evt="onNext" delay="0">
+                  <p:tgtEl>
+                    <p:sldTgt/>
+                  </p:tgtEl>
+                </p:cond>
+              </p:nextCondLst>
+            </p:seq>
+          </p:childTnLst>
+        </p:cTn>
       </p:par>
     </p:tnLst>
   </p:timing>
@@ -5797,7 +6373,11 @@
           <a:p>
             <a:r>
               <a:rPr lang="en-US" dirty="0" smtClean="0"/>
-              <a:t>Backup plan: Human learning!</a:t>
+              <a:t>Backup plan: </a:t>
+            </a:r>
+            <a:r>
+              <a:rPr lang="en-US" dirty="0" smtClean="0"/>
+              <a:t>Manual adjustments</a:t>
             </a:r>
             <a:endParaRPr lang="en-US" dirty="0"/>
           </a:p>
@@ -5813,16 +6393,25 @@
             <p:ph idx="1"/>
           </p:nvPr>
         </p:nvSpPr>
-        <p:spPr/>
+        <p:spPr>
+          <a:xfrm>
+            <a:off x="457200" y="1447800"/>
+            <a:ext cx="8229600" cy="4678363"/>
+          </a:xfrm>
+        </p:spPr>
         <p:txBody>
           <a:bodyPr>
-            <a:normAutofit/>
+            <a:normAutofit fontScale="92500" lnSpcReduction="10000"/>
           </a:bodyPr>
           <a:lstStyle/>
           <a:p>
             <a:r>
+              <a:rPr lang="en-US" dirty="0" smtClean="0"/>
+              <a:t>Located </a:t>
+            </a:r>
+            <a:r>
               <a:rPr lang="en-US" dirty="0"/>
-              <a:t>Chose 9 customers in test set that had a very high probability of change</a:t>
+              <a:t>9 customers in test set that had a very high probability of change</a:t>
             </a:r>
           </a:p>
           <a:p>
@@ -5831,31 +6420,46 @@
               <a:t>Revise option combinations </a:t>
             </a:r>
             <a:r>
-              <a:rPr lang="en-US" b="1" dirty="0" smtClean="0"/>
-              <a:t>by hand</a:t>
-            </a:r>
-            <a:r>
-              <a:rPr lang="en-US" dirty="0" smtClean="0"/>
-              <a:t> using my list of “rules” about unlikely combinations</a:t>
+              <a:rPr lang="en-US" dirty="0" smtClean="0"/>
+              <a:t>using </a:t>
+            </a:r>
+            <a:r>
+              <a:rPr lang="en-US" dirty="0" smtClean="0"/>
+              <a:t>my list of “rules” about unlikely combinations</a:t>
             </a:r>
           </a:p>
           <a:p>
             <a:pPr lvl="1"/>
             <a:r>
               <a:rPr lang="en-US" dirty="0" smtClean="0"/>
-              <a:t>Example: If C=3 or C=4, choose D=3</a:t>
-            </a:r>
-          </a:p>
-          <a:p>
-            <a:r>
-              <a:rPr lang="en-US" dirty="0" smtClean="0"/>
-              <a:t>Completely non-scalable, but perhaps generates more nuanced predictions?</a:t>
-            </a:r>
-          </a:p>
-          <a:p>
-            <a:r>
-              <a:rPr lang="en-US" dirty="0" smtClean="0"/>
-              <a:t>Result: No improvement over the baseline</a:t>
+              <a:t>Example: If C=3 or C=4, choose </a:t>
+            </a:r>
+            <a:r>
+              <a:rPr lang="en-US" dirty="0" smtClean="0"/>
+              <a:t>D=3</a:t>
+            </a:r>
+          </a:p>
+          <a:p>
+            <a:r>
+              <a:rPr lang="en-US" dirty="0" smtClean="0"/>
+              <a:t>Tweaked combinations by comparing against random forest model</a:t>
+            </a:r>
+            <a:endParaRPr lang="en-US" dirty="0" smtClean="0"/>
+          </a:p>
+          <a:p>
+            <a:r>
+              <a:rPr lang="en-US" dirty="0" smtClean="0"/>
+              <a:t>Time intensive, but could convert into a pure machine learning model if it worked</a:t>
+            </a:r>
+          </a:p>
+          <a:p>
+            <a:r>
+              <a:rPr lang="en-US" dirty="0" smtClean="0"/>
+              <a:t>Result</a:t>
+            </a:r>
+            <a:r>
+              <a:rPr lang="en-US" dirty="0" smtClean="0"/>
+              <a:t>: No improvement over the baseline</a:t>
             </a:r>
             <a:endParaRPr lang="en-US" dirty="0"/>
           </a:p>
@@ -5874,7 +6478,91 @@
   <p:timing>
     <p:tnLst>
       <p:par>
-        <p:cTn id="1" dur="indefinite" restart="never" nodeType="tmRoot"/>
+        <p:cTn id="1" dur="indefinite" restart="never" nodeType="tmRoot">
+          <p:childTnLst>
+            <p:seq concurrent="1" nextAc="seek">
+              <p:cTn id="2" dur="indefinite" nodeType="mainSeq">
+                <p:childTnLst>
+                  <p:par>
+                    <p:cTn id="3" fill="hold">
+                      <p:stCondLst>
+                        <p:cond delay="indefinite"/>
+                      </p:stCondLst>
+                      <p:childTnLst>
+                        <p:par>
+                          <p:cTn id="4" fill="hold">
+                            <p:stCondLst>
+                              <p:cond delay="0"/>
+                            </p:stCondLst>
+                            <p:childTnLst>
+                              <p:par>
+                                <p:cTn id="5" presetID="10" presetClass="entr" presetSubtype="0" fill="hold" nodeType="clickEffect">
+                                  <p:stCondLst>
+                                    <p:cond delay="0"/>
+                                  </p:stCondLst>
+                                  <p:childTnLst>
+                                    <p:set>
+                                      <p:cBhvr>
+                                        <p:cTn id="6" dur="1" fill="hold">
+                                          <p:stCondLst>
+                                            <p:cond delay="0"/>
+                                          </p:stCondLst>
+                                        </p:cTn>
+                                        <p:tgtEl>
+                                          <p:spTgt spid="3">
+                                            <p:txEl>
+                                              <p:pRg st="5" end="5"/>
+                                            </p:txEl>
+                                          </p:spTgt>
+                                        </p:tgtEl>
+                                        <p:attrNameLst>
+                                          <p:attrName>style.visibility</p:attrName>
+                                        </p:attrNameLst>
+                                      </p:cBhvr>
+                                      <p:to>
+                                        <p:strVal val="visible"/>
+                                      </p:to>
+                                    </p:set>
+                                    <p:animEffect transition="in" filter="fade">
+                                      <p:cBhvr>
+                                        <p:cTn id="7" dur="500"/>
+                                        <p:tgtEl>
+                                          <p:spTgt spid="3">
+                                            <p:txEl>
+                                              <p:pRg st="5" end="5"/>
+                                            </p:txEl>
+                                          </p:spTgt>
+                                        </p:tgtEl>
+                                      </p:cBhvr>
+                                    </p:animEffect>
+                                  </p:childTnLst>
+                                </p:cTn>
+                              </p:par>
+                            </p:childTnLst>
+                          </p:cTn>
+                        </p:par>
+                      </p:childTnLst>
+                    </p:cTn>
+                  </p:par>
+                </p:childTnLst>
+              </p:cTn>
+              <p:prevCondLst>
+                <p:cond evt="onPrev" delay="0">
+                  <p:tgtEl>
+                    <p:sldTgt/>
+                  </p:tgtEl>
+                </p:cond>
+              </p:prevCondLst>
+              <p:nextCondLst>
+                <p:cond evt="onNext" delay="0">
+                  <p:tgtEl>
+                    <p:sldTgt/>
+                  </p:tgtEl>
+                </p:cond>
+              </p:nextCondLst>
+            </p:seq>
+          </p:childTnLst>
+        </p:cTn>
       </p:par>
     </p:tnLst>
   </p:timing>
@@ -5962,7 +6650,7 @@
             <a:pPr lvl="1"/>
             <a:r>
               <a:rPr lang="en-US" dirty="0" smtClean="0"/>
-              <a:t>If those plans were predicted by the baseline approach, replace them with “more likely” alternatives</a:t>
+              <a:t>If those plans were predicted by the naïve approach, replace them with “more likely” alternatives</a:t>
             </a:r>
           </a:p>
           <a:p>
@@ -6467,7 +7155,7 @@
           <a:p>
             <a:r>
               <a:rPr lang="en-US" dirty="0" smtClean="0"/>
-              <a:t>What does this approach look like?</a:t>
+              <a:t>Details of my best submission</a:t>
             </a:r>
             <a:endParaRPr lang="en-US" dirty="0"/>
           </a:p>
@@ -6490,20 +7178,20 @@
           </a:xfrm>
         </p:spPr>
         <p:txBody>
-          <a:bodyPr/>
+          <a:bodyPr>
+            <a:normAutofit/>
+          </a:bodyPr>
           <a:lstStyle/>
           <a:p>
             <a:r>
               <a:rPr lang="en-US" dirty="0" smtClean="0"/>
-              <a:t>If the plan on the left is predicted by the naïve approach, change it to the plan on </a:t>
-            </a:r>
-            <a:r>
-              <a:rPr lang="en-US" dirty="0" smtClean="0"/>
-              <a:t>the right</a:t>
-            </a:r>
-            <a:r>
-              <a:rPr lang="en-US" dirty="0" smtClean="0"/>
-              <a:t>:</a:t>
+              <a:t>Use naïve approach for baseline predictions</a:t>
+            </a:r>
+          </a:p>
+          <a:p>
+            <a:r>
+              <a:rPr lang="en-US" dirty="0" smtClean="0"/>
+              <a:t>If the plan on the left is predicted, change it to the plan on the right:</a:t>
             </a:r>
           </a:p>
           <a:p>
@@ -6536,13 +7224,13 @@
           <p:nvPr>
             <p:extLst>
               <p:ext uri="{D42A27DB-BD31-4B8C-83A1-F6EECF244321}">
-                <p14:modId xmlns:p14="http://schemas.microsoft.com/office/powerpoint/2010/main" val="4156534850"/>
+                <p14:modId xmlns:p14="http://schemas.microsoft.com/office/powerpoint/2010/main" val="3342439440"/>
               </p:ext>
             </p:extLst>
           </p:nvPr>
         </p:nvGraphicFramePr>
         <p:xfrm>
-          <a:off x="1676400" y="2743200"/>
+          <a:off x="1676400" y="3276600"/>
           <a:ext cx="2133600" cy="2000250"/>
         </p:xfrm>
         <a:graphic>
@@ -7551,13 +8239,13 @@
           <p:nvPr>
             <p:extLst>
               <p:ext uri="{D42A27DB-BD31-4B8C-83A1-F6EECF244321}">
-                <p14:modId xmlns:p14="http://schemas.microsoft.com/office/powerpoint/2010/main" val="2227304407"/>
+                <p14:modId xmlns:p14="http://schemas.microsoft.com/office/powerpoint/2010/main" val="1300152754"/>
               </p:ext>
             </p:extLst>
           </p:nvPr>
         </p:nvGraphicFramePr>
         <p:xfrm>
-          <a:off x="4267200" y="2743200"/>
+          <a:off x="4343400" y="3276600"/>
           <a:ext cx="2133600" cy="2000250"/>
         </p:xfrm>
         <a:graphic>
@@ -7583,35 +8271,35 @@
                     <a:p>
                       <a:pPr algn="l" fontAlgn="b"/>
                       <a:r>
-                        <a:rPr lang="en-US" sz="2000" u="none" strike="noStrike">
+                        <a:rPr lang="en-US" sz="2000" u="none" strike="noStrike" dirty="0">
                           <a:effectLst/>
                         </a:rPr>
                         <a:t>A</a:t>
                       </a:r>
-                      <a:endParaRPr lang="en-US" sz="2000" b="0" i="0" u="none" strike="noStrike">
-                        <a:solidFill>
-                          <a:srgbClr val="000000"/>
-                        </a:solidFill>
-                        <a:effectLst/>
-                        <a:latin typeface="Calibri"/>
-                      </a:endParaRPr>
-                    </a:p>
-                  </a:txBody>
-                  <a:tcPr marL="9525" marR="9525" marT="9525" marB="0" anchor="b"/>
-                </a:tc>
-                <a:tc>
-                  <a:txBody>
-                    <a:bodyPr/>
-                    <a:lstStyle/>
-                    <a:p>
-                      <a:pPr algn="l" fontAlgn="b"/>
-                      <a:r>
-                        <a:rPr lang="en-US" sz="2000" u="none" strike="noStrike">
+                      <a:endParaRPr lang="en-US" sz="2000" b="0" i="0" u="none" strike="noStrike" dirty="0">
+                        <a:solidFill>
+                          <a:srgbClr val="000000"/>
+                        </a:solidFill>
+                        <a:effectLst/>
+                        <a:latin typeface="Calibri"/>
+                      </a:endParaRPr>
+                    </a:p>
+                  </a:txBody>
+                  <a:tcPr marL="9525" marR="9525" marT="9525" marB="0" anchor="b"/>
+                </a:tc>
+                <a:tc>
+                  <a:txBody>
+                    <a:bodyPr/>
+                    <a:lstStyle/>
+                    <a:p>
+                      <a:pPr algn="l" fontAlgn="b"/>
+                      <a:r>
+                        <a:rPr lang="en-US" sz="2000" u="none" strike="noStrike" dirty="0">
                           <a:effectLst/>
                         </a:rPr>
                         <a:t>B</a:t>
                       </a:r>
-                      <a:endParaRPr lang="en-US" sz="2000" b="0" i="0" u="none" strike="noStrike">
+                      <a:endParaRPr lang="en-US" sz="2000" b="0" i="0" u="none" strike="noStrike" dirty="0">
                         <a:solidFill>
                           <a:srgbClr val="000000"/>
                         </a:solidFill>
@@ -10909,7 +11597,83 @@
   <p:timing>
     <p:tnLst>
       <p:par>
-        <p:cTn id="1" dur="indefinite" restart="never" nodeType="tmRoot"/>
+        <p:cTn id="1" dur="indefinite" restart="never" nodeType="tmRoot">
+          <p:childTnLst>
+            <p:seq concurrent="1" nextAc="seek">
+              <p:cTn id="2" dur="indefinite" nodeType="mainSeq">
+                <p:childTnLst>
+                  <p:par>
+                    <p:cTn id="3" fill="hold">
+                      <p:stCondLst>
+                        <p:cond delay="indefinite"/>
+                      </p:stCondLst>
+                      <p:childTnLst>
+                        <p:par>
+                          <p:cTn id="4" fill="hold">
+                            <p:stCondLst>
+                              <p:cond delay="0"/>
+                            </p:stCondLst>
+                            <p:childTnLst>
+                              <p:par>
+                                <p:cTn id="5" presetID="10" presetClass="entr" presetSubtype="0" fill="hold" nodeType="clickEffect">
+                                  <p:stCondLst>
+                                    <p:cond delay="0"/>
+                                  </p:stCondLst>
+                                  <p:childTnLst>
+                                    <p:set>
+                                      <p:cBhvr>
+                                        <p:cTn id="6" dur="1" fill="hold">
+                                          <p:stCondLst>
+                                            <p:cond delay="0"/>
+                                          </p:stCondLst>
+                                        </p:cTn>
+                                        <p:tgtEl>
+                                          <p:spTgt spid="6"/>
+                                        </p:tgtEl>
+                                        <p:attrNameLst>
+                                          <p:attrName>style.visibility</p:attrName>
+                                        </p:attrNameLst>
+                                      </p:cBhvr>
+                                      <p:to>
+                                        <p:strVal val="visible"/>
+                                      </p:to>
+                                    </p:set>
+                                    <p:animEffect transition="in" filter="fade">
+                                      <p:cBhvr>
+                                        <p:cTn id="7" dur="500"/>
+                                        <p:tgtEl>
+                                          <p:spTgt spid="6"/>
+                                        </p:tgtEl>
+                                      </p:cBhvr>
+                                    </p:animEffect>
+                                  </p:childTnLst>
+                                </p:cTn>
+                              </p:par>
+                            </p:childTnLst>
+                          </p:cTn>
+                        </p:par>
+                      </p:childTnLst>
+                    </p:cTn>
+                  </p:par>
+                </p:childTnLst>
+              </p:cTn>
+              <p:prevCondLst>
+                <p:cond evt="onPrev" delay="0">
+                  <p:tgtEl>
+                    <p:sldTgt/>
+                  </p:tgtEl>
+                </p:cond>
+              </p:prevCondLst>
+              <p:nextCondLst>
+                <p:cond evt="onNext" delay="0">
+                  <p:tgtEl>
+                    <p:sldTgt/>
+                  </p:tgtEl>
+                </p:cond>
+              </p:nextCondLst>
+            </p:seq>
+          </p:childTnLst>
+        </p:cTn>
       </p:par>
     </p:tnLst>
   </p:timing>
@@ -12383,12 +13147,12 @@
                     <a:p>
                       <a:pPr algn="l" fontAlgn="b"/>
                       <a:r>
-                        <a:rPr lang="en-US" sz="2000" u="none" strike="noStrike">
+                        <a:rPr lang="en-US" sz="2000" u="none" strike="noStrike" dirty="0">
                           <a:effectLst/>
                         </a:rPr>
                         <a:t>Purchase</a:t>
                       </a:r>
-                      <a:endParaRPr lang="en-US" sz="2000" b="0" i="0" u="none" strike="noStrike">
+                      <a:endParaRPr lang="en-US" sz="2000" b="0" i="0" u="none" strike="noStrike" dirty="0">
                         <a:solidFill>
                           <a:srgbClr val="000000"/>
                         </a:solidFill>
@@ -12578,7 +13342,83 @@
   <p:timing>
     <p:tnLst>
       <p:par>
-        <p:cTn id="1" dur="indefinite" restart="never" nodeType="tmRoot"/>
+        <p:cTn id="1" dur="indefinite" restart="never" nodeType="tmRoot">
+          <p:childTnLst>
+            <p:seq concurrent="1" nextAc="seek">
+              <p:cTn id="2" dur="indefinite" nodeType="mainSeq">
+                <p:childTnLst>
+                  <p:par>
+                    <p:cTn id="3" fill="hold">
+                      <p:stCondLst>
+                        <p:cond delay="indefinite"/>
+                      </p:stCondLst>
+                      <p:childTnLst>
+                        <p:par>
+                          <p:cTn id="4" fill="hold">
+                            <p:stCondLst>
+                              <p:cond delay="0"/>
+                            </p:stCondLst>
+                            <p:childTnLst>
+                              <p:par>
+                                <p:cTn id="5" presetID="10" presetClass="entr" presetSubtype="0" fill="hold" nodeType="clickEffect">
+                                  <p:stCondLst>
+                                    <p:cond delay="0"/>
+                                  </p:stCondLst>
+                                  <p:childTnLst>
+                                    <p:set>
+                                      <p:cBhvr>
+                                        <p:cTn id="6" dur="1" fill="hold">
+                                          <p:stCondLst>
+                                            <p:cond delay="0"/>
+                                          </p:stCondLst>
+                                        </p:cTn>
+                                        <p:tgtEl>
+                                          <p:spTgt spid="5"/>
+                                        </p:tgtEl>
+                                        <p:attrNameLst>
+                                          <p:attrName>style.visibility</p:attrName>
+                                        </p:attrNameLst>
+                                      </p:cBhvr>
+                                      <p:to>
+                                        <p:strVal val="visible"/>
+                                      </p:to>
+                                    </p:set>
+                                    <p:animEffect transition="in" filter="fade">
+                                      <p:cBhvr>
+                                        <p:cTn id="7" dur="500"/>
+                                        <p:tgtEl>
+                                          <p:spTgt spid="5"/>
+                                        </p:tgtEl>
+                                      </p:cBhvr>
+                                    </p:animEffect>
+                                  </p:childTnLst>
+                                </p:cTn>
+                              </p:par>
+                            </p:childTnLst>
+                          </p:cTn>
+                        </p:par>
+                      </p:childTnLst>
+                    </p:cTn>
+                  </p:par>
+                </p:childTnLst>
+              </p:cTn>
+              <p:prevCondLst>
+                <p:cond evt="onPrev" delay="0">
+                  <p:tgtEl>
+                    <p:sldTgt/>
+                  </p:tgtEl>
+                </p:cond>
+              </p:prevCondLst>
+              <p:nextCondLst>
+                <p:cond evt="onNext" delay="0">
+                  <p:tgtEl>
+                    <p:sldTgt/>
+                  </p:tgtEl>
+                </p:cond>
+              </p:nextCondLst>
+            </p:seq>
+          </p:childTnLst>
+        </p:cTn>
       </p:par>
     </p:tnLst>
   </p:timing>
@@ -12920,7 +13760,91 @@
   <p:timing>
     <p:tnLst>
       <p:par>
-        <p:cTn id="1" dur="indefinite" restart="never" nodeType="tmRoot"/>
+        <p:cTn id="1" dur="indefinite" restart="never" nodeType="tmRoot">
+          <p:childTnLst>
+            <p:seq concurrent="1" nextAc="seek">
+              <p:cTn id="2" dur="indefinite" nodeType="mainSeq">
+                <p:childTnLst>
+                  <p:par>
+                    <p:cTn id="3" fill="hold">
+                      <p:stCondLst>
+                        <p:cond delay="indefinite"/>
+                      </p:stCondLst>
+                      <p:childTnLst>
+                        <p:par>
+                          <p:cTn id="4" fill="hold">
+                            <p:stCondLst>
+                              <p:cond delay="0"/>
+                            </p:stCondLst>
+                            <p:childTnLst>
+                              <p:par>
+                                <p:cTn id="5" presetID="10" presetClass="entr" presetSubtype="0" fill="hold" nodeType="clickEffect">
+                                  <p:stCondLst>
+                                    <p:cond delay="0"/>
+                                  </p:stCondLst>
+                                  <p:childTnLst>
+                                    <p:set>
+                                      <p:cBhvr>
+                                        <p:cTn id="6" dur="1" fill="hold">
+                                          <p:stCondLst>
+                                            <p:cond delay="0"/>
+                                          </p:stCondLst>
+                                        </p:cTn>
+                                        <p:tgtEl>
+                                          <p:spTgt spid="3">
+                                            <p:txEl>
+                                              <p:pRg st="3" end="3"/>
+                                            </p:txEl>
+                                          </p:spTgt>
+                                        </p:tgtEl>
+                                        <p:attrNameLst>
+                                          <p:attrName>style.visibility</p:attrName>
+                                        </p:attrNameLst>
+                                      </p:cBhvr>
+                                      <p:to>
+                                        <p:strVal val="visible"/>
+                                      </p:to>
+                                    </p:set>
+                                    <p:animEffect transition="in" filter="fade">
+                                      <p:cBhvr>
+                                        <p:cTn id="7" dur="500"/>
+                                        <p:tgtEl>
+                                          <p:spTgt spid="3">
+                                            <p:txEl>
+                                              <p:pRg st="3" end="3"/>
+                                            </p:txEl>
+                                          </p:spTgt>
+                                        </p:tgtEl>
+                                      </p:cBhvr>
+                                    </p:animEffect>
+                                  </p:childTnLst>
+                                </p:cTn>
+                              </p:par>
+                            </p:childTnLst>
+                          </p:cTn>
+                        </p:par>
+                      </p:childTnLst>
+                    </p:cTn>
+                  </p:par>
+                </p:childTnLst>
+              </p:cTn>
+              <p:prevCondLst>
+                <p:cond evt="onPrev" delay="0">
+                  <p:tgtEl>
+                    <p:sldTgt/>
+                  </p:tgtEl>
+                </p:cond>
+              </p:prevCondLst>
+              <p:nextCondLst>
+                <p:cond evt="onNext" delay="0">
+                  <p:tgtEl>
+                    <p:sldTgt/>
+                  </p:tgtEl>
+                </p:cond>
+              </p:nextCondLst>
+            </p:seq>
+          </p:childTnLst>
+        </p:cTn>
       </p:par>
     </p:tnLst>
   </p:timing>

--- a/allstate-presentation.pptx
+++ b/allstate-presentation.pptx
@@ -3290,7 +3290,15 @@
             <a:pPr lvl="1"/>
             <a:r>
               <a:rPr lang="en-US" dirty="0" smtClean="0"/>
-              <a:t>State, location ID, group size, homeowner?, married?, risk factor, oldest person covered, youngest person covered, years covered by previous issuer, previous C option</a:t>
+              <a:t>State, location ID, group size, </a:t>
+            </a:r>
+            <a:r>
+              <a:rPr lang="en-US" dirty="0" smtClean="0"/>
+              <a:t>homeowner, married, </a:t>
+            </a:r>
+            <a:r>
+              <a:rPr lang="en-US" dirty="0" smtClean="0"/>
+              <a:t>risk factor, oldest person covered, youngest person covered, years covered by previous issuer, previous C option</a:t>
             </a:r>
           </a:p>
           <a:p>
@@ -5179,8 +5187,17 @@
           <a:p>
             <a:r>
               <a:rPr lang="en-US" dirty="0" smtClean="0"/>
-              <a:t>Most importantly: Did I profit? ($25K prize!)</a:t>
-            </a:r>
+              <a:t>Did </a:t>
+            </a:r>
+            <a:r>
+              <a:rPr lang="en-US" dirty="0" smtClean="0"/>
+              <a:t>I profit? ($25K </a:t>
+            </a:r>
+            <a:r>
+              <a:rPr lang="en-US" dirty="0" smtClean="0"/>
+              <a:t>prize for first place!)</a:t>
+            </a:r>
+            <a:endParaRPr lang="en-US" dirty="0" smtClean="0"/>
           </a:p>
         </p:txBody>
       </p:sp>
@@ -5274,7 +5291,11 @@
           <a:p>
             <a:r>
               <a:rPr lang="en-US" dirty="0" smtClean="0"/>
-              <a:t>Perhaps less noisy than the raw features (and less likely to </a:t>
+              <a:t>Less </a:t>
+            </a:r>
+            <a:r>
+              <a:rPr lang="en-US" dirty="0" smtClean="0"/>
+              <a:t>noisy than the raw features (and less likely to </a:t>
             </a:r>
             <a:r>
               <a:rPr lang="en-US" dirty="0" err="1" smtClean="0"/>
@@ -5282,8 +5303,13 @@
             </a:r>
             <a:r>
               <a:rPr lang="en-US" dirty="0" smtClean="0"/>
-              <a:t> the training data?)</a:t>
-            </a:r>
+              <a:t> the training </a:t>
+            </a:r>
+            <a:r>
+              <a:rPr lang="en-US" dirty="0" smtClean="0"/>
+              <a:t>data)</a:t>
+            </a:r>
+            <a:endParaRPr lang="en-US" dirty="0" smtClean="0"/>
           </a:p>
           <a:p>
             <a:r>
@@ -6188,27 +6214,75 @@
             <p:ph idx="1"/>
           </p:nvPr>
         </p:nvSpPr>
-        <p:spPr/>
+        <p:spPr>
+          <a:xfrm>
+            <a:off x="457200" y="1600200"/>
+            <a:ext cx="8229600" cy="4648200"/>
+          </a:xfrm>
+        </p:spPr>
         <p:txBody>
-          <a:bodyPr/>
+          <a:bodyPr>
+            <a:normAutofit/>
+          </a:bodyPr>
           <a:lstStyle/>
           <a:p>
             <a:r>
               <a:rPr lang="en-US" dirty="0" smtClean="0"/>
-              <a:t>Option 1: Build a single model to predict the entire combination of 7 options at once</a:t>
-            </a:r>
-          </a:p>
-          <a:p>
-            <a:r>
-              <a:rPr lang="en-US" dirty="0" smtClean="0"/>
-              <a:t>Option 2: Build 7 models to predict each option one at a time, and then combine the results</a:t>
+              <a:t>For customers who I predict will change, two options for how to predict their new plans:</a:t>
             </a:r>
           </a:p>
           <a:p>
             <a:pPr lvl="1"/>
             <a:r>
               <a:rPr lang="en-US" dirty="0" smtClean="0"/>
-              <a:t>Chose this option, and used random forests and single-hidden-layer neural networks</a:t>
+              <a:t>Build 1 </a:t>
+            </a:r>
+            <a:r>
+              <a:rPr lang="en-US" dirty="0" smtClean="0"/>
+              <a:t>model to predict the entire combination of 7 options at once</a:t>
+            </a:r>
+          </a:p>
+          <a:p>
+            <a:pPr lvl="1"/>
+            <a:r>
+              <a:rPr lang="en-US" dirty="0" smtClean="0"/>
+              <a:t>Build </a:t>
+            </a:r>
+            <a:r>
+              <a:rPr lang="en-US" dirty="0" smtClean="0"/>
+              <a:t>7 models to predict each </a:t>
+            </a:r>
+            <a:r>
+              <a:rPr lang="en-US" dirty="0" smtClean="0"/>
+              <a:t>individual option, </a:t>
+            </a:r>
+            <a:r>
+              <a:rPr lang="en-US" dirty="0" smtClean="0"/>
+              <a:t>and then combine the results</a:t>
+            </a:r>
+          </a:p>
+          <a:p>
+            <a:r>
+              <a:rPr lang="en-US" dirty="0" smtClean="0"/>
+              <a:t>Chose </a:t>
+            </a:r>
+            <a:r>
+              <a:rPr lang="en-US" dirty="0" smtClean="0"/>
+              <a:t>second option</a:t>
+            </a:r>
+          </a:p>
+          <a:p>
+            <a:r>
+              <a:rPr lang="en-US" dirty="0"/>
+              <a:t>U</a:t>
+            </a:r>
+            <a:r>
+              <a:rPr lang="en-US" dirty="0" smtClean="0"/>
+              <a:t>sed </a:t>
+            </a:r>
+            <a:r>
+              <a:rPr lang="en-US" dirty="0" smtClean="0"/>
+              <a:t>random forests and single-hidden-layer neural networks</a:t>
             </a:r>
             <a:endParaRPr lang="en-US" dirty="0"/>
           </a:p>
@@ -6373,11 +6447,7 @@
           <a:p>
             <a:r>
               <a:rPr lang="en-US" dirty="0" smtClean="0"/>
-              <a:t>Backup plan: </a:t>
-            </a:r>
-            <a:r>
-              <a:rPr lang="en-US" dirty="0" smtClean="0"/>
-              <a:t>Manual adjustments</a:t>
+              <a:t>Backup plan: Manual adjustments</a:t>
             </a:r>
             <a:endParaRPr lang="en-US" dirty="0"/>
           </a:p>
@@ -6417,26 +6487,14 @@
           <a:p>
             <a:r>
               <a:rPr lang="en-US" dirty="0" smtClean="0"/>
-              <a:t>Revise option combinations </a:t>
-            </a:r>
-            <a:r>
-              <a:rPr lang="en-US" dirty="0" smtClean="0"/>
-              <a:t>using </a:t>
-            </a:r>
-            <a:r>
-              <a:rPr lang="en-US" dirty="0" smtClean="0"/>
-              <a:t>my list of “rules” about unlikely combinations</a:t>
+              <a:t>Revise option combinations using my list of “rules” about unlikely combinations</a:t>
             </a:r>
           </a:p>
           <a:p>
             <a:pPr lvl="1"/>
             <a:r>
               <a:rPr lang="en-US" dirty="0" smtClean="0"/>
-              <a:t>Example: If C=3 or C=4, choose </a:t>
-            </a:r>
-            <a:r>
-              <a:rPr lang="en-US" dirty="0" smtClean="0"/>
-              <a:t>D=3</a:t>
+              <a:t>Example: If C=3 or C=4, choose D=3</a:t>
             </a:r>
           </a:p>
           <a:p>
@@ -6444,7 +6502,6 @@
               <a:rPr lang="en-US" dirty="0" smtClean="0"/>
               <a:t>Tweaked combinations by comparing against random forest model</a:t>
             </a:r>
-            <a:endParaRPr lang="en-US" dirty="0" smtClean="0"/>
           </a:p>
           <a:p>
             <a:r>
@@ -6455,11 +6512,7 @@
           <a:p>
             <a:r>
               <a:rPr lang="en-US" dirty="0" smtClean="0"/>
-              <a:t>Result</a:t>
-            </a:r>
-            <a:r>
-              <a:rPr lang="en-US" dirty="0" smtClean="0"/>
-              <a:t>: No improvement over the baseline</a:t>
+              <a:t>Result: No improvement over the baseline</a:t>
             </a:r>
             <a:endParaRPr lang="en-US" dirty="0"/>
           </a:p>
@@ -9495,7 +9548,274 @@
   <p:timing>
     <p:tnLst>
       <p:par>
-        <p:cTn id="1" dur="indefinite" restart="never" nodeType="tmRoot"/>
+        <p:cTn id="1" dur="indefinite" restart="never" nodeType="tmRoot">
+          <p:childTnLst>
+            <p:seq concurrent="1" nextAc="seek">
+              <p:cTn id="2" dur="indefinite" nodeType="mainSeq">
+                <p:childTnLst>
+                  <p:par>
+                    <p:cTn id="3" fill="hold">
+                      <p:stCondLst>
+                        <p:cond delay="indefinite"/>
+                      </p:stCondLst>
+                      <p:childTnLst>
+                        <p:par>
+                          <p:cTn id="4" fill="hold">
+                            <p:stCondLst>
+                              <p:cond delay="0"/>
+                            </p:stCondLst>
+                            <p:childTnLst>
+                              <p:par>
+                                <p:cTn id="5" presetID="10" presetClass="entr" presetSubtype="0" fill="hold" nodeType="clickEffect">
+                                  <p:stCondLst>
+                                    <p:cond delay="0"/>
+                                  </p:stCondLst>
+                                  <p:childTnLst>
+                                    <p:set>
+                                      <p:cBhvr>
+                                        <p:cTn id="6" dur="1" fill="hold">
+                                          <p:stCondLst>
+                                            <p:cond delay="0"/>
+                                          </p:stCondLst>
+                                        </p:cTn>
+                                        <p:tgtEl>
+                                          <p:spTgt spid="3">
+                                            <p:txEl>
+                                              <p:pRg st="1" end="1"/>
+                                            </p:txEl>
+                                          </p:spTgt>
+                                        </p:tgtEl>
+                                        <p:attrNameLst>
+                                          <p:attrName>style.visibility</p:attrName>
+                                        </p:attrNameLst>
+                                      </p:cBhvr>
+                                      <p:to>
+                                        <p:strVal val="visible"/>
+                                      </p:to>
+                                    </p:set>
+                                    <p:animEffect transition="in" filter="fade">
+                                      <p:cBhvr>
+                                        <p:cTn id="7" dur="500"/>
+                                        <p:tgtEl>
+                                          <p:spTgt spid="3">
+                                            <p:txEl>
+                                              <p:pRg st="1" end="1"/>
+                                            </p:txEl>
+                                          </p:spTgt>
+                                        </p:tgtEl>
+                                      </p:cBhvr>
+                                    </p:animEffect>
+                                  </p:childTnLst>
+                                </p:cTn>
+                              </p:par>
+                            </p:childTnLst>
+                          </p:cTn>
+                        </p:par>
+                      </p:childTnLst>
+                    </p:cTn>
+                  </p:par>
+                  <p:par>
+                    <p:cTn id="8" fill="hold">
+                      <p:stCondLst>
+                        <p:cond delay="indefinite"/>
+                      </p:stCondLst>
+                      <p:childTnLst>
+                        <p:par>
+                          <p:cTn id="9" fill="hold">
+                            <p:stCondLst>
+                              <p:cond delay="0"/>
+                            </p:stCondLst>
+                            <p:childTnLst>
+                              <p:par>
+                                <p:cTn id="10" presetID="10" presetClass="entr" presetSubtype="0" fill="hold" nodeType="clickEffect">
+                                  <p:stCondLst>
+                                    <p:cond delay="0"/>
+                                  </p:stCondLst>
+                                  <p:childTnLst>
+                                    <p:set>
+                                      <p:cBhvr>
+                                        <p:cTn id="11" dur="1" fill="hold">
+                                          <p:stCondLst>
+                                            <p:cond delay="0"/>
+                                          </p:stCondLst>
+                                        </p:cTn>
+                                        <p:tgtEl>
+                                          <p:spTgt spid="3">
+                                            <p:txEl>
+                                              <p:pRg st="2" end="2"/>
+                                            </p:txEl>
+                                          </p:spTgt>
+                                        </p:tgtEl>
+                                        <p:attrNameLst>
+                                          <p:attrName>style.visibility</p:attrName>
+                                        </p:attrNameLst>
+                                      </p:cBhvr>
+                                      <p:to>
+                                        <p:strVal val="visible"/>
+                                      </p:to>
+                                    </p:set>
+                                    <p:animEffect transition="in" filter="fade">
+                                      <p:cBhvr>
+                                        <p:cTn id="12" dur="500"/>
+                                        <p:tgtEl>
+                                          <p:spTgt spid="3">
+                                            <p:txEl>
+                                              <p:pRg st="2" end="2"/>
+                                            </p:txEl>
+                                          </p:spTgt>
+                                        </p:tgtEl>
+                                      </p:cBhvr>
+                                    </p:animEffect>
+                                  </p:childTnLst>
+                                </p:cTn>
+                              </p:par>
+                            </p:childTnLst>
+                          </p:cTn>
+                        </p:par>
+                      </p:childTnLst>
+                    </p:cTn>
+                  </p:par>
+                  <p:par>
+                    <p:cTn id="13" fill="hold">
+                      <p:stCondLst>
+                        <p:cond delay="indefinite"/>
+                      </p:stCondLst>
+                      <p:childTnLst>
+                        <p:par>
+                          <p:cTn id="14" fill="hold">
+                            <p:stCondLst>
+                              <p:cond delay="0"/>
+                            </p:stCondLst>
+                            <p:childTnLst>
+                              <p:par>
+                                <p:cTn id="15" presetID="10" presetClass="entr" presetSubtype="0" fill="hold" nodeType="clickEffect">
+                                  <p:stCondLst>
+                                    <p:cond delay="0"/>
+                                  </p:stCondLst>
+                                  <p:childTnLst>
+                                    <p:set>
+                                      <p:cBhvr>
+                                        <p:cTn id="16" dur="1" fill="hold">
+                                          <p:stCondLst>
+                                            <p:cond delay="0"/>
+                                          </p:stCondLst>
+                                        </p:cTn>
+                                        <p:tgtEl>
+                                          <p:spTgt spid="3">
+                                            <p:txEl>
+                                              <p:pRg st="3" end="3"/>
+                                            </p:txEl>
+                                          </p:spTgt>
+                                        </p:tgtEl>
+                                        <p:attrNameLst>
+                                          <p:attrName>style.visibility</p:attrName>
+                                        </p:attrNameLst>
+                                      </p:cBhvr>
+                                      <p:to>
+                                        <p:strVal val="visible"/>
+                                      </p:to>
+                                    </p:set>
+                                    <p:animEffect transition="in" filter="fade">
+                                      <p:cBhvr>
+                                        <p:cTn id="17" dur="500"/>
+                                        <p:tgtEl>
+                                          <p:spTgt spid="3">
+                                            <p:txEl>
+                                              <p:pRg st="3" end="3"/>
+                                            </p:txEl>
+                                          </p:spTgt>
+                                        </p:tgtEl>
+                                      </p:cBhvr>
+                                    </p:animEffect>
+                                  </p:childTnLst>
+                                </p:cTn>
+                              </p:par>
+                            </p:childTnLst>
+                          </p:cTn>
+                        </p:par>
+                      </p:childTnLst>
+                    </p:cTn>
+                  </p:par>
+                  <p:par>
+                    <p:cTn id="18" fill="hold">
+                      <p:stCondLst>
+                        <p:cond delay="indefinite"/>
+                      </p:stCondLst>
+                      <p:childTnLst>
+                        <p:par>
+                          <p:cTn id="19" fill="hold">
+                            <p:stCondLst>
+                              <p:cond delay="0"/>
+                            </p:stCondLst>
+                            <p:childTnLst>
+                              <p:par>
+                                <p:cTn id="20" presetID="10" presetClass="entr" presetSubtype="0" fill="hold" nodeType="clickEffect">
+                                  <p:stCondLst>
+                                    <p:cond delay="0"/>
+                                  </p:stCondLst>
+                                  <p:childTnLst>
+                                    <p:set>
+                                      <p:cBhvr>
+                                        <p:cTn id="21" dur="1" fill="hold">
+                                          <p:stCondLst>
+                                            <p:cond delay="0"/>
+                                          </p:stCondLst>
+                                        </p:cTn>
+                                        <p:tgtEl>
+                                          <p:spTgt spid="3">
+                                            <p:txEl>
+                                              <p:pRg st="4" end="4"/>
+                                            </p:txEl>
+                                          </p:spTgt>
+                                        </p:tgtEl>
+                                        <p:attrNameLst>
+                                          <p:attrName>style.visibility</p:attrName>
+                                        </p:attrNameLst>
+                                      </p:cBhvr>
+                                      <p:to>
+                                        <p:strVal val="visible"/>
+                                      </p:to>
+                                    </p:set>
+                                    <p:animEffect transition="in" filter="fade">
+                                      <p:cBhvr>
+                                        <p:cTn id="22" dur="500"/>
+                                        <p:tgtEl>
+                                          <p:spTgt spid="3">
+                                            <p:txEl>
+                                              <p:pRg st="4" end="4"/>
+                                            </p:txEl>
+                                          </p:spTgt>
+                                        </p:tgtEl>
+                                      </p:cBhvr>
+                                    </p:animEffect>
+                                  </p:childTnLst>
+                                </p:cTn>
+                              </p:par>
+                            </p:childTnLst>
+                          </p:cTn>
+                        </p:par>
+                      </p:childTnLst>
+                    </p:cTn>
+                  </p:par>
+                </p:childTnLst>
+              </p:cTn>
+              <p:prevCondLst>
+                <p:cond evt="onPrev" delay="0">
+                  <p:tgtEl>
+                    <p:sldTgt/>
+                  </p:tgtEl>
+                </p:cond>
+              </p:prevCondLst>
+              <p:nextCondLst>
+                <p:cond evt="onNext" delay="0">
+                  <p:tgtEl>
+                    <p:sldTgt/>
+                  </p:tgtEl>
+                </p:cond>
+              </p:nextCondLst>
+            </p:seq>
+          </p:childTnLst>
+        </p:cTn>
       </p:par>
     </p:tnLst>
   </p:timing>
@@ -13717,7 +14037,9 @@
         </p:nvSpPr>
         <p:spPr/>
         <p:txBody>
-          <a:bodyPr/>
+          <a:bodyPr>
+            <a:normAutofit/>
+          </a:bodyPr>
           <a:lstStyle/>
           <a:p>
             <a:r>
@@ -13726,16 +14048,29 @@
             </a:r>
           </a:p>
           <a:p>
-            <a:pPr lvl="1"/>
-            <a:r>
-              <a:rPr lang="en-US" dirty="0" smtClean="0"/>
-              <a:t>Public leaderboard score: 0.53793</a:t>
-            </a:r>
-          </a:p>
-          <a:p>
-            <a:r>
-              <a:rPr lang="en-US" dirty="0" smtClean="0"/>
-              <a:t>Good news: Works pretty well, and much better than random guessing (0.00043)</a:t>
+            <a:r>
+              <a:rPr lang="en-US" dirty="0" smtClean="0"/>
+              <a:t>Good </a:t>
+            </a:r>
+            <a:r>
+              <a:rPr lang="en-US" dirty="0" smtClean="0"/>
+              <a:t>news: Works pretty </a:t>
+            </a:r>
+            <a:r>
+              <a:rPr lang="en-US" dirty="0" smtClean="0"/>
+              <a:t>well (accuracy of 0.53793), </a:t>
+            </a:r>
+            <a:r>
+              <a:rPr lang="en-US" dirty="0" smtClean="0"/>
+              <a:t>and </a:t>
+            </a:r>
+            <a:r>
+              <a:rPr lang="en-US" dirty="0" smtClean="0"/>
+              <a:t>much </a:t>
+            </a:r>
+            <a:r>
+              <a:rPr lang="en-US" dirty="0" smtClean="0"/>
+              <a:t>better than random guessing (0.00043)</a:t>
             </a:r>
           </a:p>
           <a:p>
@@ -13793,7 +14128,7 @@
                                         <p:tgtEl>
                                           <p:spTgt spid="3">
                                             <p:txEl>
-                                              <p:pRg st="3" end="3"/>
+                                              <p:pRg st="2" end="2"/>
                                             </p:txEl>
                                           </p:spTgt>
                                         </p:tgtEl>
@@ -13811,7 +14146,7 @@
                                         <p:tgtEl>
                                           <p:spTgt spid="3">
                                             <p:txEl>
-                                              <p:pRg st="3" end="3"/>
+                                              <p:pRg st="2" end="2"/>
                                             </p:txEl>
                                           </p:spTgt>
                                         </p:tgtEl>
